--- a/ppt.pptx
+++ b/ppt.pptx
@@ -5,7 +5,7 @@
     <p:sldMasterId id="2147483648" r:id="rId4"/>
   </p:sldMasterIdLst>
   <p:notesMasterIdLst>
-    <p:notesMasterId r:id="rId25"/>
+    <p:notesMasterId r:id="rId17"/>
   </p:notesMasterIdLst>
   <p:sldIdLst>
     <p:sldId id="530" r:id="rId5"/>
@@ -15,19 +15,11 @@
     <p:sldId id="549" r:id="rId9"/>
     <p:sldId id="550" r:id="rId10"/>
     <p:sldId id="551" r:id="rId11"/>
-    <p:sldId id="533" r:id="rId12"/>
-    <p:sldId id="534" r:id="rId13"/>
-    <p:sldId id="535" r:id="rId14"/>
-    <p:sldId id="536" r:id="rId15"/>
-    <p:sldId id="537" r:id="rId16"/>
-    <p:sldId id="546" r:id="rId17"/>
-    <p:sldId id="545" r:id="rId18"/>
-    <p:sldId id="538" r:id="rId19"/>
-    <p:sldId id="539" r:id="rId20"/>
-    <p:sldId id="540" r:id="rId21"/>
-    <p:sldId id="541" r:id="rId22"/>
-    <p:sldId id="543" r:id="rId23"/>
-    <p:sldId id="544" r:id="rId24"/>
+    <p:sldId id="552" r:id="rId12"/>
+    <p:sldId id="553" r:id="rId13"/>
+    <p:sldId id="554" r:id="rId14"/>
+    <p:sldId id="533" r:id="rId15"/>
+    <p:sldId id="544" r:id="rId16"/>
   </p:sldIdLst>
   <p:sldSz cx="12192000" cy="6858000"/>
   <p:notesSz cx="6858000" cy="9144000"/>
@@ -144,1237 +136,6 @@
 <p:cmAuthorLst xmlns:a="http://schemas.openxmlformats.org/drawingml/2006/main" xmlns:r="http://schemas.openxmlformats.org/officeDocument/2006/relationships" xmlns:p="http://schemas.openxmlformats.org/presentationml/2006/main">
   <p:cmAuthor id="3" name="Author" initials="A" lastIdx="0" clrIdx="2"/>
 </p:cmAuthorLst>
-</file>
-
-<file path=ppt/charts/chart1.xml><?xml version="1.0" encoding="utf-8"?>
-<c:chartSpace xmlns:c="http://schemas.openxmlformats.org/drawingml/2006/chart" xmlns:a="http://schemas.openxmlformats.org/drawingml/2006/main" xmlns:r="http://schemas.openxmlformats.org/officeDocument/2006/relationships" xmlns:c16r2="http://schemas.microsoft.com/office/drawing/2015/06/chart">
-  <c:date1904 val="0"/>
-  <c:lang val="en-US"/>
-  <c:roundedCorners val="0"/>
-  <mc:AlternateContent xmlns:mc="http://schemas.openxmlformats.org/markup-compatibility/2006">
-    <mc:Choice xmlns:c14="http://schemas.microsoft.com/office/drawing/2007/8/2/chart" Requires="c14">
-      <c14:style val="102"/>
-    </mc:Choice>
-    <mc:Fallback>
-      <c:style val="2"/>
-    </mc:Fallback>
-  </mc:AlternateContent>
-  <c:chart>
-    <c:autoTitleDeleted val="1"/>
-    <c:plotArea>
-      <c:layout/>
-      <c:barChart>
-        <c:barDir val="bar"/>
-        <c:grouping val="stacked"/>
-        <c:varyColors val="0"/>
-        <c:ser>
-          <c:idx val="0"/>
-          <c:order val="0"/>
-          <c:tx>
-            <c:strRef>
-              <c:f>Sheet1!$B$1</c:f>
-              <c:strCache>
-                <c:ptCount val="1"/>
-                <c:pt idx="0">
-                  <c:v>Series 3</c:v>
-                </c:pt>
-              </c:strCache>
-            </c:strRef>
-          </c:tx>
-          <c:spPr>
-            <a:solidFill>
-              <a:schemeClr val="accent6"/>
-            </a:solidFill>
-            <a:ln>
-              <a:noFill/>
-            </a:ln>
-            <a:effectLst/>
-          </c:spPr>
-          <c:invertIfNegative val="0"/>
-          <c:dLbls>
-            <c:spPr>
-              <a:noFill/>
-              <a:ln>
-                <a:noFill/>
-              </a:ln>
-              <a:effectLst/>
-            </c:spPr>
-            <c:txPr>
-              <a:bodyPr rot="0" spcFirstLastPara="1" vertOverflow="ellipsis" vert="horz" wrap="square" anchor="ctr" anchorCtr="1"/>
-              <a:lstStyle/>
-              <a:p>
-                <a:pPr>
-                  <a:defRPr sz="1197" b="0" i="0" u="none" strike="noStrike" kern="1200" baseline="0">
-                    <a:solidFill>
-                      <a:schemeClr val="accent3">
-                        <a:lumMod val="25000"/>
-                      </a:schemeClr>
-                    </a:solidFill>
-                    <a:latin typeface="Segoe UI Light" panose="020B0502040204020203" pitchFamily="34" charset="0"/>
-                    <a:ea typeface="+mn-ea"/>
-                    <a:cs typeface="Segoe UI Light" panose="020B0502040204020203" pitchFamily="34" charset="0"/>
-                  </a:defRPr>
-                </a:pPr>
-                <a:endParaRPr lang="en-US"/>
-              </a:p>
-            </c:txPr>
-            <c:showLegendKey val="0"/>
-            <c:showVal val="1"/>
-            <c:showCatName val="0"/>
-            <c:showSerName val="0"/>
-            <c:showPercent val="0"/>
-            <c:showBubbleSize val="0"/>
-            <c:showLeaderLines val="0"/>
-            <c:extLst>
-              <c:ext xmlns:c15="http://schemas.microsoft.com/office/drawing/2012/chart" uri="{CE6537A1-D6FC-4f65-9D91-7224C49458BB}">
-                <c15:showLeaderLines val="1"/>
-                <c15:leaderLines>
-                  <c:spPr>
-                    <a:ln w="9525">
-                      <a:solidFill>
-                        <a:schemeClr val="tx1">
-                          <a:lumMod val="35000"/>
-                          <a:lumOff val="65000"/>
-                        </a:schemeClr>
-                      </a:solidFill>
-                    </a:ln>
-                    <a:effectLst/>
-                  </c:spPr>
-                </c15:leaderLines>
-              </c:ext>
-            </c:extLst>
-          </c:dLbls>
-          <c:cat>
-            <c:strRef>
-              <c:f>Sheet1!$A$2:$A$5</c:f>
-              <c:strCache>
-                <c:ptCount val="4"/>
-                <c:pt idx="0">
-                  <c:v>Q4</c:v>
-                </c:pt>
-                <c:pt idx="1">
-                  <c:v>Q3</c:v>
-                </c:pt>
-                <c:pt idx="2">
-                  <c:v>Q2</c:v>
-                </c:pt>
-                <c:pt idx="3">
-                  <c:v>Q1</c:v>
-                </c:pt>
-              </c:strCache>
-            </c:strRef>
-          </c:cat>
-          <c:val>
-            <c:numRef>
-              <c:f>Sheet1!$B$2:$B$5</c:f>
-              <c:numCache>
-                <c:formatCode>_(* #,##0.0_);_(* \(#,##0.0\);_(* "-"??_);_(@_)</c:formatCode>
-                <c:ptCount val="4"/>
-                <c:pt idx="0">
-                  <c:v>4.5</c:v>
-                </c:pt>
-                <c:pt idx="1">
-                  <c:v>3.5</c:v>
-                </c:pt>
-                <c:pt idx="2">
-                  <c:v>2.5</c:v>
-                </c:pt>
-                <c:pt idx="3">
-                  <c:v>4.3</c:v>
-                </c:pt>
-              </c:numCache>
-            </c:numRef>
-          </c:val>
-          <c:extLst>
-            <c:ext xmlns:c16="http://schemas.microsoft.com/office/drawing/2014/chart" uri="{C3380CC4-5D6E-409C-BE32-E72D297353CC}">
-              <c16:uniqueId val="{00000000-448A-482A-987B-70234277E2E8}"/>
-            </c:ext>
-          </c:extLst>
-        </c:ser>
-        <c:ser>
-          <c:idx val="1"/>
-          <c:order val="1"/>
-          <c:tx>
-            <c:strRef>
-              <c:f>Sheet1!$C$1</c:f>
-              <c:strCache>
-                <c:ptCount val="1"/>
-                <c:pt idx="0">
-                  <c:v>Series 2</c:v>
-                </c:pt>
-              </c:strCache>
-            </c:strRef>
-          </c:tx>
-          <c:spPr>
-            <a:solidFill>
-              <a:schemeClr val="accent4"/>
-            </a:solidFill>
-            <a:ln>
-              <a:noFill/>
-            </a:ln>
-            <a:effectLst/>
-          </c:spPr>
-          <c:invertIfNegative val="0"/>
-          <c:dLbls>
-            <c:spPr>
-              <a:noFill/>
-              <a:ln>
-                <a:noFill/>
-              </a:ln>
-              <a:effectLst/>
-            </c:spPr>
-            <c:txPr>
-              <a:bodyPr rot="0" spcFirstLastPara="1" vertOverflow="ellipsis" vert="horz" wrap="square" anchor="ctr" anchorCtr="1"/>
-              <a:lstStyle/>
-              <a:p>
-                <a:pPr>
-                  <a:defRPr sz="1197" b="0" i="0" u="none" strike="noStrike" kern="1200" baseline="0">
-                    <a:solidFill>
-                      <a:schemeClr val="accent3">
-                        <a:lumMod val="25000"/>
-                      </a:schemeClr>
-                    </a:solidFill>
-                    <a:latin typeface="Segoe UI Light" panose="020B0502040204020203" pitchFamily="34" charset="0"/>
-                    <a:ea typeface="+mn-ea"/>
-                    <a:cs typeface="Segoe UI Light" panose="020B0502040204020203" pitchFamily="34" charset="0"/>
-                  </a:defRPr>
-                </a:pPr>
-                <a:endParaRPr lang="en-US"/>
-              </a:p>
-            </c:txPr>
-            <c:showLegendKey val="0"/>
-            <c:showVal val="1"/>
-            <c:showCatName val="0"/>
-            <c:showSerName val="0"/>
-            <c:showPercent val="0"/>
-            <c:showBubbleSize val="0"/>
-            <c:showLeaderLines val="0"/>
-            <c:extLst>
-              <c:ext xmlns:c15="http://schemas.microsoft.com/office/drawing/2012/chart" uri="{CE6537A1-D6FC-4f65-9D91-7224C49458BB}">
-                <c15:showLeaderLines val="1"/>
-                <c15:leaderLines>
-                  <c:spPr>
-                    <a:ln w="9525">
-                      <a:solidFill>
-                        <a:schemeClr val="tx1">
-                          <a:lumMod val="35000"/>
-                          <a:lumOff val="65000"/>
-                        </a:schemeClr>
-                      </a:solidFill>
-                    </a:ln>
-                    <a:effectLst/>
-                  </c:spPr>
-                </c15:leaderLines>
-              </c:ext>
-            </c:extLst>
-          </c:dLbls>
-          <c:cat>
-            <c:strRef>
-              <c:f>Sheet1!$A$2:$A$5</c:f>
-              <c:strCache>
-                <c:ptCount val="4"/>
-                <c:pt idx="0">
-                  <c:v>Q4</c:v>
-                </c:pt>
-                <c:pt idx="1">
-                  <c:v>Q3</c:v>
-                </c:pt>
-                <c:pt idx="2">
-                  <c:v>Q2</c:v>
-                </c:pt>
-                <c:pt idx="3">
-                  <c:v>Q1</c:v>
-                </c:pt>
-              </c:strCache>
-            </c:strRef>
-          </c:cat>
-          <c:val>
-            <c:numRef>
-              <c:f>Sheet1!$C$2:$C$5</c:f>
-              <c:numCache>
-                <c:formatCode>_(* #,##0.0_);_(* \(#,##0.0\);_(* "-"??_);_(@_)</c:formatCode>
-                <c:ptCount val="4"/>
-                <c:pt idx="0">
-                  <c:v>2.8</c:v>
-                </c:pt>
-                <c:pt idx="1">
-                  <c:v>1.8</c:v>
-                </c:pt>
-                <c:pt idx="2">
-                  <c:v>4.4000000000000004</c:v>
-                </c:pt>
-                <c:pt idx="3">
-                  <c:v>2.4</c:v>
-                </c:pt>
-              </c:numCache>
-            </c:numRef>
-          </c:val>
-          <c:extLst>
-            <c:ext xmlns:c16="http://schemas.microsoft.com/office/drawing/2014/chart" uri="{C3380CC4-5D6E-409C-BE32-E72D297353CC}">
-              <c16:uniqueId val="{00000001-448A-482A-987B-70234277E2E8}"/>
-            </c:ext>
-          </c:extLst>
-        </c:ser>
-        <c:ser>
-          <c:idx val="2"/>
-          <c:order val="2"/>
-          <c:tx>
-            <c:strRef>
-              <c:f>Sheet1!$D$1</c:f>
-              <c:strCache>
-                <c:ptCount val="1"/>
-                <c:pt idx="0">
-                  <c:v>Series 1</c:v>
-                </c:pt>
-              </c:strCache>
-            </c:strRef>
-          </c:tx>
-          <c:spPr>
-            <a:solidFill>
-              <a:schemeClr val="tx2"/>
-            </a:solidFill>
-            <a:ln>
-              <a:noFill/>
-            </a:ln>
-            <a:effectLst/>
-          </c:spPr>
-          <c:invertIfNegative val="0"/>
-          <c:dLbls>
-            <c:spPr>
-              <a:noFill/>
-              <a:ln>
-                <a:noFill/>
-              </a:ln>
-              <a:effectLst/>
-            </c:spPr>
-            <c:txPr>
-              <a:bodyPr rot="0" spcFirstLastPara="1" vertOverflow="ellipsis" vert="horz" wrap="square" anchor="ctr" anchorCtr="1"/>
-              <a:lstStyle/>
-              <a:p>
-                <a:pPr>
-                  <a:defRPr sz="1197" b="0" i="0" u="none" strike="noStrike" kern="1200" baseline="0">
-                    <a:solidFill>
-                      <a:schemeClr val="accent3">
-                        <a:lumMod val="25000"/>
-                      </a:schemeClr>
-                    </a:solidFill>
-                    <a:latin typeface="Segoe UI Light" panose="020B0502040204020203" pitchFamily="34" charset="0"/>
-                    <a:ea typeface="+mn-ea"/>
-                    <a:cs typeface="Segoe UI Light" panose="020B0502040204020203" pitchFamily="34" charset="0"/>
-                  </a:defRPr>
-                </a:pPr>
-                <a:endParaRPr lang="en-US"/>
-              </a:p>
-            </c:txPr>
-            <c:showLegendKey val="0"/>
-            <c:showVal val="1"/>
-            <c:showCatName val="0"/>
-            <c:showSerName val="0"/>
-            <c:showPercent val="0"/>
-            <c:showBubbleSize val="0"/>
-            <c:showLeaderLines val="0"/>
-            <c:extLst>
-              <c:ext xmlns:c15="http://schemas.microsoft.com/office/drawing/2012/chart" uri="{CE6537A1-D6FC-4f65-9D91-7224C49458BB}">
-                <c15:showLeaderLines val="1"/>
-                <c15:leaderLines>
-                  <c:spPr>
-                    <a:ln w="9525">
-                      <a:solidFill>
-                        <a:schemeClr val="tx1">
-                          <a:lumMod val="35000"/>
-                          <a:lumOff val="65000"/>
-                        </a:schemeClr>
-                      </a:solidFill>
-                    </a:ln>
-                    <a:effectLst/>
-                  </c:spPr>
-                </c15:leaderLines>
-              </c:ext>
-            </c:extLst>
-          </c:dLbls>
-          <c:cat>
-            <c:strRef>
-              <c:f>Sheet1!$A$2:$A$5</c:f>
-              <c:strCache>
-                <c:ptCount val="4"/>
-                <c:pt idx="0">
-                  <c:v>Q4</c:v>
-                </c:pt>
-                <c:pt idx="1">
-                  <c:v>Q3</c:v>
-                </c:pt>
-                <c:pt idx="2">
-                  <c:v>Q2</c:v>
-                </c:pt>
-                <c:pt idx="3">
-                  <c:v>Q1</c:v>
-                </c:pt>
-              </c:strCache>
-            </c:strRef>
-          </c:cat>
-          <c:val>
-            <c:numRef>
-              <c:f>Sheet1!$D$2:$D$5</c:f>
-              <c:numCache>
-                <c:formatCode>_(* #,##0.0_);_(* \(#,##0.0\);_(* "-"??_);_(@_)</c:formatCode>
-                <c:ptCount val="4"/>
-                <c:pt idx="0">
-                  <c:v>5</c:v>
-                </c:pt>
-                <c:pt idx="1">
-                  <c:v>3</c:v>
-                </c:pt>
-                <c:pt idx="2">
-                  <c:v>2</c:v>
-                </c:pt>
-                <c:pt idx="3">
-                  <c:v>2</c:v>
-                </c:pt>
-              </c:numCache>
-            </c:numRef>
-          </c:val>
-          <c:extLst>
-            <c:ext xmlns:c16="http://schemas.microsoft.com/office/drawing/2014/chart" uri="{C3380CC4-5D6E-409C-BE32-E72D297353CC}">
-              <c16:uniqueId val="{00000002-448A-482A-987B-70234277E2E8}"/>
-            </c:ext>
-          </c:extLst>
-        </c:ser>
-        <c:dLbls>
-          <c:showLegendKey val="0"/>
-          <c:showVal val="1"/>
-          <c:showCatName val="0"/>
-          <c:showSerName val="0"/>
-          <c:showPercent val="0"/>
-          <c:showBubbleSize val="0"/>
-        </c:dLbls>
-        <c:gapWidth val="326"/>
-        <c:overlap val="100"/>
-        <c:axId val="1111705064"/>
-        <c:axId val="1111706704"/>
-      </c:barChart>
-      <c:catAx>
-        <c:axId val="1111705064"/>
-        <c:scaling>
-          <c:orientation val="minMax"/>
-        </c:scaling>
-        <c:delete val="0"/>
-        <c:axPos val="l"/>
-        <c:numFmt formatCode="General" sourceLinked="1"/>
-        <c:majorTickMark val="none"/>
-        <c:minorTickMark val="none"/>
-        <c:tickLblPos val="nextTo"/>
-        <c:spPr>
-          <a:noFill/>
-          <a:ln w="19050" cap="flat" cmpd="sng" algn="ctr">
-            <a:solidFill>
-              <a:schemeClr val="tx1">
-                <a:lumMod val="15000"/>
-                <a:lumOff val="85000"/>
-              </a:schemeClr>
-            </a:solidFill>
-            <a:round/>
-            <a:headEnd type="none" w="sm" len="sm"/>
-            <a:tailEnd type="none" w="sm" len="sm"/>
-          </a:ln>
-          <a:effectLst/>
-        </c:spPr>
-        <c:txPr>
-          <a:bodyPr rot="-60000000" spcFirstLastPara="1" vertOverflow="ellipsis" vert="horz" wrap="square" anchor="ctr" anchorCtr="1"/>
-          <a:lstStyle/>
-          <a:p>
-            <a:pPr>
-              <a:defRPr sz="1197" b="0" i="0" u="none" strike="noStrike" kern="1200" baseline="0">
-                <a:solidFill>
-                  <a:schemeClr val="bg1"/>
-                </a:solidFill>
-                <a:latin typeface="Segoe UI Light" panose="020B0502040204020203" pitchFamily="34" charset="0"/>
-                <a:ea typeface="+mn-ea"/>
-                <a:cs typeface="Segoe UI Light" panose="020B0502040204020203" pitchFamily="34" charset="0"/>
-              </a:defRPr>
-            </a:pPr>
-            <a:endParaRPr lang="en-US"/>
-          </a:p>
-        </c:txPr>
-        <c:crossAx val="1111706704"/>
-        <c:crosses val="autoZero"/>
-        <c:auto val="1"/>
-        <c:lblAlgn val="ctr"/>
-        <c:lblOffset val="100"/>
-        <c:noMultiLvlLbl val="0"/>
-      </c:catAx>
-      <c:valAx>
-        <c:axId val="1111706704"/>
-        <c:scaling>
-          <c:orientation val="minMax"/>
-        </c:scaling>
-        <c:delete val="0"/>
-        <c:axPos val="b"/>
-        <c:majorGridlines>
-          <c:spPr>
-            <a:ln w="9525" cap="flat" cmpd="sng" algn="ctr">
-              <a:gradFill>
-                <a:gsLst>
-                  <a:gs pos="99000">
-                    <a:schemeClr val="tx1">
-                      <a:lumMod val="25000"/>
-                      <a:lumOff val="75000"/>
-                    </a:schemeClr>
-                  </a:gs>
-                  <a:gs pos="0">
-                    <a:schemeClr val="tx1">
-                      <a:lumMod val="15000"/>
-                      <a:lumOff val="85000"/>
-                    </a:schemeClr>
-                  </a:gs>
-                </a:gsLst>
-                <a:lin ang="5400000" scaled="0"/>
-              </a:gradFill>
-              <a:round/>
-            </a:ln>
-            <a:effectLst/>
-          </c:spPr>
-        </c:majorGridlines>
-        <c:numFmt formatCode="_(* #,##0.0_);_(* \(#,##0.0\);_(* &quot;-&quot;??_);_(@_)" sourceLinked="1"/>
-        <c:majorTickMark val="none"/>
-        <c:minorTickMark val="none"/>
-        <c:tickLblPos val="nextTo"/>
-        <c:spPr>
-          <a:noFill/>
-          <a:ln>
-            <a:noFill/>
-          </a:ln>
-          <a:effectLst/>
-        </c:spPr>
-        <c:txPr>
-          <a:bodyPr rot="-60000000" spcFirstLastPara="1" vertOverflow="ellipsis" vert="horz" wrap="square" anchor="ctr" anchorCtr="1"/>
-          <a:lstStyle/>
-          <a:p>
-            <a:pPr>
-              <a:defRPr sz="1197" b="0" i="0" u="none" strike="noStrike" kern="1200" baseline="0">
-                <a:solidFill>
-                  <a:schemeClr val="bg1"/>
-                </a:solidFill>
-                <a:latin typeface="Segoe UI Light" panose="020B0502040204020203" pitchFamily="34" charset="0"/>
-                <a:ea typeface="+mn-ea"/>
-                <a:cs typeface="Segoe UI Light" panose="020B0502040204020203" pitchFamily="34" charset="0"/>
-              </a:defRPr>
-            </a:pPr>
-            <a:endParaRPr lang="en-US"/>
-          </a:p>
-        </c:txPr>
-        <c:crossAx val="1111705064"/>
-        <c:crosses val="autoZero"/>
-        <c:crossBetween val="between"/>
-      </c:valAx>
-      <c:spPr>
-        <a:noFill/>
-        <a:ln>
-          <a:noFill/>
-        </a:ln>
-        <a:effectLst/>
-      </c:spPr>
-    </c:plotArea>
-    <c:legend>
-      <c:legendPos val="b"/>
-      <c:overlay val="0"/>
-      <c:spPr>
-        <a:noFill/>
-        <a:ln>
-          <a:noFill/>
-        </a:ln>
-        <a:effectLst/>
-      </c:spPr>
-      <c:txPr>
-        <a:bodyPr rot="0" spcFirstLastPara="1" vertOverflow="ellipsis" vert="horz" wrap="square" anchor="ctr" anchorCtr="1"/>
-        <a:lstStyle/>
-        <a:p>
-          <a:pPr>
-            <a:defRPr sz="1197" b="0" i="0" u="none" strike="noStrike" kern="1200" baseline="0">
-              <a:solidFill>
-                <a:schemeClr val="bg1"/>
-              </a:solidFill>
-              <a:latin typeface="Segoe UI Light" panose="020B0502040204020203" pitchFamily="34" charset="0"/>
-              <a:ea typeface="+mn-ea"/>
-              <a:cs typeface="Segoe UI Light" panose="020B0502040204020203" pitchFamily="34" charset="0"/>
-            </a:defRPr>
-          </a:pPr>
-          <a:endParaRPr lang="en-US"/>
-        </a:p>
-      </c:txPr>
-    </c:legend>
-    <c:plotVisOnly val="1"/>
-    <c:dispBlanksAs val="gap"/>
-    <c:extLst>
-      <c:ext xmlns:c16r3="http://schemas.microsoft.com/office/drawing/2017/03/chart" uri="{56B9EC1D-385E-4148-901F-78D8002777C0}">
-        <c16r3:dataDisplayOptions16>
-          <c16r3:dispNaAsBlank val="1"/>
-        </c16r3:dataDisplayOptions16>
-      </c:ext>
-    </c:extLst>
-    <c:showDLblsOverMax val="0"/>
-  </c:chart>
-  <c:spPr>
-    <a:noFill/>
-    <a:ln>
-      <a:noFill/>
-    </a:ln>
-    <a:effectLst/>
-  </c:spPr>
-  <c:txPr>
-    <a:bodyPr/>
-    <a:lstStyle/>
-    <a:p>
-      <a:pPr>
-        <a:defRPr b="0" i="0">
-          <a:solidFill>
-            <a:schemeClr val="bg1"/>
-          </a:solidFill>
-          <a:latin typeface="Segoe UI Light" panose="020B0502040204020203" pitchFamily="34" charset="0"/>
-          <a:cs typeface="Segoe UI Light" panose="020B0502040204020203" pitchFamily="34" charset="0"/>
-        </a:defRPr>
-      </a:pPr>
-      <a:endParaRPr lang="en-US"/>
-    </a:p>
-  </c:txPr>
-  <c:externalData r:id="rId3">
-    <c:autoUpdate val="0"/>
-  </c:externalData>
-</c:chartSpace>
-</file>
-
-<file path=ppt/charts/colors1.xml><?xml version="1.0" encoding="utf-8"?>
-<cs:colorStyle xmlns:cs="http://schemas.microsoft.com/office/drawing/2012/chartStyle" xmlns:a="http://schemas.openxmlformats.org/drawingml/2006/main" meth="cycle" id="10">
-  <a:schemeClr val="accent1"/>
-  <a:schemeClr val="accent2"/>
-  <a:schemeClr val="accent3"/>
-  <a:schemeClr val="accent4"/>
-  <a:schemeClr val="accent5"/>
-  <a:schemeClr val="accent6"/>
-  <cs:variation/>
-  <cs:variation>
-    <a:lumMod val="60000"/>
-  </cs:variation>
-  <cs:variation>
-    <a:lumMod val="80000"/>
-    <a:lumOff val="20000"/>
-  </cs:variation>
-  <cs:variation>
-    <a:lumMod val="80000"/>
-  </cs:variation>
-  <cs:variation>
-    <a:lumMod val="60000"/>
-    <a:lumOff val="40000"/>
-  </cs:variation>
-  <cs:variation>
-    <a:lumMod val="50000"/>
-  </cs:variation>
-  <cs:variation>
-    <a:lumMod val="70000"/>
-    <a:lumOff val="30000"/>
-  </cs:variation>
-  <cs:variation>
-    <a:lumMod val="70000"/>
-  </cs:variation>
-  <cs:variation>
-    <a:lumMod val="50000"/>
-    <a:lumOff val="50000"/>
-  </cs:variation>
-</cs:colorStyle>
-</file>
-
-<file path=ppt/charts/style1.xml><?xml version="1.0" encoding="utf-8"?>
-<cs:chartStyle xmlns:cs="http://schemas.microsoft.com/office/drawing/2012/chartStyle" xmlns:a="http://schemas.openxmlformats.org/drawingml/2006/main" id="223">
-  <cs:axisTitle>
-    <cs:lnRef idx="0"/>
-    <cs:fillRef idx="0"/>
-    <cs:effectRef idx="0"/>
-    <cs:fontRef idx="minor">
-      <a:schemeClr val="tx1">
-        <a:lumMod val="65000"/>
-        <a:lumOff val="35000"/>
-      </a:schemeClr>
-    </cs:fontRef>
-    <cs:defRPr sz="1197" kern="1200" cap="all"/>
-  </cs:axisTitle>
-  <cs:categoryAxis>
-    <cs:lnRef idx="0"/>
-    <cs:fillRef idx="0"/>
-    <cs:effectRef idx="0"/>
-    <cs:fontRef idx="minor">
-      <a:schemeClr val="tx1">
-        <a:lumMod val="65000"/>
-        <a:lumOff val="35000"/>
-      </a:schemeClr>
-    </cs:fontRef>
-    <cs:spPr>
-      <a:ln w="19050" cap="flat" cmpd="sng" algn="ctr">
-        <a:solidFill>
-          <a:schemeClr val="tx1">
-            <a:lumMod val="15000"/>
-            <a:lumOff val="85000"/>
-          </a:schemeClr>
-        </a:solidFill>
-        <a:round/>
-        <a:headEnd type="none" w="sm" len="sm"/>
-        <a:tailEnd type="none" w="sm" len="sm"/>
-      </a:ln>
-    </cs:spPr>
-    <cs:defRPr sz="1197" kern="1200"/>
-  </cs:categoryAxis>
-  <cs:chartArea mods="allowNoFillOverride allowNoLineOverride">
-    <cs:lnRef idx="0"/>
-    <cs:fillRef idx="0"/>
-    <cs:effectRef idx="0"/>
-    <cs:fontRef idx="minor">
-      <a:schemeClr val="dk1"/>
-    </cs:fontRef>
-    <cs:spPr>
-      <a:solidFill>
-        <a:schemeClr val="bg1"/>
-      </a:solidFill>
-      <a:ln w="9525" cap="flat" cmpd="sng" algn="ctr">
-        <a:solidFill>
-          <a:schemeClr val="tx1">
-            <a:lumMod val="15000"/>
-            <a:lumOff val="85000"/>
-          </a:schemeClr>
-        </a:solidFill>
-        <a:round/>
-      </a:ln>
-    </cs:spPr>
-    <cs:defRPr sz="1197" kern="1200"/>
-  </cs:chartArea>
-  <cs:dataLabel>
-    <cs:lnRef idx="0"/>
-    <cs:fillRef idx="0"/>
-    <cs:effectRef idx="0"/>
-    <cs:fontRef idx="minor">
-      <a:schemeClr val="tx1">
-        <a:lumMod val="75000"/>
-        <a:lumOff val="25000"/>
-      </a:schemeClr>
-    </cs:fontRef>
-    <cs:defRPr sz="1197" kern="1200"/>
-  </cs:dataLabel>
-  <cs:dataLabelCallout>
-    <cs:lnRef idx="0"/>
-    <cs:fillRef idx="0"/>
-    <cs:effectRef idx="0"/>
-    <cs:fontRef idx="minor">
-      <a:schemeClr val="bg1"/>
-    </cs:fontRef>
-    <cs:spPr>
-      <a:solidFill>
-        <a:schemeClr val="tx1">
-          <a:lumMod val="50000"/>
-          <a:lumOff val="50000"/>
-        </a:schemeClr>
-      </a:solidFill>
-    </cs:spPr>
-    <cs:defRPr sz="1197" kern="1200"/>
-    <cs:bodyPr rot="0" spcFirstLastPara="1" vertOverflow="clip" horzOverflow="clip" vert="horz" wrap="square" lIns="36576" tIns="18288" rIns="36576" bIns="18288" anchor="ctr" anchorCtr="1">
-      <a:spAutoFit/>
-    </cs:bodyPr>
-  </cs:dataLabelCallout>
-  <cs:dataPoint>
-    <cs:lnRef idx="0"/>
-    <cs:fillRef idx="0">
-      <cs:styleClr val="auto"/>
-    </cs:fillRef>
-    <cs:effectRef idx="0"/>
-    <cs:fontRef idx="minor">
-      <a:schemeClr val="dk1"/>
-    </cs:fontRef>
-    <cs:spPr>
-      <a:gradFill flip="none" rotWithShape="1">
-        <a:gsLst>
-          <a:gs pos="0">
-            <a:schemeClr val="phClr"/>
-          </a:gs>
-          <a:gs pos="75000">
-            <a:schemeClr val="phClr">
-              <a:lumMod val="60000"/>
-              <a:lumOff val="40000"/>
-            </a:schemeClr>
-          </a:gs>
-          <a:gs pos="51000">
-            <a:schemeClr val="phClr">
-              <a:alpha val="75000"/>
-            </a:schemeClr>
-          </a:gs>
-          <a:gs pos="100000">
-            <a:schemeClr val="phClr">
-              <a:lumMod val="20000"/>
-              <a:lumOff val="80000"/>
-              <a:alpha val="15000"/>
-            </a:schemeClr>
-          </a:gs>
-        </a:gsLst>
-        <a:lin ang="10800000" scaled="1"/>
-        <a:tileRect/>
-      </a:gradFill>
-    </cs:spPr>
-  </cs:dataPoint>
-  <cs:dataPoint3D>
-    <cs:lnRef idx="0"/>
-    <cs:fillRef idx="0">
-      <cs:styleClr val="auto"/>
-    </cs:fillRef>
-    <cs:effectRef idx="0"/>
-    <cs:fontRef idx="minor">
-      <a:schemeClr val="dk1"/>
-    </cs:fontRef>
-    <cs:spPr>
-      <a:gradFill flip="none" rotWithShape="1">
-        <a:gsLst>
-          <a:gs pos="0">
-            <a:schemeClr val="phClr"/>
-          </a:gs>
-          <a:gs pos="75000">
-            <a:schemeClr val="phClr">
-              <a:lumMod val="60000"/>
-              <a:lumOff val="40000"/>
-            </a:schemeClr>
-          </a:gs>
-          <a:gs pos="51000">
-            <a:schemeClr val="phClr">
-              <a:alpha val="75000"/>
-            </a:schemeClr>
-          </a:gs>
-          <a:gs pos="100000">
-            <a:schemeClr val="phClr">
-              <a:lumMod val="20000"/>
-              <a:lumOff val="80000"/>
-              <a:alpha val="15000"/>
-            </a:schemeClr>
-          </a:gs>
-        </a:gsLst>
-        <a:lin ang="10800000" scaled="1"/>
-        <a:tileRect/>
-      </a:gradFill>
-    </cs:spPr>
-  </cs:dataPoint3D>
-  <cs:dataPointLine>
-    <cs:lnRef idx="0">
-      <cs:styleClr val="auto"/>
-    </cs:lnRef>
-    <cs:fillRef idx="0"/>
-    <cs:effectRef idx="0"/>
-    <cs:fontRef idx="minor">
-      <a:schemeClr val="dk1"/>
-    </cs:fontRef>
-    <cs:spPr>
-      <a:ln w="28575" cap="rnd">
-        <a:solidFill>
-          <a:schemeClr val="phClr"/>
-        </a:solidFill>
-        <a:round/>
-      </a:ln>
-    </cs:spPr>
-  </cs:dataPointLine>
-  <cs:dataPointMarker>
-    <cs:lnRef idx="0">
-      <cs:styleClr val="auto"/>
-    </cs:lnRef>
-    <cs:fillRef idx="0">
-      <cs:styleClr val="auto"/>
-    </cs:fillRef>
-    <cs:effectRef idx="0"/>
-    <cs:fontRef idx="minor">
-      <a:schemeClr val="dk1"/>
-    </cs:fontRef>
-    <cs:spPr>
-      <a:gradFill>
-        <a:gsLst>
-          <a:gs pos="0">
-            <a:schemeClr val="phClr"/>
-          </a:gs>
-          <a:gs pos="46000">
-            <a:schemeClr val="phClr"/>
-          </a:gs>
-          <a:gs pos="100000">
-            <a:schemeClr val="phClr">
-              <a:lumMod val="20000"/>
-              <a:lumOff val="80000"/>
-              <a:alpha val="0"/>
-            </a:schemeClr>
-          </a:gs>
-        </a:gsLst>
-        <a:path path="circle">
-          <a:fillToRect l="50000" t="-80000" r="50000" b="180000"/>
-        </a:path>
-      </a:gradFill>
-      <a:ln w="9525" cap="flat" cmpd="sng" algn="ctr">
-        <a:solidFill>
-          <a:schemeClr val="phClr">
-            <a:shade val="95000"/>
-          </a:schemeClr>
-        </a:solidFill>
-        <a:round/>
-      </a:ln>
-    </cs:spPr>
-  </cs:dataPointMarker>
-  <cs:dataPointMarkerLayout symbol="circle" size="6"/>
-  <cs:dataPointWireframe>
-    <cs:lnRef idx="0">
-      <cs:styleClr val="auto"/>
-    </cs:lnRef>
-    <cs:fillRef idx="0"/>
-    <cs:effectRef idx="0"/>
-    <cs:fontRef idx="minor">
-      <a:schemeClr val="dk1"/>
-    </cs:fontRef>
-    <cs:spPr>
-      <a:ln w="9525" cap="rnd">
-        <a:solidFill>
-          <a:schemeClr val="phClr"/>
-        </a:solidFill>
-        <a:round/>
-      </a:ln>
-    </cs:spPr>
-  </cs:dataPointWireframe>
-  <cs:dataTable>
-    <cs:lnRef idx="0"/>
-    <cs:fillRef idx="0"/>
-    <cs:effectRef idx="0"/>
-    <cs:fontRef idx="minor">
-      <a:schemeClr val="tx1">
-        <a:lumMod val="65000"/>
-        <a:lumOff val="35000"/>
-      </a:schemeClr>
-    </cs:fontRef>
-    <cs:spPr>
-      <a:ln w="9525">
-        <a:solidFill>
-          <a:schemeClr val="tx1">
-            <a:lumMod val="15000"/>
-            <a:lumOff val="85000"/>
-          </a:schemeClr>
-        </a:solidFill>
-      </a:ln>
-    </cs:spPr>
-    <cs:defRPr sz="1197" kern="1200"/>
-  </cs:dataTable>
-  <cs:downBar>
-    <cs:lnRef idx="0"/>
-    <cs:fillRef idx="0"/>
-    <cs:effectRef idx="0"/>
-    <cs:fontRef idx="minor">
-      <a:schemeClr val="dk1"/>
-    </cs:fontRef>
-    <cs:spPr>
-      <a:solidFill>
-        <a:schemeClr val="dk1">
-          <a:lumMod val="75000"/>
-          <a:lumOff val="25000"/>
-        </a:schemeClr>
-      </a:solidFill>
-      <a:ln w="9525">
-        <a:solidFill>
-          <a:schemeClr val="tx1">
-            <a:lumMod val="65000"/>
-            <a:lumOff val="35000"/>
-          </a:schemeClr>
-        </a:solidFill>
-      </a:ln>
-    </cs:spPr>
-  </cs:downBar>
-  <cs:dropLine>
-    <cs:lnRef idx="0"/>
-    <cs:fillRef idx="0"/>
-    <cs:effectRef idx="0"/>
-    <cs:fontRef idx="minor">
-      <a:schemeClr val="dk1"/>
-    </cs:fontRef>
-    <cs:spPr>
-      <a:ln w="9525">
-        <a:solidFill>
-          <a:schemeClr val="tx1">
-            <a:lumMod val="35000"/>
-            <a:lumOff val="65000"/>
-          </a:schemeClr>
-        </a:solidFill>
-      </a:ln>
-    </cs:spPr>
-  </cs:dropLine>
-  <cs:errorBar>
-    <cs:lnRef idx="0"/>
-    <cs:fillRef idx="0"/>
-    <cs:effectRef idx="0"/>
-    <cs:fontRef idx="minor">
-      <a:schemeClr val="dk1"/>
-    </cs:fontRef>
-    <cs:spPr>
-      <a:ln w="9525" cap="flat" cmpd="sng" algn="ctr">
-        <a:solidFill>
-          <a:schemeClr val="tx1">
-            <a:lumMod val="65000"/>
-            <a:lumOff val="35000"/>
-          </a:schemeClr>
-        </a:solidFill>
-        <a:round/>
-      </a:ln>
-    </cs:spPr>
-  </cs:errorBar>
-  <cs:floor>
-    <cs:lnRef idx="0"/>
-    <cs:fillRef idx="0"/>
-    <cs:effectRef idx="0"/>
-    <cs:fontRef idx="minor">
-      <a:schemeClr val="dk1"/>
-    </cs:fontRef>
-  </cs:floor>
-  <cs:gridlineMajor>
-    <cs:lnRef idx="0"/>
-    <cs:fillRef idx="0"/>
-    <cs:effectRef idx="0"/>
-    <cs:fontRef idx="minor">
-      <a:schemeClr val="dk1"/>
-    </cs:fontRef>
-    <cs:spPr>
-      <a:ln w="9525" cap="flat" cmpd="sng" algn="ctr">
-        <a:gradFill>
-          <a:gsLst>
-            <a:gs pos="99000">
-              <a:schemeClr val="tx1">
-                <a:lumMod val="25000"/>
-                <a:lumOff val="75000"/>
-              </a:schemeClr>
-            </a:gs>
-            <a:gs pos="0">
-              <a:schemeClr val="tx1">
-                <a:lumMod val="15000"/>
-                <a:lumOff val="85000"/>
-              </a:schemeClr>
-            </a:gs>
-          </a:gsLst>
-          <a:lin ang="5400000" scaled="0"/>
-        </a:gradFill>
-        <a:round/>
-      </a:ln>
-    </cs:spPr>
-  </cs:gridlineMajor>
-  <cs:gridlineMinor>
-    <cs:lnRef idx="0"/>
-    <cs:fillRef idx="0"/>
-    <cs:effectRef idx="0"/>
-    <cs:fontRef idx="minor">
-      <a:schemeClr val="dk1"/>
-    </cs:fontRef>
-    <cs:spPr>
-      <a:ln w="9525" cap="flat" cmpd="sng" algn="ctr">
-        <a:gradFill>
-          <a:gsLst>
-            <a:gs pos="100000">
-              <a:schemeClr val="tx1">
-                <a:lumMod val="15000"/>
-                <a:lumOff val="85000"/>
-              </a:schemeClr>
-            </a:gs>
-            <a:gs pos="0">
-              <a:schemeClr val="tx1">
-                <a:lumMod val="5000"/>
-                <a:lumOff val="95000"/>
-              </a:schemeClr>
-            </a:gs>
-          </a:gsLst>
-          <a:lin ang="5400000" scaled="0"/>
-        </a:gradFill>
-        <a:round/>
-      </a:ln>
-    </cs:spPr>
-  </cs:gridlineMinor>
-  <cs:hiLoLine>
-    <cs:lnRef idx="0"/>
-    <cs:fillRef idx="0"/>
-    <cs:effectRef idx="0"/>
-    <cs:fontRef idx="minor">
-      <a:schemeClr val="dk1"/>
-    </cs:fontRef>
-    <cs:spPr>
-      <a:ln w="9525">
-        <a:solidFill>
-          <a:schemeClr val="tx1">
-            <a:lumMod val="50000"/>
-            <a:lumOff val="50000"/>
-          </a:schemeClr>
-        </a:solidFill>
-      </a:ln>
-    </cs:spPr>
-  </cs:hiLoLine>
-  <cs:leaderLine>
-    <cs:lnRef idx="0"/>
-    <cs:fillRef idx="0"/>
-    <cs:effectRef idx="0"/>
-    <cs:fontRef idx="minor">
-      <a:schemeClr val="dk1"/>
-    </cs:fontRef>
-    <cs:spPr>
-      <a:ln w="9525">
-        <a:solidFill>
-          <a:schemeClr val="tx1">
-            <a:lumMod val="35000"/>
-            <a:lumOff val="65000"/>
-          </a:schemeClr>
-        </a:solidFill>
-      </a:ln>
-    </cs:spPr>
-  </cs:leaderLine>
-  <cs:legend>
-    <cs:lnRef idx="0"/>
-    <cs:fillRef idx="0"/>
-    <cs:effectRef idx="0"/>
-    <cs:fontRef idx="minor">
-      <a:schemeClr val="tx1">
-        <a:lumMod val="65000"/>
-        <a:lumOff val="35000"/>
-      </a:schemeClr>
-    </cs:fontRef>
-    <cs:defRPr sz="1197" kern="1200"/>
-  </cs:legend>
-  <cs:plotArea mods="allowNoFillOverride allowNoLineOverride">
-    <cs:lnRef idx="0"/>
-    <cs:fillRef idx="0"/>
-    <cs:effectRef idx="0"/>
-    <cs:fontRef idx="minor">
-      <a:schemeClr val="dk1"/>
-    </cs:fontRef>
-  </cs:plotArea>
-  <cs:plotArea3D mods="allowNoFillOverride allowNoLineOverride">
-    <cs:lnRef idx="0"/>
-    <cs:fillRef idx="0"/>
-    <cs:effectRef idx="0"/>
-    <cs:fontRef idx="minor">
-      <a:schemeClr val="dk1"/>
-    </cs:fontRef>
-  </cs:plotArea3D>
-  <cs:seriesAxis>
-    <cs:lnRef idx="0"/>
-    <cs:fillRef idx="0"/>
-    <cs:effectRef idx="0"/>
-    <cs:fontRef idx="minor">
-      <a:schemeClr val="tx1">
-        <a:lumMod val="65000"/>
-        <a:lumOff val="35000"/>
-      </a:schemeClr>
-    </cs:fontRef>
-    <cs:spPr>
-      <a:ln w="9525" cap="flat" cmpd="sng" algn="ctr">
-        <a:solidFill>
-          <a:schemeClr val="tx1">
-            <a:lumMod val="15000"/>
-            <a:lumOff val="85000"/>
-          </a:schemeClr>
-        </a:solidFill>
-        <a:round/>
-        <a:headEnd type="none" w="sm" len="sm"/>
-        <a:tailEnd type="none" w="sm" len="sm"/>
-      </a:ln>
-    </cs:spPr>
-    <cs:defRPr sz="1197" kern="1200"/>
-  </cs:seriesAxis>
-  <cs:seriesLine>
-    <cs:lnRef idx="0"/>
-    <cs:fillRef idx="0"/>
-    <cs:effectRef idx="0"/>
-    <cs:fontRef idx="minor">
-      <a:schemeClr val="dk1"/>
-    </cs:fontRef>
-    <cs:spPr>
-      <a:ln w="9525">
-        <a:solidFill>
-          <a:schemeClr val="tx1">
-            <a:lumMod val="35000"/>
-            <a:lumOff val="65000"/>
-          </a:schemeClr>
-        </a:solidFill>
-        <a:round/>
-      </a:ln>
-    </cs:spPr>
-  </cs:seriesLine>
-  <cs:title>
-    <cs:lnRef idx="0"/>
-    <cs:fillRef idx="0"/>
-    <cs:effectRef idx="0"/>
-    <cs:fontRef idx="minor">
-      <a:schemeClr val="tx1">
-        <a:lumMod val="65000"/>
-        <a:lumOff val="35000"/>
-      </a:schemeClr>
-    </cs:fontRef>
-    <cs:defRPr sz="2200" b="1" kern="1200" cap="all" spc="50" baseline="0"/>
-  </cs:title>
-  <cs:trendline>
-    <cs:lnRef idx="0">
-      <cs:styleClr val="auto"/>
-    </cs:lnRef>
-    <cs:fillRef idx="0"/>
-    <cs:effectRef idx="0"/>
-    <cs:fontRef idx="minor">
-      <a:schemeClr val="dk1"/>
-    </cs:fontRef>
-    <cs:spPr>
-      <a:ln w="9525" cap="rnd">
-        <a:solidFill>
-          <a:schemeClr val="phClr"/>
-        </a:solidFill>
-      </a:ln>
-    </cs:spPr>
-  </cs:trendline>
-  <cs:trendlineLabel>
-    <cs:lnRef idx="0"/>
-    <cs:fillRef idx="0"/>
-    <cs:effectRef idx="0"/>
-    <cs:fontRef idx="minor">
-      <a:schemeClr val="tx1">
-        <a:lumMod val="65000"/>
-        <a:lumOff val="35000"/>
-      </a:schemeClr>
-    </cs:fontRef>
-    <cs:defRPr sz="1197" kern="1200"/>
-  </cs:trendlineLabel>
-  <cs:upBar>
-    <cs:lnRef idx="0"/>
-    <cs:fillRef idx="0"/>
-    <cs:effectRef idx="0"/>
-    <cs:fontRef idx="minor">
-      <a:schemeClr val="dk1"/>
-    </cs:fontRef>
-    <cs:spPr>
-      <a:solidFill>
-        <a:schemeClr val="lt1"/>
-      </a:solidFill>
-      <a:ln w="9525">
-        <a:solidFill>
-          <a:schemeClr val="tx1">
-            <a:lumMod val="65000"/>
-            <a:lumOff val="35000"/>
-          </a:schemeClr>
-        </a:solidFill>
-      </a:ln>
-    </cs:spPr>
-  </cs:upBar>
-  <cs:valueAxis>
-    <cs:lnRef idx="0"/>
-    <cs:fillRef idx="0"/>
-    <cs:effectRef idx="0"/>
-    <cs:fontRef idx="minor">
-      <a:schemeClr val="tx1">
-        <a:lumMod val="65000"/>
-        <a:lumOff val="35000"/>
-      </a:schemeClr>
-    </cs:fontRef>
-    <cs:defRPr sz="1197" kern="1200"/>
-  </cs:valueAxis>
-  <cs:wall>
-    <cs:lnRef idx="0"/>
-    <cs:fillRef idx="0"/>
-    <cs:effectRef idx="0"/>
-    <cs:fontRef idx="minor">
-      <a:schemeClr val="dk1"/>
-    </cs:fontRef>
-  </cs:wall>
-</cs:chartStyle>
 </file>
 
 <file path=ppt/notesMasters/notesMaster1.xml><?xml version="1.0" encoding="utf-8"?>
@@ -18329,7 +17090,7 @@
           <a:lstStyle/>
           <a:p>
             <a:r>
-              <a:rPr lang="en-US" sz="4000" b="1" dirty="0">
+              <a:rPr lang="en-US" sz="4000" b="1" spc="300" dirty="0">
                 <a:solidFill>
                   <a:srgbClr val="FFE14D"/>
                 </a:solidFill>
@@ -18340,9 +17101,9 @@
               <a:t>Predicting Mobile Phone Prices Using Machine Learning</a:t>
             </a:r>
             <a:br>
-              <a:rPr lang="en-US" sz="4000" dirty="0"/>
+              <a:rPr lang="en-US" sz="4000" spc="300" dirty="0"/>
             </a:br>
-            <a:endParaRPr lang="en-US" sz="4000" dirty="0"/>
+            <a:endParaRPr lang="en-US" sz="4000" spc="300" dirty="0"/>
           </a:p>
         </p:txBody>
       </p:sp>
@@ -18507,7 +17268,7 @@
           <p:cNvPr id="2" name="Title 1">
             <a:extLst>
               <a:ext uri="{FF2B5EF4-FFF2-40B4-BE49-F238E27FC236}">
-                <a16:creationId xmlns:a16="http://schemas.microsoft.com/office/drawing/2014/main" id="{C8152FE8-2F9C-9C12-4EB3-9742EA91D653}"/>
+                <a16:creationId xmlns:a16="http://schemas.microsoft.com/office/drawing/2014/main" id="{3C0BEB37-AC4B-E3C5-BED7-6495F2787347}"/>
               </a:ext>
             </a:extLst>
           </p:cNvPr>
@@ -18518,33 +17279,42 @@
             <p:ph type="title"/>
           </p:nvPr>
         </p:nvSpPr>
-        <p:spPr/>
+        <p:spPr>
+          <a:xfrm>
+            <a:off x="5674659" y="32004"/>
+            <a:ext cx="5156140" cy="1069848"/>
+          </a:xfrm>
+        </p:spPr>
         <p:txBody>
           <a:bodyPr/>
           <a:lstStyle/>
           <a:p>
             <a:r>
-              <a:rPr lang="en-US" sz="4000" b="1" spc="600" dirty="0">
-                <a:ln w="28575">
-                  <a:noFill/>
-                  <a:prstDash val="solid"/>
-                </a:ln>
+              <a:rPr lang="en-IN" sz="4400" kern="0" spc="-94" dirty="0">
                 <a:solidFill>
-                  <a:schemeClr val="bg1"/>
+                  <a:srgbClr val="FFC000"/>
                 </a:solidFill>
-                <a:latin typeface="Tw Cen MT" panose="020B0602020104020603" pitchFamily="34" charset="77"/>
+                <a:effectLst>
+                  <a:outerShdw blurRad="38100" dist="38100" dir="2700000" algn="tl">
+                    <a:srgbClr val="000000">
+                      <a:alpha val="43137"/>
+                    </a:srgbClr>
+                  </a:outerShdw>
+                </a:effectLst>
+                <a:latin typeface="Britannic Bold" panose="020B0903060703020204" pitchFamily="34" charset="0"/>
+                <a:ea typeface="Petrona Bold" pitchFamily="34" charset="-122"/>
               </a:rPr>
-              <a:t>LONG-TERM VS. SHORT-TERM</a:t>
-            </a:r>
-          </a:p>
-        </p:txBody>
-      </p:sp>
-      <p:sp>
-        <p:nvSpPr>
-          <p:cNvPr id="5" name="Slide Number Placeholder 4">
-            <a:extLst>
-              <a:ext uri="{FF2B5EF4-FFF2-40B4-BE49-F238E27FC236}">
-                <a16:creationId xmlns:a16="http://schemas.microsoft.com/office/drawing/2014/main" id="{2A8E318B-D756-6C57-8657-96C836320839}"/>
+              <a:t>Business Insights</a:t>
+            </a:r>
+          </a:p>
+        </p:txBody>
+      </p:sp>
+      <p:sp>
+        <p:nvSpPr>
+          <p:cNvPr id="3" name="Footer Placeholder 2">
+            <a:extLst>
+              <a:ext uri="{FF2B5EF4-FFF2-40B4-BE49-F238E27FC236}">
+                <a16:creationId xmlns:a16="http://schemas.microsoft.com/office/drawing/2014/main" id="{76045313-7588-B5B5-635C-EBA30593B2DF}"/>
               </a:ext>
             </a:extLst>
           </p:cNvPr>
@@ -18552,7 +17322,7 @@
             <a:spLocks noGrp="1"/>
           </p:cNvSpPr>
           <p:nvPr>
-            <p:ph type="sldNum" sz="quarter" idx="11"/>
+            <p:ph type="ftr" sz="quarter" idx="11"/>
           </p:nvPr>
         </p:nvSpPr>
         <p:spPr/>
@@ -18560,52 +17330,20 @@
           <a:bodyPr/>
           <a:lstStyle/>
           <a:p>
-            <a:fld id="{294A09A9-5501-47C1-A89A-A340965A2BE2}" type="slidenum">
-              <a:rPr lang="en-US" smtClean="0"/>
-              <a:pPr/>
-              <a:t>10</a:t>
-            </a:fld>
+            <a:r>
+              <a:rPr lang="en-US"/>
+              <a:t>Crypto: investing &amp; trading</a:t>
+            </a:r>
             <a:endParaRPr lang="en-US" dirty="0"/>
           </a:p>
         </p:txBody>
       </p:sp>
-      <p:graphicFrame>
-        <p:nvGraphicFramePr>
-          <p:cNvPr id="4" name="Content Placeholder 5" descr="Bar chart">
-            <a:extLst>
-              <a:ext uri="{FF2B5EF4-FFF2-40B4-BE49-F238E27FC236}">
-                <a16:creationId xmlns:a16="http://schemas.microsoft.com/office/drawing/2014/main" id="{9F02851F-DB0A-09AB-B52A-BE347DDCBD1D}"/>
-              </a:ext>
-            </a:extLst>
-          </p:cNvPr>
-          <p:cNvGraphicFramePr>
-            <a:graphicFrameLocks noGrp="1"/>
-          </p:cNvGraphicFramePr>
-          <p:nvPr>
-            <p:ph idx="1"/>
-            <p:extLst>
-              <p:ext uri="{D42A27DB-BD31-4B8C-83A1-F6EECF244321}">
-                <p14:modId xmlns:p14="http://schemas.microsoft.com/office/powerpoint/2010/main" val="1861876390"/>
-              </p:ext>
-            </p:extLst>
-          </p:nvPr>
-        </p:nvGraphicFramePr>
-        <p:xfrm>
-          <a:off x="1014413" y="2212975"/>
-          <a:ext cx="10333037" cy="3548063"/>
-        </p:xfrm>
-        <a:graphic>
-          <a:graphicData uri="http://schemas.openxmlformats.org/drawingml/2006/chart">
-            <c:chart xmlns:c="http://schemas.openxmlformats.org/drawingml/2006/chart" xmlns:r="http://schemas.openxmlformats.org/officeDocument/2006/relationships" r:id="rId2"/>
-          </a:graphicData>
-        </a:graphic>
-      </p:graphicFrame>
-      <p:sp>
-        <p:nvSpPr>
-          <p:cNvPr id="3" name="Footer Placeholder 2">
-            <a:extLst>
-              <a:ext uri="{FF2B5EF4-FFF2-40B4-BE49-F238E27FC236}">
-                <a16:creationId xmlns:a16="http://schemas.microsoft.com/office/drawing/2014/main" id="{723252A1-51AE-36E1-CE3B-D88466BA8814}"/>
+      <p:sp>
+        <p:nvSpPr>
+          <p:cNvPr id="4" name="Slide Number Placeholder 3">
+            <a:extLst>
+              <a:ext uri="{FF2B5EF4-FFF2-40B4-BE49-F238E27FC236}">
+                <a16:creationId xmlns:a16="http://schemas.microsoft.com/office/drawing/2014/main" id="{A17BB4E6-4B7B-ADC3-7B02-AB1CCACE8910}"/>
               </a:ext>
             </a:extLst>
           </p:cNvPr>
@@ -18613,7 +17351,7 @@
             <a:spLocks noGrp="1"/>
           </p:cNvSpPr>
           <p:nvPr>
-            <p:ph type="ftr" sz="quarter" idx="10"/>
+            <p:ph type="sldNum" sz="quarter" idx="12"/>
           </p:nvPr>
         </p:nvSpPr>
         <p:spPr/>
@@ -18621,17 +17359,179 @@
           <a:bodyPr/>
           <a:lstStyle/>
           <a:p>
-            <a:r>
-              <a:rPr lang="en-US" dirty="0"/>
-              <a:t>Crypto: investing &amp; trading</a:t>
-            </a:r>
+            <a:fld id="{294A09A9-5501-47C1-A89A-A340965A2BE2}" type="slidenum">
+              <a:rPr lang="en-US" smtClean="0"/>
+              <a:t>10</a:t>
+            </a:fld>
+            <a:endParaRPr lang="en-US" dirty="0"/>
+          </a:p>
+        </p:txBody>
+      </p:sp>
+      <p:pic>
+        <p:nvPicPr>
+          <p:cNvPr id="6" name="Picture 5">
+            <a:extLst>
+              <a:ext uri="{FF2B5EF4-FFF2-40B4-BE49-F238E27FC236}">
+                <a16:creationId xmlns:a16="http://schemas.microsoft.com/office/drawing/2014/main" id="{61E0F2CB-766A-C61F-EAFC-E3DC04BAEDA6}"/>
+              </a:ext>
+            </a:extLst>
+          </p:cNvPr>
+          <p:cNvPicPr>
+            <a:picLocks noChangeAspect="1"/>
+          </p:cNvPicPr>
+          <p:nvPr/>
+        </p:nvPicPr>
+        <p:blipFill>
+          <a:blip r:embed="rId2"/>
+          <a:stretch>
+            <a:fillRect/>
+          </a:stretch>
+        </p:blipFill>
+        <p:spPr>
+          <a:xfrm>
+            <a:off x="0" y="0"/>
+            <a:ext cx="4572000" cy="6858000"/>
+          </a:xfrm>
+          <a:prstGeom prst="rect">
+            <a:avLst/>
+          </a:prstGeom>
+        </p:spPr>
+      </p:pic>
+      <p:sp>
+        <p:nvSpPr>
+          <p:cNvPr id="7" name="TextBox 6">
+            <a:extLst>
+              <a:ext uri="{FF2B5EF4-FFF2-40B4-BE49-F238E27FC236}">
+                <a16:creationId xmlns:a16="http://schemas.microsoft.com/office/drawing/2014/main" id="{D2CEC5AD-5086-1EE8-A145-908C81DF0EE2}"/>
+              </a:ext>
+            </a:extLst>
+          </p:cNvPr>
+          <p:cNvSpPr txBox="1"/>
+          <p:nvPr/>
+        </p:nvSpPr>
+        <p:spPr>
+          <a:xfrm>
+            <a:off x="5674659" y="1101852"/>
+            <a:ext cx="5580529" cy="4308872"/>
+          </a:xfrm>
+          <a:prstGeom prst="rect">
+            <a:avLst/>
+          </a:prstGeom>
+          <a:noFill/>
+        </p:spPr>
+        <p:txBody>
+          <a:bodyPr wrap="square" rtlCol="0">
+            <a:spAutoFit/>
+          </a:bodyPr>
+          <a:lstStyle/>
+          <a:p>
+            <a:r>
+              <a:rPr lang="en-IN" sz="3200" b="1" dirty="0">
+                <a:solidFill>
+                  <a:schemeClr val="bg1"/>
+                </a:solidFill>
+                <a:effectLst>
+                  <a:outerShdw blurRad="38100" dist="38100" dir="2700000" algn="tl">
+                    <a:srgbClr val="000000">
+                      <a:alpha val="43137"/>
+                    </a:srgbClr>
+                  </a:outerShdw>
+                </a:effectLst>
+              </a:rPr>
+              <a:t>Pricing Recommendations:</a:t>
+            </a:r>
+          </a:p>
+          <a:p>
+            <a:pPr marL="285750" indent="-285750">
+              <a:buFont typeface="Arial" panose="020B0604020202020204" pitchFamily="34" charset="0"/>
+              <a:buChar char="•"/>
+            </a:pPr>
+            <a:r>
+              <a:rPr lang="en-IN" sz="2400" dirty="0">
+                <a:solidFill>
+                  <a:schemeClr val="bg1"/>
+                </a:solidFill>
+              </a:rPr>
+              <a:t>Premium phones: Price higher for 8GB RAM + 128GB storage.  </a:t>
+            </a:r>
+          </a:p>
+          <a:p>
+            <a:pPr marL="285750" indent="-285750">
+              <a:buFont typeface="Arial" panose="020B0604020202020204" pitchFamily="34" charset="0"/>
+              <a:buChar char="•"/>
+            </a:pPr>
+            <a:r>
+              <a:rPr lang="en-IN" sz="2400" dirty="0">
+                <a:solidFill>
+                  <a:schemeClr val="bg1"/>
+                </a:solidFill>
+              </a:rPr>
+              <a:t>Budget phones: Compete on camera specs (e.g., 50MP at &lt;Rs. 15k).</a:t>
+            </a:r>
+          </a:p>
+          <a:p>
+            <a:endParaRPr lang="en-IN" dirty="0">
+              <a:solidFill>
+                <a:schemeClr val="bg1"/>
+              </a:solidFill>
+            </a:endParaRPr>
+          </a:p>
+          <a:p>
+            <a:r>
+              <a:rPr lang="en-IN" sz="3200" b="1" dirty="0">
+                <a:solidFill>
+                  <a:schemeClr val="bg1"/>
+                </a:solidFill>
+                <a:effectLst>
+                  <a:outerShdw blurRad="38100" dist="38100" dir="2700000" algn="tl">
+                    <a:srgbClr val="000000">
+                      <a:alpha val="43137"/>
+                    </a:srgbClr>
+                  </a:outerShdw>
+                </a:effectLst>
+              </a:rPr>
+              <a:t>Marketing Strategies:</a:t>
+            </a:r>
+          </a:p>
+          <a:p>
+            <a:pPr marL="285750" indent="-285750">
+              <a:buFont typeface="Arial" panose="020B0604020202020204" pitchFamily="34" charset="0"/>
+              <a:buChar char="•"/>
+            </a:pPr>
+            <a:r>
+              <a:rPr lang="en-US" sz="2400" dirty="0">
+                <a:solidFill>
+                  <a:schemeClr val="bg1"/>
+                </a:solidFill>
+              </a:rPr>
+              <a:t>Highlight RAM/Memory for budget segments.  </a:t>
+            </a:r>
+          </a:p>
+          <a:p>
+            <a:pPr marL="285750" indent="-285750">
+              <a:buFont typeface="Arial" panose="020B0604020202020204" pitchFamily="34" charset="0"/>
+              <a:buChar char="•"/>
+            </a:pPr>
+            <a:r>
+              <a:rPr lang="en-US" sz="2400" dirty="0">
+                <a:solidFill>
+                  <a:schemeClr val="bg1"/>
+                </a:solidFill>
+              </a:rPr>
+              <a:t>Emphasize camera/processor for premium segments.</a:t>
+            </a:r>
+            <a:endParaRPr lang="en-IN" sz="2400" dirty="0">
+              <a:solidFill>
+                <a:schemeClr val="bg1"/>
+              </a:solidFill>
+            </a:endParaRPr>
           </a:p>
         </p:txBody>
       </p:sp>
     </p:spTree>
     <p:extLst>
       <p:ext uri="{BB962C8B-B14F-4D97-AF65-F5344CB8AC3E}">
-        <p14:creationId xmlns:p14="http://schemas.microsoft.com/office/powerpoint/2010/main" val="1372651910"/>
+        <p14:creationId xmlns:p14="http://schemas.microsoft.com/office/powerpoint/2010/main" val="2494821915"/>
       </p:ext>
     </p:extLst>
   </p:cSld>
@@ -18663,7 +17563,7 @@
           <p:cNvPr id="2" name="Title 1">
             <a:extLst>
               <a:ext uri="{FF2B5EF4-FFF2-40B4-BE49-F238E27FC236}">
-                <a16:creationId xmlns:a16="http://schemas.microsoft.com/office/drawing/2014/main" id="{EE30DEE9-2DBD-C997-C208-027230B5A3EA}"/>
+                <a16:creationId xmlns:a16="http://schemas.microsoft.com/office/drawing/2014/main" id="{F41F0E99-07CC-9576-AFD7-C52151AD0EA3}"/>
               </a:ext>
             </a:extLst>
           </p:cNvPr>
@@ -18671,41 +17571,40 @@
             <a:spLocks noGrp="1"/>
           </p:cNvSpPr>
           <p:nvPr>
-            <p:ph type="title"/>
+            <p:ph type="ctrTitle"/>
           </p:nvPr>
         </p:nvSpPr>
-        <p:spPr>
-          <a:xfrm>
-            <a:off x="1098804" y="832104"/>
-            <a:ext cx="9994392" cy="1069848"/>
-          </a:xfrm>
-        </p:spPr>
+        <p:spPr/>
         <p:txBody>
           <a:bodyPr/>
           <a:lstStyle/>
           <a:p>
             <a:r>
-              <a:rPr lang="en-US" sz="4000" b="1" spc="600" dirty="0">
-                <a:ln w="28575">
-                  <a:noFill/>
-                  <a:prstDash val="solid"/>
-                </a:ln>
+              <a:rPr lang="en-US" sz="4400" kern="0" spc="300" dirty="0">
                 <a:solidFill>
-                  <a:schemeClr val="bg1"/>
+                  <a:srgbClr val="FFC000"/>
                 </a:solidFill>
-                <a:latin typeface="Tw Cen MT" panose="020B0602020104020603" pitchFamily="34" charset="77"/>
+                <a:effectLst>
+                  <a:outerShdw blurRad="38100" dist="38100" dir="2700000" algn="tl">
+                    <a:srgbClr val="000000">
+                      <a:alpha val="43137"/>
+                    </a:srgbClr>
+                  </a:outerShdw>
+                </a:effectLst>
+                <a:latin typeface="Britannic Bold" panose="020B0903060703020204" pitchFamily="34" charset="0"/>
+                <a:ea typeface="Petrona Bold" pitchFamily="34" charset="-122"/>
               </a:rPr>
-              <a:t>GLOBAL CURRENCY MARKETS</a:t>
-            </a:r>
-          </a:p>
-        </p:txBody>
-      </p:sp>
-      <p:sp>
-        <p:nvSpPr>
-          <p:cNvPr id="5" name="Slide Number Placeholder 4">
-            <a:extLst>
-              <a:ext uri="{FF2B5EF4-FFF2-40B4-BE49-F238E27FC236}">
-                <a16:creationId xmlns:a16="http://schemas.microsoft.com/office/drawing/2014/main" id="{F79CF1F9-4847-1440-0352-6D1284A48D05}"/>
+              <a:t>Conclusion</a:t>
+            </a:r>
+          </a:p>
+        </p:txBody>
+      </p:sp>
+      <p:sp>
+        <p:nvSpPr>
+          <p:cNvPr id="3" name="Subtitle 2">
+            <a:extLst>
+              <a:ext uri="{FF2B5EF4-FFF2-40B4-BE49-F238E27FC236}">
+                <a16:creationId xmlns:a16="http://schemas.microsoft.com/office/drawing/2014/main" id="{5A82A8B0-333F-633E-3FA7-D38DBFB10971}"/>
               </a:ext>
             </a:extLst>
           </p:cNvPr>
@@ -18713,7 +17612,7 @@
             <a:spLocks noGrp="1"/>
           </p:cNvSpPr>
           <p:nvPr>
-            <p:ph type="sldNum" sz="quarter" idx="11"/>
+            <p:ph type="subTitle" idx="1"/>
           </p:nvPr>
         </p:nvSpPr>
         <p:spPr/>
@@ -18721,2109 +17620,17 @@
           <a:bodyPr/>
           <a:lstStyle/>
           <a:p>
-            <a:fld id="{294A09A9-5501-47C1-A89A-A340965A2BE2}" type="slidenum">
-              <a:rPr lang="en-US" smtClean="0"/>
-              <a:pPr/>
-              <a:t>11</a:t>
-            </a:fld>
-            <a:endParaRPr lang="en-US" dirty="0"/>
-          </a:p>
-        </p:txBody>
-      </p:sp>
-      <p:graphicFrame>
-        <p:nvGraphicFramePr>
-          <p:cNvPr id="4" name="Table 4">
-            <a:extLst>
-              <a:ext uri="{FF2B5EF4-FFF2-40B4-BE49-F238E27FC236}">
-                <a16:creationId xmlns:a16="http://schemas.microsoft.com/office/drawing/2014/main" id="{49C20947-A133-32C2-D0F4-654D337A74ED}"/>
-              </a:ext>
-            </a:extLst>
-          </p:cNvPr>
-          <p:cNvGraphicFramePr>
-            <a:graphicFrameLocks noGrp="1"/>
-          </p:cNvGraphicFramePr>
-          <p:nvPr>
-            <p:ph idx="1"/>
-            <p:extLst>
-              <p:ext uri="{D42A27DB-BD31-4B8C-83A1-F6EECF244321}">
-                <p14:modId xmlns:p14="http://schemas.microsoft.com/office/powerpoint/2010/main" val="3951968750"/>
-              </p:ext>
-            </p:extLst>
-          </p:nvPr>
-        </p:nvGraphicFramePr>
-        <p:xfrm>
-          <a:off x="1324266" y="2212975"/>
-          <a:ext cx="9543469" cy="2963361"/>
-        </p:xfrm>
-        <a:graphic>
-          <a:graphicData uri="http://schemas.openxmlformats.org/drawingml/2006/table">
-            <a:tbl>
-              <a:tblPr firstRow="1" lastCol="1" bandRow="1">
-                <a:tableStyleId>{5C22544A-7EE6-4342-B048-85BDC9FD1C3A}</a:tableStyleId>
-              </a:tblPr>
-              <a:tblGrid>
-                <a:gridCol w="925972">
-                  <a:extLst>
-                    <a:ext uri="{9D8B030D-6E8A-4147-A177-3AD203B41FA5}">
-                      <a16:colId xmlns:a16="http://schemas.microsoft.com/office/drawing/2014/main" val="1689330750"/>
-                    </a:ext>
-                  </a:extLst>
-                </a:gridCol>
-                <a:gridCol w="2152890">
-                  <a:extLst>
-                    <a:ext uri="{9D8B030D-6E8A-4147-A177-3AD203B41FA5}">
-                      <a16:colId xmlns:a16="http://schemas.microsoft.com/office/drawing/2014/main" val="2660631934"/>
-                    </a:ext>
-                  </a:extLst>
-                </a:gridCol>
-                <a:gridCol w="2164466">
-                  <a:extLst>
-                    <a:ext uri="{9D8B030D-6E8A-4147-A177-3AD203B41FA5}">
-                      <a16:colId xmlns:a16="http://schemas.microsoft.com/office/drawing/2014/main" val="3909717689"/>
-                    </a:ext>
-                  </a:extLst>
-                </a:gridCol>
-                <a:gridCol w="2141317">
-                  <a:extLst>
-                    <a:ext uri="{9D8B030D-6E8A-4147-A177-3AD203B41FA5}">
-                      <a16:colId xmlns:a16="http://schemas.microsoft.com/office/drawing/2014/main" val="1603189107"/>
-                    </a:ext>
-                  </a:extLst>
-                </a:gridCol>
-                <a:gridCol w="2158824">
-                  <a:extLst>
-                    <a:ext uri="{9D8B030D-6E8A-4147-A177-3AD203B41FA5}">
-                      <a16:colId xmlns:a16="http://schemas.microsoft.com/office/drawing/2014/main" val="2755691855"/>
-                    </a:ext>
-                  </a:extLst>
-                </a:gridCol>
-              </a:tblGrid>
-              <a:tr h="426377">
-                <a:tc>
-                  <a:txBody>
-                    <a:bodyPr/>
-                    <a:lstStyle/>
-                    <a:p>
-                      <a:pPr algn="ctr"/>
-                      <a:endParaRPr lang="en-US" sz="2000" dirty="0">
-                        <a:solidFill>
-                          <a:schemeClr val="bg1"/>
-                        </a:solidFill>
-                        <a:latin typeface="Segoe UI" panose="020B0502040204020203" pitchFamily="34" charset="0"/>
-                        <a:cs typeface="Segoe UI" panose="020B0502040204020203" pitchFamily="34" charset="0"/>
-                      </a:endParaRPr>
-                    </a:p>
-                  </a:txBody>
-                  <a:tcPr anchor="ctr">
-                    <a:lnL w="12700" cap="flat" cmpd="sng" algn="ctr">
-                      <a:solidFill>
-                        <a:schemeClr val="accent3">
-                          <a:lumMod val="25000"/>
-                        </a:schemeClr>
-                      </a:solidFill>
-                      <a:prstDash val="solid"/>
-                      <a:round/>
-                      <a:headEnd type="none" w="med" len="med"/>
-                      <a:tailEnd type="none" w="med" len="med"/>
-                    </a:lnL>
-                    <a:lnR w="12700" cap="flat" cmpd="sng" algn="ctr">
-                      <a:solidFill>
-                        <a:schemeClr val="accent3">
-                          <a:lumMod val="25000"/>
-                        </a:schemeClr>
-                      </a:solidFill>
-                      <a:prstDash val="solid"/>
-                      <a:round/>
-                      <a:headEnd type="none" w="med" len="med"/>
-                      <a:tailEnd type="none" w="med" len="med"/>
-                    </a:lnR>
-                    <a:lnT w="12700" cap="flat" cmpd="sng" algn="ctr">
-                      <a:solidFill>
-                        <a:schemeClr val="accent3">
-                          <a:lumMod val="25000"/>
-                        </a:schemeClr>
-                      </a:solidFill>
-                      <a:prstDash val="solid"/>
-                      <a:round/>
-                      <a:headEnd type="none" w="med" len="med"/>
-                      <a:tailEnd type="none" w="med" len="med"/>
-                    </a:lnT>
-                    <a:lnB w="12700" cap="flat" cmpd="sng" algn="ctr">
-                      <a:solidFill>
-                        <a:schemeClr val="accent3">
-                          <a:lumMod val="25000"/>
-                        </a:schemeClr>
-                      </a:solidFill>
-                      <a:prstDash val="solid"/>
-                      <a:round/>
-                      <a:headEnd type="none" w="med" len="med"/>
-                      <a:tailEnd type="none" w="med" len="med"/>
-                    </a:lnB>
-                    <a:lnTlToBr w="12700" cmpd="sng">
-                      <a:noFill/>
-                      <a:prstDash val="solid"/>
-                    </a:lnTlToBr>
-                    <a:lnBlToTr w="12700" cmpd="sng">
-                      <a:noFill/>
-                      <a:prstDash val="solid"/>
-                    </a:lnBlToTr>
-                    <a:solidFill>
-                      <a:schemeClr val="bg1">
-                        <a:alpha val="40000"/>
-                      </a:schemeClr>
-                    </a:solidFill>
-                  </a:tcPr>
-                </a:tc>
-                <a:tc>
-                  <a:txBody>
-                    <a:bodyPr/>
-                    <a:lstStyle/>
-                    <a:p>
-                      <a:pPr algn="ctr"/>
-                      <a:r>
-                        <a:rPr lang="en-US" sz="2400" b="1" i="0" dirty="0">
-                          <a:solidFill>
-                            <a:schemeClr val="accent3">
-                              <a:lumMod val="25000"/>
-                            </a:schemeClr>
-                          </a:solidFill>
-                          <a:latin typeface="Tw Cen MT" panose="020B0602020104020603" pitchFamily="34" charset="77"/>
-                          <a:cs typeface="Segoe UI Light" panose="020B0502040204020203" pitchFamily="34" charset="0"/>
-                        </a:rPr>
-                        <a:t>$USD</a:t>
-                      </a:r>
-                    </a:p>
-                  </a:txBody>
-                  <a:tcPr anchor="ctr">
-                    <a:lnL w="12700" cap="flat" cmpd="sng" algn="ctr">
-                      <a:solidFill>
-                        <a:schemeClr val="accent3">
-                          <a:lumMod val="25000"/>
-                        </a:schemeClr>
-                      </a:solidFill>
-                      <a:prstDash val="solid"/>
-                      <a:round/>
-                      <a:headEnd type="none" w="med" len="med"/>
-                      <a:tailEnd type="none" w="med" len="med"/>
-                    </a:lnL>
-                    <a:lnR w="12700" cap="flat" cmpd="sng" algn="ctr">
-                      <a:solidFill>
-                        <a:schemeClr val="accent3">
-                          <a:lumMod val="25000"/>
-                        </a:schemeClr>
-                      </a:solidFill>
-                      <a:prstDash val="solid"/>
-                      <a:round/>
-                      <a:headEnd type="none" w="med" len="med"/>
-                      <a:tailEnd type="none" w="med" len="med"/>
-                    </a:lnR>
-                    <a:lnT w="12700" cap="flat" cmpd="sng" algn="ctr">
-                      <a:solidFill>
-                        <a:schemeClr val="accent3">
-                          <a:lumMod val="25000"/>
-                        </a:schemeClr>
-                      </a:solidFill>
-                      <a:prstDash val="solid"/>
-                      <a:round/>
-                      <a:headEnd type="none" w="med" len="med"/>
-                      <a:tailEnd type="none" w="med" len="med"/>
-                    </a:lnT>
-                    <a:lnB w="12700" cap="flat" cmpd="sng" algn="ctr">
-                      <a:solidFill>
-                        <a:schemeClr val="accent3">
-                          <a:lumMod val="25000"/>
-                        </a:schemeClr>
-                      </a:solidFill>
-                      <a:prstDash val="solid"/>
-                      <a:round/>
-                      <a:headEnd type="none" w="med" len="med"/>
-                      <a:tailEnd type="none" w="med" len="med"/>
-                    </a:lnB>
-                    <a:lnTlToBr w="12700" cmpd="sng">
-                      <a:noFill/>
-                      <a:prstDash val="solid"/>
-                    </a:lnTlToBr>
-                    <a:lnBlToTr w="12700" cmpd="sng">
-                      <a:noFill/>
-                      <a:prstDash val="solid"/>
-                    </a:lnBlToTr>
-                    <a:solidFill>
-                      <a:schemeClr val="accent6"/>
-                    </a:solidFill>
-                  </a:tcPr>
-                </a:tc>
-                <a:tc>
-                  <a:txBody>
-                    <a:bodyPr/>
-                    <a:lstStyle/>
-                    <a:p>
-                      <a:pPr algn="ctr"/>
-                      <a:r>
-                        <a:rPr lang="en-US" sz="2400" b="1" i="0" dirty="0">
-                          <a:solidFill>
-                            <a:schemeClr val="accent3">
-                              <a:lumMod val="25000"/>
-                            </a:schemeClr>
-                          </a:solidFill>
-                          <a:latin typeface="Tw Cen MT" panose="020B0602020104020603" pitchFamily="34" charset="77"/>
-                          <a:cs typeface="Segoe UI Light" panose="020B0502040204020203" pitchFamily="34" charset="0"/>
-                        </a:rPr>
-                        <a:t>£EUR</a:t>
-                      </a:r>
-                    </a:p>
-                  </a:txBody>
-                  <a:tcPr anchor="ctr">
-                    <a:lnL w="12700" cap="flat" cmpd="sng" algn="ctr">
-                      <a:solidFill>
-                        <a:schemeClr val="accent3">
-                          <a:lumMod val="25000"/>
-                        </a:schemeClr>
-                      </a:solidFill>
-                      <a:prstDash val="solid"/>
-                      <a:round/>
-                      <a:headEnd type="none" w="med" len="med"/>
-                      <a:tailEnd type="none" w="med" len="med"/>
-                    </a:lnL>
-                    <a:lnR w="12700" cap="flat" cmpd="sng" algn="ctr">
-                      <a:solidFill>
-                        <a:schemeClr val="accent3">
-                          <a:lumMod val="25000"/>
-                        </a:schemeClr>
-                      </a:solidFill>
-                      <a:prstDash val="solid"/>
-                      <a:round/>
-                      <a:headEnd type="none" w="med" len="med"/>
-                      <a:tailEnd type="none" w="med" len="med"/>
-                    </a:lnR>
-                    <a:lnT w="12700" cap="flat" cmpd="sng" algn="ctr">
-                      <a:solidFill>
-                        <a:schemeClr val="accent3">
-                          <a:lumMod val="25000"/>
-                        </a:schemeClr>
-                      </a:solidFill>
-                      <a:prstDash val="solid"/>
-                      <a:round/>
-                      <a:headEnd type="none" w="med" len="med"/>
-                      <a:tailEnd type="none" w="med" len="med"/>
-                    </a:lnT>
-                    <a:lnB w="12700" cap="flat" cmpd="sng" algn="ctr">
-                      <a:solidFill>
-                        <a:schemeClr val="accent3">
-                          <a:lumMod val="25000"/>
-                        </a:schemeClr>
-                      </a:solidFill>
-                      <a:prstDash val="solid"/>
-                      <a:round/>
-                      <a:headEnd type="none" w="med" len="med"/>
-                      <a:tailEnd type="none" w="med" len="med"/>
-                    </a:lnB>
-                    <a:lnTlToBr w="12700" cmpd="sng">
-                      <a:noFill/>
-                      <a:prstDash val="solid"/>
-                    </a:lnTlToBr>
-                    <a:lnBlToTr w="12700" cmpd="sng">
-                      <a:noFill/>
-                      <a:prstDash val="solid"/>
-                    </a:lnBlToTr>
-                    <a:solidFill>
-                      <a:schemeClr val="accent5"/>
-                    </a:solidFill>
-                  </a:tcPr>
-                </a:tc>
-                <a:tc>
-                  <a:txBody>
-                    <a:bodyPr/>
-                    <a:lstStyle/>
-                    <a:p>
-                      <a:pPr lvl="0" algn="ctr">
-                        <a:buNone/>
-                      </a:pPr>
-                      <a:r>
-                        <a:rPr lang="en-US" sz="2400" b="1" i="0" dirty="0">
-                          <a:solidFill>
-                            <a:schemeClr val="accent3">
-                              <a:lumMod val="25000"/>
-                            </a:schemeClr>
-                          </a:solidFill>
-                          <a:latin typeface="Tw Cen MT" panose="020B0602020104020603" pitchFamily="34" charset="77"/>
-                          <a:cs typeface="Segoe UI Light" panose="020B0502040204020203" pitchFamily="34" charset="0"/>
-                        </a:rPr>
-                        <a:t>¥JPY</a:t>
-                      </a:r>
-                    </a:p>
-                  </a:txBody>
-                  <a:tcPr anchor="ctr">
-                    <a:lnL w="12700" cap="flat" cmpd="sng" algn="ctr">
-                      <a:solidFill>
-                        <a:schemeClr val="accent3">
-                          <a:lumMod val="25000"/>
-                        </a:schemeClr>
-                      </a:solidFill>
-                      <a:prstDash val="solid"/>
-                      <a:round/>
-                      <a:headEnd type="none" w="med" len="med"/>
-                      <a:tailEnd type="none" w="med" len="med"/>
-                    </a:lnL>
-                    <a:lnR w="12700" cap="flat" cmpd="sng" algn="ctr">
-                      <a:solidFill>
-                        <a:schemeClr val="accent3">
-                          <a:lumMod val="25000"/>
-                        </a:schemeClr>
-                      </a:solidFill>
-                      <a:prstDash val="solid"/>
-                      <a:round/>
-                      <a:headEnd type="none" w="med" len="med"/>
-                      <a:tailEnd type="none" w="med" len="med"/>
-                    </a:lnR>
-                    <a:lnT w="12700" cap="flat" cmpd="sng" algn="ctr">
-                      <a:solidFill>
-                        <a:schemeClr val="accent3">
-                          <a:lumMod val="25000"/>
-                        </a:schemeClr>
-                      </a:solidFill>
-                      <a:prstDash val="solid"/>
-                      <a:round/>
-                      <a:headEnd type="none" w="med" len="med"/>
-                      <a:tailEnd type="none" w="med" len="med"/>
-                    </a:lnT>
-                    <a:lnB w="12700" cap="flat" cmpd="sng" algn="ctr">
-                      <a:solidFill>
-                        <a:schemeClr val="accent3">
-                          <a:lumMod val="25000"/>
-                        </a:schemeClr>
-                      </a:solidFill>
-                      <a:prstDash val="solid"/>
-                      <a:round/>
-                      <a:headEnd type="none" w="med" len="med"/>
-                      <a:tailEnd type="none" w="med" len="med"/>
-                    </a:lnB>
-                    <a:lnTlToBr w="12700" cmpd="sng">
-                      <a:noFill/>
-                      <a:prstDash val="solid"/>
-                    </a:lnTlToBr>
-                    <a:lnBlToTr w="12700" cmpd="sng">
-                      <a:noFill/>
-                      <a:prstDash val="solid"/>
-                    </a:lnBlToTr>
-                    <a:solidFill>
-                      <a:schemeClr val="accent4"/>
-                    </a:solidFill>
-                  </a:tcPr>
-                </a:tc>
-                <a:tc>
-                  <a:txBody>
-                    <a:bodyPr/>
-                    <a:lstStyle/>
-                    <a:p>
-                      <a:pPr lvl="0" algn="ctr">
-                        <a:buNone/>
-                      </a:pPr>
-                      <a:r>
-                        <a:rPr lang="en-US" sz="2400" b="1" i="0" u="none" strike="noStrike" noProof="0" dirty="0">
-                          <a:solidFill>
-                            <a:schemeClr val="accent3">
-                              <a:lumMod val="25000"/>
-                            </a:schemeClr>
-                          </a:solidFill>
-                          <a:latin typeface="Tw Cen MT" panose="020B0602020104020603" pitchFamily="34" charset="77"/>
-                          <a:cs typeface="Segoe UI Light" panose="020B0502040204020203" pitchFamily="34" charset="0"/>
-                        </a:rPr>
-                        <a:t>₿</a:t>
-                      </a:r>
-                      <a:r>
-                        <a:rPr lang="en-US" sz="2400" b="1" i="0" dirty="0">
-                          <a:solidFill>
-                            <a:schemeClr val="accent3">
-                              <a:lumMod val="25000"/>
-                            </a:schemeClr>
-                          </a:solidFill>
-                          <a:latin typeface="Tw Cen MT" panose="020B0602020104020603" pitchFamily="34" charset="77"/>
-                          <a:cs typeface="Segoe UI Light" panose="020B0502040204020203" pitchFamily="34" charset="0"/>
-                        </a:rPr>
-                        <a:t>BTC</a:t>
-                      </a:r>
-                    </a:p>
-                  </a:txBody>
-                  <a:tcPr anchor="ctr">
-                    <a:lnL w="12700" cap="flat" cmpd="sng" algn="ctr">
-                      <a:solidFill>
-                        <a:schemeClr val="accent3">
-                          <a:lumMod val="25000"/>
-                        </a:schemeClr>
-                      </a:solidFill>
-                      <a:prstDash val="solid"/>
-                      <a:round/>
-                      <a:headEnd type="none" w="med" len="med"/>
-                      <a:tailEnd type="none" w="med" len="med"/>
-                    </a:lnL>
-                    <a:lnR w="12700" cap="flat" cmpd="sng" algn="ctr">
-                      <a:solidFill>
-                        <a:schemeClr val="accent3">
-                          <a:lumMod val="25000"/>
-                        </a:schemeClr>
-                      </a:solidFill>
-                      <a:prstDash val="solid"/>
-                      <a:round/>
-                      <a:headEnd type="none" w="med" len="med"/>
-                      <a:tailEnd type="none" w="med" len="med"/>
-                    </a:lnR>
-                    <a:lnT w="12700" cap="flat" cmpd="sng" algn="ctr">
-                      <a:solidFill>
-                        <a:schemeClr val="accent3">
-                          <a:lumMod val="25000"/>
-                        </a:schemeClr>
-                      </a:solidFill>
-                      <a:prstDash val="solid"/>
-                      <a:round/>
-                      <a:headEnd type="none" w="med" len="med"/>
-                      <a:tailEnd type="none" w="med" len="med"/>
-                    </a:lnT>
-                    <a:lnB w="12700" cap="flat" cmpd="sng" algn="ctr">
-                      <a:solidFill>
-                        <a:schemeClr val="accent3">
-                          <a:lumMod val="25000"/>
-                        </a:schemeClr>
-                      </a:solidFill>
-                      <a:prstDash val="solid"/>
-                      <a:round/>
-                      <a:headEnd type="none" w="med" len="med"/>
-                      <a:tailEnd type="none" w="med" len="med"/>
-                    </a:lnB>
-                    <a:lnTlToBr w="12700" cmpd="sng">
-                      <a:noFill/>
-                      <a:prstDash val="solid"/>
-                    </a:lnTlToBr>
-                    <a:lnBlToTr w="12700" cmpd="sng">
-                      <a:noFill/>
-                      <a:prstDash val="solid"/>
-                    </a:lnBlToTr>
-                    <a:solidFill>
-                      <a:schemeClr val="tx2"/>
-                    </a:solidFill>
-                  </a:tcPr>
-                </a:tc>
-                <a:extLst>
-                  <a:ext uri="{0D108BD9-81ED-4DB2-BD59-A6C34878D82A}">
-                    <a16:rowId xmlns:a16="http://schemas.microsoft.com/office/drawing/2014/main" val="479928716"/>
-                  </a:ext>
-                </a:extLst>
-              </a:tr>
-              <a:tr h="607863">
-                <a:tc>
-                  <a:txBody>
-                    <a:bodyPr/>
-                    <a:lstStyle/>
-                    <a:p>
-                      <a:pPr algn="ctr"/>
-                      <a:r>
-                        <a:rPr lang="en-US" sz="1600" b="0" i="0" dirty="0">
-                          <a:solidFill>
-                            <a:schemeClr val="bg1"/>
-                          </a:solidFill>
-                          <a:latin typeface="Segoe UI Light" panose="020B0502040204020203" pitchFamily="34" charset="0"/>
-                          <a:cs typeface="Segoe UI Light" panose="020B0502040204020203" pitchFamily="34" charset="0"/>
-                        </a:rPr>
-                        <a:t>Q1</a:t>
-                      </a:r>
-                    </a:p>
-                  </a:txBody>
-                  <a:tcPr anchor="ctr">
-                    <a:lnL w="12700" cap="flat" cmpd="sng" algn="ctr">
-                      <a:solidFill>
-                        <a:schemeClr val="accent3">
-                          <a:lumMod val="25000"/>
-                        </a:schemeClr>
-                      </a:solidFill>
-                      <a:prstDash val="solid"/>
-                      <a:round/>
-                      <a:headEnd type="none" w="med" len="med"/>
-                      <a:tailEnd type="none" w="med" len="med"/>
-                    </a:lnL>
-                    <a:lnR w="12700" cap="flat" cmpd="sng" algn="ctr">
-                      <a:solidFill>
-                        <a:schemeClr val="accent3">
-                          <a:lumMod val="25000"/>
-                        </a:schemeClr>
-                      </a:solidFill>
-                      <a:prstDash val="solid"/>
-                      <a:round/>
-                      <a:headEnd type="none" w="med" len="med"/>
-                      <a:tailEnd type="none" w="med" len="med"/>
-                    </a:lnR>
-                    <a:lnT w="12700" cap="flat" cmpd="sng" algn="ctr">
-                      <a:solidFill>
-                        <a:schemeClr val="accent3">
-                          <a:lumMod val="25000"/>
-                        </a:schemeClr>
-                      </a:solidFill>
-                      <a:prstDash val="solid"/>
-                      <a:round/>
-                      <a:headEnd type="none" w="med" len="med"/>
-                      <a:tailEnd type="none" w="med" len="med"/>
-                    </a:lnT>
-                    <a:lnB w="12700" cap="flat" cmpd="sng" algn="ctr">
-                      <a:solidFill>
-                        <a:schemeClr val="accent3">
-                          <a:lumMod val="25000"/>
-                        </a:schemeClr>
-                      </a:solidFill>
-                      <a:prstDash val="solid"/>
-                      <a:round/>
-                      <a:headEnd type="none" w="med" len="med"/>
-                      <a:tailEnd type="none" w="med" len="med"/>
-                    </a:lnB>
-                    <a:lnTlToBr w="12700" cmpd="sng">
-                      <a:noFill/>
-                      <a:prstDash val="solid"/>
-                    </a:lnTlToBr>
-                    <a:lnBlToTr w="12700" cmpd="sng">
-                      <a:noFill/>
-                      <a:prstDash val="solid"/>
-                    </a:lnBlToTr>
-                    <a:solidFill>
-                      <a:schemeClr val="bg1">
-                        <a:alpha val="30000"/>
-                      </a:schemeClr>
-                    </a:solidFill>
-                  </a:tcPr>
-                </a:tc>
-                <a:tc>
-                  <a:txBody>
-                    <a:bodyPr/>
-                    <a:lstStyle/>
-                    <a:p>
-                      <a:pPr algn="ctr"/>
-                      <a:r>
-                        <a:rPr lang="en-US" sz="1600" b="0" i="0" dirty="0">
-                          <a:solidFill>
-                            <a:schemeClr val="bg1"/>
-                          </a:solidFill>
-                          <a:latin typeface="Segoe UI Light" panose="020B0502040204020203" pitchFamily="34" charset="0"/>
-                          <a:cs typeface="Segoe UI Light" panose="020B0502040204020203" pitchFamily="34" charset="0"/>
-                        </a:rPr>
-                        <a:t>4.5</a:t>
-                      </a:r>
-                    </a:p>
-                  </a:txBody>
-                  <a:tcPr anchor="ctr">
-                    <a:lnL w="12700" cap="flat" cmpd="sng" algn="ctr">
-                      <a:solidFill>
-                        <a:schemeClr val="accent3">
-                          <a:lumMod val="25000"/>
-                        </a:schemeClr>
-                      </a:solidFill>
-                      <a:prstDash val="solid"/>
-                      <a:round/>
-                      <a:headEnd type="none" w="med" len="med"/>
-                      <a:tailEnd type="none" w="med" len="med"/>
-                    </a:lnL>
-                    <a:lnR w="12700" cap="flat" cmpd="sng" algn="ctr">
-                      <a:solidFill>
-                        <a:schemeClr val="accent3">
-                          <a:lumMod val="25000"/>
-                        </a:schemeClr>
-                      </a:solidFill>
-                      <a:prstDash val="solid"/>
-                      <a:round/>
-                      <a:headEnd type="none" w="med" len="med"/>
-                      <a:tailEnd type="none" w="med" len="med"/>
-                    </a:lnR>
-                    <a:lnT w="12700" cap="flat" cmpd="sng" algn="ctr">
-                      <a:solidFill>
-                        <a:schemeClr val="accent3">
-                          <a:lumMod val="25000"/>
-                        </a:schemeClr>
-                      </a:solidFill>
-                      <a:prstDash val="solid"/>
-                      <a:round/>
-                      <a:headEnd type="none" w="med" len="med"/>
-                      <a:tailEnd type="none" w="med" len="med"/>
-                    </a:lnT>
-                    <a:lnB w="12700" cap="flat" cmpd="sng" algn="ctr">
-                      <a:solidFill>
-                        <a:schemeClr val="accent3">
-                          <a:lumMod val="25000"/>
-                        </a:schemeClr>
-                      </a:solidFill>
-                      <a:prstDash val="solid"/>
-                      <a:round/>
-                      <a:headEnd type="none" w="med" len="med"/>
-                      <a:tailEnd type="none" w="med" len="med"/>
-                    </a:lnB>
-                    <a:lnTlToBr w="12700" cmpd="sng">
-                      <a:noFill/>
-                      <a:prstDash val="solid"/>
-                    </a:lnTlToBr>
-                    <a:lnBlToTr w="12700" cmpd="sng">
-                      <a:noFill/>
-                      <a:prstDash val="solid"/>
-                    </a:lnBlToTr>
-                    <a:solidFill>
-                      <a:schemeClr val="bg1">
-                        <a:alpha val="30000"/>
-                      </a:schemeClr>
-                    </a:solidFill>
-                  </a:tcPr>
-                </a:tc>
-                <a:tc>
-                  <a:txBody>
-                    <a:bodyPr/>
-                    <a:lstStyle/>
-                    <a:p>
-                      <a:pPr algn="ctr"/>
-                      <a:r>
-                        <a:rPr lang="en-US" sz="1600" b="0" i="0" dirty="0">
-                          <a:solidFill>
-                            <a:schemeClr val="bg1"/>
-                          </a:solidFill>
-                          <a:latin typeface="Segoe UI Light" panose="020B0502040204020203" pitchFamily="34" charset="0"/>
-                          <a:cs typeface="Segoe UI Light" panose="020B0502040204020203" pitchFamily="34" charset="0"/>
-                        </a:rPr>
-                        <a:t>2.3</a:t>
-                      </a:r>
-                    </a:p>
-                  </a:txBody>
-                  <a:tcPr anchor="ctr">
-                    <a:lnL w="12700" cap="flat" cmpd="sng" algn="ctr">
-                      <a:solidFill>
-                        <a:schemeClr val="accent3">
-                          <a:lumMod val="25000"/>
-                        </a:schemeClr>
-                      </a:solidFill>
-                      <a:prstDash val="solid"/>
-                      <a:round/>
-                      <a:headEnd type="none" w="med" len="med"/>
-                      <a:tailEnd type="none" w="med" len="med"/>
-                    </a:lnL>
-                    <a:lnR w="12700" cap="flat" cmpd="sng" algn="ctr">
-                      <a:solidFill>
-                        <a:schemeClr val="accent3">
-                          <a:lumMod val="25000"/>
-                        </a:schemeClr>
-                      </a:solidFill>
-                      <a:prstDash val="solid"/>
-                      <a:round/>
-                      <a:headEnd type="none" w="med" len="med"/>
-                      <a:tailEnd type="none" w="med" len="med"/>
-                    </a:lnR>
-                    <a:lnT w="12700" cap="flat" cmpd="sng" algn="ctr">
-                      <a:solidFill>
-                        <a:schemeClr val="accent3">
-                          <a:lumMod val="25000"/>
-                        </a:schemeClr>
-                      </a:solidFill>
-                      <a:prstDash val="solid"/>
-                      <a:round/>
-                      <a:headEnd type="none" w="med" len="med"/>
-                      <a:tailEnd type="none" w="med" len="med"/>
-                    </a:lnT>
-                    <a:lnB w="12700" cap="flat" cmpd="sng" algn="ctr">
-                      <a:solidFill>
-                        <a:schemeClr val="accent3">
-                          <a:lumMod val="25000"/>
-                        </a:schemeClr>
-                      </a:solidFill>
-                      <a:prstDash val="solid"/>
-                      <a:round/>
-                      <a:headEnd type="none" w="med" len="med"/>
-                      <a:tailEnd type="none" w="med" len="med"/>
-                    </a:lnB>
-                    <a:lnTlToBr w="12700" cmpd="sng">
-                      <a:noFill/>
-                      <a:prstDash val="solid"/>
-                    </a:lnTlToBr>
-                    <a:lnBlToTr w="12700" cmpd="sng">
-                      <a:noFill/>
-                      <a:prstDash val="solid"/>
-                    </a:lnBlToTr>
-                    <a:solidFill>
-                      <a:schemeClr val="bg1">
-                        <a:alpha val="30000"/>
-                      </a:schemeClr>
-                    </a:solidFill>
-                  </a:tcPr>
-                </a:tc>
-                <a:tc>
-                  <a:txBody>
-                    <a:bodyPr/>
-                    <a:lstStyle/>
-                    <a:p>
-                      <a:pPr algn="ctr"/>
-                      <a:r>
-                        <a:rPr lang="en-US" sz="1600" b="0" i="0" dirty="0">
-                          <a:solidFill>
-                            <a:schemeClr val="bg1"/>
-                          </a:solidFill>
-                          <a:latin typeface="Segoe UI Light" panose="020B0502040204020203" pitchFamily="34" charset="0"/>
-                          <a:cs typeface="Segoe UI Light" panose="020B0502040204020203" pitchFamily="34" charset="0"/>
-                        </a:rPr>
-                        <a:t>1.7</a:t>
-                      </a:r>
-                    </a:p>
-                  </a:txBody>
-                  <a:tcPr anchor="ctr">
-                    <a:lnL w="12700" cap="flat" cmpd="sng" algn="ctr">
-                      <a:solidFill>
-                        <a:schemeClr val="accent3">
-                          <a:lumMod val="25000"/>
-                        </a:schemeClr>
-                      </a:solidFill>
-                      <a:prstDash val="solid"/>
-                      <a:round/>
-                      <a:headEnd type="none" w="med" len="med"/>
-                      <a:tailEnd type="none" w="med" len="med"/>
-                    </a:lnL>
-                    <a:lnR w="12700" cap="flat" cmpd="sng" algn="ctr">
-                      <a:solidFill>
-                        <a:schemeClr val="accent3">
-                          <a:lumMod val="25000"/>
-                        </a:schemeClr>
-                      </a:solidFill>
-                      <a:prstDash val="solid"/>
-                      <a:round/>
-                      <a:headEnd type="none" w="med" len="med"/>
-                      <a:tailEnd type="none" w="med" len="med"/>
-                    </a:lnR>
-                    <a:lnT w="12700" cap="flat" cmpd="sng" algn="ctr">
-                      <a:solidFill>
-                        <a:schemeClr val="accent3">
-                          <a:lumMod val="25000"/>
-                        </a:schemeClr>
-                      </a:solidFill>
-                      <a:prstDash val="solid"/>
-                      <a:round/>
-                      <a:headEnd type="none" w="med" len="med"/>
-                      <a:tailEnd type="none" w="med" len="med"/>
-                    </a:lnT>
-                    <a:lnB w="12700" cap="flat" cmpd="sng" algn="ctr">
-                      <a:solidFill>
-                        <a:schemeClr val="accent3">
-                          <a:lumMod val="25000"/>
-                        </a:schemeClr>
-                      </a:solidFill>
-                      <a:prstDash val="solid"/>
-                      <a:round/>
-                      <a:headEnd type="none" w="med" len="med"/>
-                      <a:tailEnd type="none" w="med" len="med"/>
-                    </a:lnB>
-                    <a:lnTlToBr w="12700" cmpd="sng">
-                      <a:noFill/>
-                      <a:prstDash val="solid"/>
-                    </a:lnTlToBr>
-                    <a:lnBlToTr w="12700" cmpd="sng">
-                      <a:noFill/>
-                      <a:prstDash val="solid"/>
-                    </a:lnBlToTr>
-                    <a:solidFill>
-                      <a:schemeClr val="bg1">
-                        <a:alpha val="30000"/>
-                      </a:schemeClr>
-                    </a:solidFill>
-                  </a:tcPr>
-                </a:tc>
-                <a:tc>
-                  <a:txBody>
-                    <a:bodyPr/>
-                    <a:lstStyle/>
-                    <a:p>
-                      <a:pPr algn="ctr"/>
-                      <a:r>
-                        <a:rPr lang="en-US" sz="1600" b="0" i="0" dirty="0">
-                          <a:solidFill>
-                            <a:schemeClr val="bg1"/>
-                          </a:solidFill>
-                          <a:latin typeface="Segoe UI Light" panose="020B0502040204020203" pitchFamily="34" charset="0"/>
-                          <a:cs typeface="Segoe UI Light" panose="020B0502040204020203" pitchFamily="34" charset="0"/>
-                        </a:rPr>
-                        <a:t>5.0</a:t>
-                      </a:r>
-                    </a:p>
-                  </a:txBody>
-                  <a:tcPr anchor="ctr">
-                    <a:lnL w="12700" cap="flat" cmpd="sng" algn="ctr">
-                      <a:solidFill>
-                        <a:schemeClr val="accent3">
-                          <a:lumMod val="25000"/>
-                        </a:schemeClr>
-                      </a:solidFill>
-                      <a:prstDash val="solid"/>
-                      <a:round/>
-                      <a:headEnd type="none" w="med" len="med"/>
-                      <a:tailEnd type="none" w="med" len="med"/>
-                    </a:lnL>
-                    <a:lnR w="12700" cap="flat" cmpd="sng" algn="ctr">
-                      <a:solidFill>
-                        <a:schemeClr val="accent3">
-                          <a:lumMod val="25000"/>
-                        </a:schemeClr>
-                      </a:solidFill>
-                      <a:prstDash val="solid"/>
-                      <a:round/>
-                      <a:headEnd type="none" w="med" len="med"/>
-                      <a:tailEnd type="none" w="med" len="med"/>
-                    </a:lnR>
-                    <a:lnT w="12700" cap="flat" cmpd="sng" algn="ctr">
-                      <a:solidFill>
-                        <a:schemeClr val="accent3">
-                          <a:lumMod val="25000"/>
-                        </a:schemeClr>
-                      </a:solidFill>
-                      <a:prstDash val="solid"/>
-                      <a:round/>
-                      <a:headEnd type="none" w="med" len="med"/>
-                      <a:tailEnd type="none" w="med" len="med"/>
-                    </a:lnT>
-                    <a:lnB w="12700" cap="flat" cmpd="sng" algn="ctr">
-                      <a:solidFill>
-                        <a:schemeClr val="accent3">
-                          <a:lumMod val="25000"/>
-                        </a:schemeClr>
-                      </a:solidFill>
-                      <a:prstDash val="solid"/>
-                      <a:round/>
-                      <a:headEnd type="none" w="med" len="med"/>
-                      <a:tailEnd type="none" w="med" len="med"/>
-                    </a:lnB>
-                    <a:lnTlToBr w="12700" cmpd="sng">
-                      <a:noFill/>
-                      <a:prstDash val="solid"/>
-                    </a:lnTlToBr>
-                    <a:lnBlToTr w="12700" cmpd="sng">
-                      <a:noFill/>
-                      <a:prstDash val="solid"/>
-                    </a:lnBlToTr>
-                    <a:solidFill>
-                      <a:schemeClr val="bg1">
-                        <a:alpha val="30000"/>
-                      </a:schemeClr>
-                    </a:solidFill>
-                  </a:tcPr>
-                </a:tc>
-                <a:extLst>
-                  <a:ext uri="{0D108BD9-81ED-4DB2-BD59-A6C34878D82A}">
-                    <a16:rowId xmlns:a16="http://schemas.microsoft.com/office/drawing/2014/main" val="1760208656"/>
-                  </a:ext>
-                </a:extLst>
-              </a:tr>
-              <a:tr h="610590">
-                <a:tc>
-                  <a:txBody>
-                    <a:bodyPr/>
-                    <a:lstStyle/>
-                    <a:p>
-                      <a:pPr algn="ctr"/>
-                      <a:r>
-                        <a:rPr lang="en-US" sz="1600" b="0" i="0" dirty="0">
-                          <a:solidFill>
-                            <a:schemeClr val="bg1"/>
-                          </a:solidFill>
-                          <a:latin typeface="Segoe UI Light" panose="020B0502040204020203" pitchFamily="34" charset="0"/>
-                          <a:cs typeface="Segoe UI Light" panose="020B0502040204020203" pitchFamily="34" charset="0"/>
-                        </a:rPr>
-                        <a:t>Q2</a:t>
-                      </a:r>
-                    </a:p>
-                  </a:txBody>
-                  <a:tcPr anchor="ctr">
-                    <a:lnL w="12700" cap="flat" cmpd="sng" algn="ctr">
-                      <a:solidFill>
-                        <a:schemeClr val="accent3">
-                          <a:lumMod val="25000"/>
-                        </a:schemeClr>
-                      </a:solidFill>
-                      <a:prstDash val="solid"/>
-                      <a:round/>
-                      <a:headEnd type="none" w="med" len="med"/>
-                      <a:tailEnd type="none" w="med" len="med"/>
-                    </a:lnL>
-                    <a:lnR w="12700" cap="flat" cmpd="sng" algn="ctr">
-                      <a:solidFill>
-                        <a:schemeClr val="accent3">
-                          <a:lumMod val="25000"/>
-                        </a:schemeClr>
-                      </a:solidFill>
-                      <a:prstDash val="solid"/>
-                      <a:round/>
-                      <a:headEnd type="none" w="med" len="med"/>
-                      <a:tailEnd type="none" w="med" len="med"/>
-                    </a:lnR>
-                    <a:lnT w="12700" cap="flat" cmpd="sng" algn="ctr">
-                      <a:solidFill>
-                        <a:schemeClr val="accent3">
-                          <a:lumMod val="25000"/>
-                        </a:schemeClr>
-                      </a:solidFill>
-                      <a:prstDash val="solid"/>
-                      <a:round/>
-                      <a:headEnd type="none" w="med" len="med"/>
-                      <a:tailEnd type="none" w="med" len="med"/>
-                    </a:lnT>
-                    <a:lnB w="12700" cap="flat" cmpd="sng" algn="ctr">
-                      <a:solidFill>
-                        <a:schemeClr val="accent3">
-                          <a:lumMod val="25000"/>
-                        </a:schemeClr>
-                      </a:solidFill>
-                      <a:prstDash val="solid"/>
-                      <a:round/>
-                      <a:headEnd type="none" w="med" len="med"/>
-                      <a:tailEnd type="none" w="med" len="med"/>
-                    </a:lnB>
-                    <a:lnTlToBr w="12700" cmpd="sng">
-                      <a:noFill/>
-                      <a:prstDash val="solid"/>
-                    </a:lnTlToBr>
-                    <a:lnBlToTr w="12700" cmpd="sng">
-                      <a:noFill/>
-                      <a:prstDash val="solid"/>
-                    </a:lnBlToTr>
-                    <a:solidFill>
-                      <a:schemeClr val="bg1">
-                        <a:alpha val="40000"/>
-                      </a:schemeClr>
-                    </a:solidFill>
-                  </a:tcPr>
-                </a:tc>
-                <a:tc>
-                  <a:txBody>
-                    <a:bodyPr/>
-                    <a:lstStyle/>
-                    <a:p>
-                      <a:pPr algn="ctr"/>
-                      <a:r>
-                        <a:rPr lang="en-US" sz="1600" b="0" i="0" dirty="0">
-                          <a:solidFill>
-                            <a:schemeClr val="bg1"/>
-                          </a:solidFill>
-                          <a:latin typeface="Segoe UI Light" panose="020B0502040204020203" pitchFamily="34" charset="0"/>
-                          <a:cs typeface="Segoe UI Light" panose="020B0502040204020203" pitchFamily="34" charset="0"/>
-                        </a:rPr>
-                        <a:t>3.2</a:t>
-                      </a:r>
-                    </a:p>
-                  </a:txBody>
-                  <a:tcPr anchor="ctr">
-                    <a:lnL w="12700" cap="flat" cmpd="sng" algn="ctr">
-                      <a:solidFill>
-                        <a:schemeClr val="accent3">
-                          <a:lumMod val="25000"/>
-                        </a:schemeClr>
-                      </a:solidFill>
-                      <a:prstDash val="solid"/>
-                      <a:round/>
-                      <a:headEnd type="none" w="med" len="med"/>
-                      <a:tailEnd type="none" w="med" len="med"/>
-                    </a:lnL>
-                    <a:lnR w="12700" cap="flat" cmpd="sng" algn="ctr">
-                      <a:solidFill>
-                        <a:schemeClr val="accent3">
-                          <a:lumMod val="25000"/>
-                        </a:schemeClr>
-                      </a:solidFill>
-                      <a:prstDash val="solid"/>
-                      <a:round/>
-                      <a:headEnd type="none" w="med" len="med"/>
-                      <a:tailEnd type="none" w="med" len="med"/>
-                    </a:lnR>
-                    <a:lnT w="12700" cap="flat" cmpd="sng" algn="ctr">
-                      <a:solidFill>
-                        <a:schemeClr val="accent3">
-                          <a:lumMod val="25000"/>
-                        </a:schemeClr>
-                      </a:solidFill>
-                      <a:prstDash val="solid"/>
-                      <a:round/>
-                      <a:headEnd type="none" w="med" len="med"/>
-                      <a:tailEnd type="none" w="med" len="med"/>
-                    </a:lnT>
-                    <a:lnB w="12700" cap="flat" cmpd="sng" algn="ctr">
-                      <a:solidFill>
-                        <a:schemeClr val="accent3">
-                          <a:lumMod val="25000"/>
-                        </a:schemeClr>
-                      </a:solidFill>
-                      <a:prstDash val="solid"/>
-                      <a:round/>
-                      <a:headEnd type="none" w="med" len="med"/>
-                      <a:tailEnd type="none" w="med" len="med"/>
-                    </a:lnB>
-                    <a:lnTlToBr w="12700" cmpd="sng">
-                      <a:noFill/>
-                      <a:prstDash val="solid"/>
-                    </a:lnTlToBr>
-                    <a:lnBlToTr w="12700" cmpd="sng">
-                      <a:noFill/>
-                      <a:prstDash val="solid"/>
-                    </a:lnBlToTr>
-                    <a:solidFill>
-                      <a:schemeClr val="bg1">
-                        <a:alpha val="40000"/>
-                      </a:schemeClr>
-                    </a:solidFill>
-                  </a:tcPr>
-                </a:tc>
-                <a:tc>
-                  <a:txBody>
-                    <a:bodyPr/>
-                    <a:lstStyle/>
-                    <a:p>
-                      <a:pPr algn="ctr"/>
-                      <a:r>
-                        <a:rPr lang="en-US" sz="1600" b="0" i="0" dirty="0">
-                          <a:solidFill>
-                            <a:schemeClr val="bg1"/>
-                          </a:solidFill>
-                          <a:latin typeface="Segoe UI Light" panose="020B0502040204020203" pitchFamily="34" charset="0"/>
-                          <a:cs typeface="Segoe UI Light" panose="020B0502040204020203" pitchFamily="34" charset="0"/>
-                        </a:rPr>
-                        <a:t>5.1</a:t>
-                      </a:r>
-                    </a:p>
-                  </a:txBody>
-                  <a:tcPr anchor="ctr">
-                    <a:lnL w="12700" cap="flat" cmpd="sng" algn="ctr">
-                      <a:solidFill>
-                        <a:schemeClr val="accent3">
-                          <a:lumMod val="25000"/>
-                        </a:schemeClr>
-                      </a:solidFill>
-                      <a:prstDash val="solid"/>
-                      <a:round/>
-                      <a:headEnd type="none" w="med" len="med"/>
-                      <a:tailEnd type="none" w="med" len="med"/>
-                    </a:lnL>
-                    <a:lnR w="12700" cap="flat" cmpd="sng" algn="ctr">
-                      <a:solidFill>
-                        <a:schemeClr val="accent3">
-                          <a:lumMod val="25000"/>
-                        </a:schemeClr>
-                      </a:solidFill>
-                      <a:prstDash val="solid"/>
-                      <a:round/>
-                      <a:headEnd type="none" w="med" len="med"/>
-                      <a:tailEnd type="none" w="med" len="med"/>
-                    </a:lnR>
-                    <a:lnT w="12700" cap="flat" cmpd="sng" algn="ctr">
-                      <a:solidFill>
-                        <a:schemeClr val="accent3">
-                          <a:lumMod val="25000"/>
-                        </a:schemeClr>
-                      </a:solidFill>
-                      <a:prstDash val="solid"/>
-                      <a:round/>
-                      <a:headEnd type="none" w="med" len="med"/>
-                      <a:tailEnd type="none" w="med" len="med"/>
-                    </a:lnT>
-                    <a:lnB w="12700" cap="flat" cmpd="sng" algn="ctr">
-                      <a:solidFill>
-                        <a:schemeClr val="accent3">
-                          <a:lumMod val="25000"/>
-                        </a:schemeClr>
-                      </a:solidFill>
-                      <a:prstDash val="solid"/>
-                      <a:round/>
-                      <a:headEnd type="none" w="med" len="med"/>
-                      <a:tailEnd type="none" w="med" len="med"/>
-                    </a:lnB>
-                    <a:lnTlToBr w="12700" cmpd="sng">
-                      <a:noFill/>
-                      <a:prstDash val="solid"/>
-                    </a:lnTlToBr>
-                    <a:lnBlToTr w="12700" cmpd="sng">
-                      <a:noFill/>
-                      <a:prstDash val="solid"/>
-                    </a:lnBlToTr>
-                    <a:solidFill>
-                      <a:schemeClr val="bg1">
-                        <a:alpha val="40000"/>
-                      </a:schemeClr>
-                    </a:solidFill>
-                  </a:tcPr>
-                </a:tc>
-                <a:tc>
-                  <a:txBody>
-                    <a:bodyPr/>
-                    <a:lstStyle/>
-                    <a:p>
-                      <a:pPr algn="ctr"/>
-                      <a:r>
-                        <a:rPr lang="en-US" sz="1600" b="0" i="0" dirty="0">
-                          <a:solidFill>
-                            <a:schemeClr val="bg1"/>
-                          </a:solidFill>
-                          <a:latin typeface="Segoe UI Light" panose="020B0502040204020203" pitchFamily="34" charset="0"/>
-                          <a:cs typeface="Segoe UI Light" panose="020B0502040204020203" pitchFamily="34" charset="0"/>
-                        </a:rPr>
-                        <a:t>4.4</a:t>
-                      </a:r>
-                    </a:p>
-                  </a:txBody>
-                  <a:tcPr anchor="ctr">
-                    <a:lnL w="12700" cap="flat" cmpd="sng" algn="ctr">
-                      <a:solidFill>
-                        <a:schemeClr val="accent3">
-                          <a:lumMod val="25000"/>
-                        </a:schemeClr>
-                      </a:solidFill>
-                      <a:prstDash val="solid"/>
-                      <a:round/>
-                      <a:headEnd type="none" w="med" len="med"/>
-                      <a:tailEnd type="none" w="med" len="med"/>
-                    </a:lnL>
-                    <a:lnR w="12700" cap="flat" cmpd="sng" algn="ctr">
-                      <a:solidFill>
-                        <a:schemeClr val="accent3">
-                          <a:lumMod val="25000"/>
-                        </a:schemeClr>
-                      </a:solidFill>
-                      <a:prstDash val="solid"/>
-                      <a:round/>
-                      <a:headEnd type="none" w="med" len="med"/>
-                      <a:tailEnd type="none" w="med" len="med"/>
-                    </a:lnR>
-                    <a:lnT w="12700" cap="flat" cmpd="sng" algn="ctr">
-                      <a:solidFill>
-                        <a:schemeClr val="accent3">
-                          <a:lumMod val="25000"/>
-                        </a:schemeClr>
-                      </a:solidFill>
-                      <a:prstDash val="solid"/>
-                      <a:round/>
-                      <a:headEnd type="none" w="med" len="med"/>
-                      <a:tailEnd type="none" w="med" len="med"/>
-                    </a:lnT>
-                    <a:lnB w="12700" cap="flat" cmpd="sng" algn="ctr">
-                      <a:solidFill>
-                        <a:schemeClr val="accent3">
-                          <a:lumMod val="25000"/>
-                        </a:schemeClr>
-                      </a:solidFill>
-                      <a:prstDash val="solid"/>
-                      <a:round/>
-                      <a:headEnd type="none" w="med" len="med"/>
-                      <a:tailEnd type="none" w="med" len="med"/>
-                    </a:lnB>
-                    <a:lnTlToBr w="12700" cmpd="sng">
-                      <a:noFill/>
-                      <a:prstDash val="solid"/>
-                    </a:lnTlToBr>
-                    <a:lnBlToTr w="12700" cmpd="sng">
-                      <a:noFill/>
-                      <a:prstDash val="solid"/>
-                    </a:lnBlToTr>
-                    <a:solidFill>
-                      <a:schemeClr val="bg1">
-                        <a:alpha val="40000"/>
-                      </a:schemeClr>
-                    </a:solidFill>
-                  </a:tcPr>
-                </a:tc>
-                <a:tc>
-                  <a:txBody>
-                    <a:bodyPr/>
-                    <a:lstStyle/>
-                    <a:p>
-                      <a:pPr algn="ctr"/>
-                      <a:r>
-                        <a:rPr lang="en-US" sz="1600" b="0" i="0" dirty="0">
-                          <a:solidFill>
-                            <a:schemeClr val="bg1"/>
-                          </a:solidFill>
-                          <a:latin typeface="Segoe UI Light" panose="020B0502040204020203" pitchFamily="34" charset="0"/>
-                          <a:cs typeface="Segoe UI Light" panose="020B0502040204020203" pitchFamily="34" charset="0"/>
-                        </a:rPr>
-                        <a:t>3.0</a:t>
-                      </a:r>
-                    </a:p>
-                  </a:txBody>
-                  <a:tcPr anchor="ctr">
-                    <a:lnL w="12700" cap="flat" cmpd="sng" algn="ctr">
-                      <a:solidFill>
-                        <a:schemeClr val="accent3">
-                          <a:lumMod val="25000"/>
-                        </a:schemeClr>
-                      </a:solidFill>
-                      <a:prstDash val="solid"/>
-                      <a:round/>
-                      <a:headEnd type="none" w="med" len="med"/>
-                      <a:tailEnd type="none" w="med" len="med"/>
-                    </a:lnL>
-                    <a:lnR w="12700" cap="flat" cmpd="sng" algn="ctr">
-                      <a:solidFill>
-                        <a:schemeClr val="accent3">
-                          <a:lumMod val="25000"/>
-                        </a:schemeClr>
-                      </a:solidFill>
-                      <a:prstDash val="solid"/>
-                      <a:round/>
-                      <a:headEnd type="none" w="med" len="med"/>
-                      <a:tailEnd type="none" w="med" len="med"/>
-                    </a:lnR>
-                    <a:lnT w="12700" cap="flat" cmpd="sng" algn="ctr">
-                      <a:solidFill>
-                        <a:schemeClr val="accent3">
-                          <a:lumMod val="25000"/>
-                        </a:schemeClr>
-                      </a:solidFill>
-                      <a:prstDash val="solid"/>
-                      <a:round/>
-                      <a:headEnd type="none" w="med" len="med"/>
-                      <a:tailEnd type="none" w="med" len="med"/>
-                    </a:lnT>
-                    <a:lnB w="12700" cap="flat" cmpd="sng" algn="ctr">
-                      <a:solidFill>
-                        <a:schemeClr val="accent3">
-                          <a:lumMod val="25000"/>
-                        </a:schemeClr>
-                      </a:solidFill>
-                      <a:prstDash val="solid"/>
-                      <a:round/>
-                      <a:headEnd type="none" w="med" len="med"/>
-                      <a:tailEnd type="none" w="med" len="med"/>
-                    </a:lnB>
-                    <a:lnTlToBr w="12700" cmpd="sng">
-                      <a:noFill/>
-                      <a:prstDash val="solid"/>
-                    </a:lnTlToBr>
-                    <a:lnBlToTr w="12700" cmpd="sng">
-                      <a:noFill/>
-                      <a:prstDash val="solid"/>
-                    </a:lnBlToTr>
-                    <a:solidFill>
-                      <a:schemeClr val="bg1">
-                        <a:alpha val="40000"/>
-                      </a:schemeClr>
-                    </a:solidFill>
-                  </a:tcPr>
-                </a:tc>
-                <a:extLst>
-                  <a:ext uri="{0D108BD9-81ED-4DB2-BD59-A6C34878D82A}">
-                    <a16:rowId xmlns:a16="http://schemas.microsoft.com/office/drawing/2014/main" val="3634243071"/>
-                  </a:ext>
-                </a:extLst>
-              </a:tr>
-              <a:tr h="627902">
-                <a:tc>
-                  <a:txBody>
-                    <a:bodyPr/>
-                    <a:lstStyle/>
-                    <a:p>
-                      <a:pPr algn="ctr"/>
-                      <a:r>
-                        <a:rPr lang="en-US" sz="1600" b="0" i="0" dirty="0">
-                          <a:solidFill>
-                            <a:schemeClr val="bg1"/>
-                          </a:solidFill>
-                          <a:latin typeface="Segoe UI Light" panose="020B0502040204020203" pitchFamily="34" charset="0"/>
-                          <a:cs typeface="Segoe UI Light" panose="020B0502040204020203" pitchFamily="34" charset="0"/>
-                        </a:rPr>
-                        <a:t>Q3</a:t>
-                      </a:r>
-                    </a:p>
-                  </a:txBody>
-                  <a:tcPr anchor="ctr">
-                    <a:lnL w="12700" cap="flat" cmpd="sng" algn="ctr">
-                      <a:solidFill>
-                        <a:schemeClr val="accent3">
-                          <a:lumMod val="25000"/>
-                        </a:schemeClr>
-                      </a:solidFill>
-                      <a:prstDash val="solid"/>
-                      <a:round/>
-                      <a:headEnd type="none" w="med" len="med"/>
-                      <a:tailEnd type="none" w="med" len="med"/>
-                    </a:lnL>
-                    <a:lnR w="12700" cap="flat" cmpd="sng" algn="ctr">
-                      <a:solidFill>
-                        <a:schemeClr val="accent3">
-                          <a:lumMod val="25000"/>
-                        </a:schemeClr>
-                      </a:solidFill>
-                      <a:prstDash val="solid"/>
-                      <a:round/>
-                      <a:headEnd type="none" w="med" len="med"/>
-                      <a:tailEnd type="none" w="med" len="med"/>
-                    </a:lnR>
-                    <a:lnT w="12700" cap="flat" cmpd="sng" algn="ctr">
-                      <a:solidFill>
-                        <a:schemeClr val="accent3">
-                          <a:lumMod val="25000"/>
-                        </a:schemeClr>
-                      </a:solidFill>
-                      <a:prstDash val="solid"/>
-                      <a:round/>
-                      <a:headEnd type="none" w="med" len="med"/>
-                      <a:tailEnd type="none" w="med" len="med"/>
-                    </a:lnT>
-                    <a:lnB w="12700" cap="flat" cmpd="sng" algn="ctr">
-                      <a:solidFill>
-                        <a:schemeClr val="accent3">
-                          <a:lumMod val="25000"/>
-                        </a:schemeClr>
-                      </a:solidFill>
-                      <a:prstDash val="solid"/>
-                      <a:round/>
-                      <a:headEnd type="none" w="med" len="med"/>
-                      <a:tailEnd type="none" w="med" len="med"/>
-                    </a:lnB>
-                    <a:lnTlToBr w="12700" cmpd="sng">
-                      <a:noFill/>
-                      <a:prstDash val="solid"/>
-                    </a:lnTlToBr>
-                    <a:lnBlToTr w="12700" cmpd="sng">
-                      <a:noFill/>
-                      <a:prstDash val="solid"/>
-                    </a:lnBlToTr>
-                    <a:solidFill>
-                      <a:schemeClr val="bg1">
-                        <a:alpha val="30000"/>
-                      </a:schemeClr>
-                    </a:solidFill>
-                  </a:tcPr>
-                </a:tc>
-                <a:tc>
-                  <a:txBody>
-                    <a:bodyPr/>
-                    <a:lstStyle/>
-                    <a:p>
-                      <a:pPr algn="ctr"/>
-                      <a:r>
-                        <a:rPr lang="en-US" sz="1600" b="0" i="0" dirty="0">
-                          <a:solidFill>
-                            <a:schemeClr val="bg1"/>
-                          </a:solidFill>
-                          <a:latin typeface="Segoe UI Light" panose="020B0502040204020203" pitchFamily="34" charset="0"/>
-                          <a:cs typeface="Segoe UI Light" panose="020B0502040204020203" pitchFamily="34" charset="0"/>
-                        </a:rPr>
-                        <a:t>2.1</a:t>
-                      </a:r>
-                    </a:p>
-                  </a:txBody>
-                  <a:tcPr anchor="ctr">
-                    <a:lnL w="12700" cap="flat" cmpd="sng" algn="ctr">
-                      <a:solidFill>
-                        <a:schemeClr val="accent3">
-                          <a:lumMod val="25000"/>
-                        </a:schemeClr>
-                      </a:solidFill>
-                      <a:prstDash val="solid"/>
-                      <a:round/>
-                      <a:headEnd type="none" w="med" len="med"/>
-                      <a:tailEnd type="none" w="med" len="med"/>
-                    </a:lnL>
-                    <a:lnR w="12700" cap="flat" cmpd="sng" algn="ctr">
-                      <a:solidFill>
-                        <a:schemeClr val="accent3">
-                          <a:lumMod val="25000"/>
-                        </a:schemeClr>
-                      </a:solidFill>
-                      <a:prstDash val="solid"/>
-                      <a:round/>
-                      <a:headEnd type="none" w="med" len="med"/>
-                      <a:tailEnd type="none" w="med" len="med"/>
-                    </a:lnR>
-                    <a:lnT w="12700" cap="flat" cmpd="sng" algn="ctr">
-                      <a:solidFill>
-                        <a:schemeClr val="accent3">
-                          <a:lumMod val="25000"/>
-                        </a:schemeClr>
-                      </a:solidFill>
-                      <a:prstDash val="solid"/>
-                      <a:round/>
-                      <a:headEnd type="none" w="med" len="med"/>
-                      <a:tailEnd type="none" w="med" len="med"/>
-                    </a:lnT>
-                    <a:lnB w="12700" cap="flat" cmpd="sng" algn="ctr">
-                      <a:solidFill>
-                        <a:schemeClr val="accent3">
-                          <a:lumMod val="25000"/>
-                        </a:schemeClr>
-                      </a:solidFill>
-                      <a:prstDash val="solid"/>
-                      <a:round/>
-                      <a:headEnd type="none" w="med" len="med"/>
-                      <a:tailEnd type="none" w="med" len="med"/>
-                    </a:lnB>
-                    <a:lnTlToBr w="12700" cmpd="sng">
-                      <a:noFill/>
-                      <a:prstDash val="solid"/>
-                    </a:lnTlToBr>
-                    <a:lnBlToTr w="12700" cmpd="sng">
-                      <a:noFill/>
-                      <a:prstDash val="solid"/>
-                    </a:lnBlToTr>
-                    <a:solidFill>
-                      <a:schemeClr val="bg1">
-                        <a:alpha val="30000"/>
-                      </a:schemeClr>
-                    </a:solidFill>
-                  </a:tcPr>
-                </a:tc>
-                <a:tc>
-                  <a:txBody>
-                    <a:bodyPr/>
-                    <a:lstStyle/>
-                    <a:p>
-                      <a:pPr algn="ctr"/>
-                      <a:r>
-                        <a:rPr lang="en-US" sz="1600" b="0" i="0" dirty="0">
-                          <a:solidFill>
-                            <a:schemeClr val="bg1"/>
-                          </a:solidFill>
-                          <a:latin typeface="Segoe UI Light" panose="020B0502040204020203" pitchFamily="34" charset="0"/>
-                          <a:cs typeface="Segoe UI Light" panose="020B0502040204020203" pitchFamily="34" charset="0"/>
-                        </a:rPr>
-                        <a:t>1.7</a:t>
-                      </a:r>
-                    </a:p>
-                  </a:txBody>
-                  <a:tcPr anchor="ctr">
-                    <a:lnL w="12700" cap="flat" cmpd="sng" algn="ctr">
-                      <a:solidFill>
-                        <a:schemeClr val="accent3">
-                          <a:lumMod val="25000"/>
-                        </a:schemeClr>
-                      </a:solidFill>
-                      <a:prstDash val="solid"/>
-                      <a:round/>
-                      <a:headEnd type="none" w="med" len="med"/>
-                      <a:tailEnd type="none" w="med" len="med"/>
-                    </a:lnL>
-                    <a:lnR w="12700" cap="flat" cmpd="sng" algn="ctr">
-                      <a:solidFill>
-                        <a:schemeClr val="accent3">
-                          <a:lumMod val="25000"/>
-                        </a:schemeClr>
-                      </a:solidFill>
-                      <a:prstDash val="solid"/>
-                      <a:round/>
-                      <a:headEnd type="none" w="med" len="med"/>
-                      <a:tailEnd type="none" w="med" len="med"/>
-                    </a:lnR>
-                    <a:lnT w="12700" cap="flat" cmpd="sng" algn="ctr">
-                      <a:solidFill>
-                        <a:schemeClr val="accent3">
-                          <a:lumMod val="25000"/>
-                        </a:schemeClr>
-                      </a:solidFill>
-                      <a:prstDash val="solid"/>
-                      <a:round/>
-                      <a:headEnd type="none" w="med" len="med"/>
-                      <a:tailEnd type="none" w="med" len="med"/>
-                    </a:lnT>
-                    <a:lnB w="12700" cap="flat" cmpd="sng" algn="ctr">
-                      <a:solidFill>
-                        <a:schemeClr val="accent3">
-                          <a:lumMod val="25000"/>
-                        </a:schemeClr>
-                      </a:solidFill>
-                      <a:prstDash val="solid"/>
-                      <a:round/>
-                      <a:headEnd type="none" w="med" len="med"/>
-                      <a:tailEnd type="none" w="med" len="med"/>
-                    </a:lnB>
-                    <a:lnTlToBr w="12700" cmpd="sng">
-                      <a:noFill/>
-                      <a:prstDash val="solid"/>
-                    </a:lnTlToBr>
-                    <a:lnBlToTr w="12700" cmpd="sng">
-                      <a:noFill/>
-                      <a:prstDash val="solid"/>
-                    </a:lnBlToTr>
-                    <a:solidFill>
-                      <a:schemeClr val="bg1">
-                        <a:alpha val="30000"/>
-                      </a:schemeClr>
-                    </a:solidFill>
-                  </a:tcPr>
-                </a:tc>
-                <a:tc>
-                  <a:txBody>
-                    <a:bodyPr/>
-                    <a:lstStyle/>
-                    <a:p>
-                      <a:pPr algn="ctr"/>
-                      <a:r>
-                        <a:rPr lang="en-US" sz="1600" b="0" i="0" dirty="0">
-                          <a:solidFill>
-                            <a:schemeClr val="bg1"/>
-                          </a:solidFill>
-                          <a:latin typeface="Segoe UI Light" panose="020B0502040204020203" pitchFamily="34" charset="0"/>
-                          <a:cs typeface="Segoe UI Light" panose="020B0502040204020203" pitchFamily="34" charset="0"/>
-                        </a:rPr>
-                        <a:t>2.5</a:t>
-                      </a:r>
-                    </a:p>
-                  </a:txBody>
-                  <a:tcPr anchor="ctr">
-                    <a:lnL w="12700" cap="flat" cmpd="sng" algn="ctr">
-                      <a:solidFill>
-                        <a:schemeClr val="accent3">
-                          <a:lumMod val="25000"/>
-                        </a:schemeClr>
-                      </a:solidFill>
-                      <a:prstDash val="solid"/>
-                      <a:round/>
-                      <a:headEnd type="none" w="med" len="med"/>
-                      <a:tailEnd type="none" w="med" len="med"/>
-                    </a:lnL>
-                    <a:lnR w="12700" cap="flat" cmpd="sng" algn="ctr">
-                      <a:solidFill>
-                        <a:schemeClr val="accent3">
-                          <a:lumMod val="25000"/>
-                        </a:schemeClr>
-                      </a:solidFill>
-                      <a:prstDash val="solid"/>
-                      <a:round/>
-                      <a:headEnd type="none" w="med" len="med"/>
-                      <a:tailEnd type="none" w="med" len="med"/>
-                    </a:lnR>
-                    <a:lnT w="12700" cap="flat" cmpd="sng" algn="ctr">
-                      <a:solidFill>
-                        <a:schemeClr val="accent3">
-                          <a:lumMod val="25000"/>
-                        </a:schemeClr>
-                      </a:solidFill>
-                      <a:prstDash val="solid"/>
-                      <a:round/>
-                      <a:headEnd type="none" w="med" len="med"/>
-                      <a:tailEnd type="none" w="med" len="med"/>
-                    </a:lnT>
-                    <a:lnB w="12700" cap="flat" cmpd="sng" algn="ctr">
-                      <a:solidFill>
-                        <a:schemeClr val="accent3">
-                          <a:lumMod val="25000"/>
-                        </a:schemeClr>
-                      </a:solidFill>
-                      <a:prstDash val="solid"/>
-                      <a:round/>
-                      <a:headEnd type="none" w="med" len="med"/>
-                      <a:tailEnd type="none" w="med" len="med"/>
-                    </a:lnB>
-                    <a:lnTlToBr w="12700" cmpd="sng">
-                      <a:noFill/>
-                      <a:prstDash val="solid"/>
-                    </a:lnTlToBr>
-                    <a:lnBlToTr w="12700" cmpd="sng">
-                      <a:noFill/>
-                      <a:prstDash val="solid"/>
-                    </a:lnBlToTr>
-                    <a:solidFill>
-                      <a:schemeClr val="bg1">
-                        <a:alpha val="30000"/>
-                      </a:schemeClr>
-                    </a:solidFill>
-                  </a:tcPr>
-                </a:tc>
-                <a:tc>
-                  <a:txBody>
-                    <a:bodyPr/>
-                    <a:lstStyle/>
-                    <a:p>
-                      <a:pPr algn="ctr"/>
-                      <a:r>
-                        <a:rPr lang="en-US" sz="1600" b="0" i="0" dirty="0">
-                          <a:solidFill>
-                            <a:schemeClr val="bg1"/>
-                          </a:solidFill>
-                          <a:latin typeface="Segoe UI Light" panose="020B0502040204020203" pitchFamily="34" charset="0"/>
-                          <a:cs typeface="Segoe UI Light" panose="020B0502040204020203" pitchFamily="34" charset="0"/>
-                        </a:rPr>
-                        <a:t>2.8</a:t>
-                      </a:r>
-                    </a:p>
-                  </a:txBody>
-                  <a:tcPr anchor="ctr">
-                    <a:lnL w="12700" cap="flat" cmpd="sng" algn="ctr">
-                      <a:solidFill>
-                        <a:schemeClr val="accent3">
-                          <a:lumMod val="25000"/>
-                        </a:schemeClr>
-                      </a:solidFill>
-                      <a:prstDash val="solid"/>
-                      <a:round/>
-                      <a:headEnd type="none" w="med" len="med"/>
-                      <a:tailEnd type="none" w="med" len="med"/>
-                    </a:lnL>
-                    <a:lnR w="12700" cap="flat" cmpd="sng" algn="ctr">
-                      <a:solidFill>
-                        <a:schemeClr val="accent3">
-                          <a:lumMod val="25000"/>
-                        </a:schemeClr>
-                      </a:solidFill>
-                      <a:prstDash val="solid"/>
-                      <a:round/>
-                      <a:headEnd type="none" w="med" len="med"/>
-                      <a:tailEnd type="none" w="med" len="med"/>
-                    </a:lnR>
-                    <a:lnT w="12700" cap="flat" cmpd="sng" algn="ctr">
-                      <a:solidFill>
-                        <a:schemeClr val="accent3">
-                          <a:lumMod val="25000"/>
-                        </a:schemeClr>
-                      </a:solidFill>
-                      <a:prstDash val="solid"/>
-                      <a:round/>
-                      <a:headEnd type="none" w="med" len="med"/>
-                      <a:tailEnd type="none" w="med" len="med"/>
-                    </a:lnT>
-                    <a:lnB w="12700" cap="flat" cmpd="sng" algn="ctr">
-                      <a:solidFill>
-                        <a:schemeClr val="accent3">
-                          <a:lumMod val="25000"/>
-                        </a:schemeClr>
-                      </a:solidFill>
-                      <a:prstDash val="solid"/>
-                      <a:round/>
-                      <a:headEnd type="none" w="med" len="med"/>
-                      <a:tailEnd type="none" w="med" len="med"/>
-                    </a:lnB>
-                    <a:lnTlToBr w="12700" cmpd="sng">
-                      <a:noFill/>
-                      <a:prstDash val="solid"/>
-                    </a:lnTlToBr>
-                    <a:lnBlToTr w="12700" cmpd="sng">
-                      <a:noFill/>
-                      <a:prstDash val="solid"/>
-                    </a:lnBlToTr>
-                    <a:solidFill>
-                      <a:schemeClr val="bg1">
-                        <a:alpha val="30000"/>
-                      </a:schemeClr>
-                    </a:solidFill>
-                  </a:tcPr>
-                </a:tc>
-                <a:extLst>
-                  <a:ext uri="{0D108BD9-81ED-4DB2-BD59-A6C34878D82A}">
-                    <a16:rowId xmlns:a16="http://schemas.microsoft.com/office/drawing/2014/main" val="415808797"/>
-                  </a:ext>
-                </a:extLst>
-              </a:tr>
-              <a:tr h="659806">
-                <a:tc>
-                  <a:txBody>
-                    <a:bodyPr/>
-                    <a:lstStyle/>
-                    <a:p>
-                      <a:pPr algn="ctr"/>
-                      <a:r>
-                        <a:rPr lang="en-US" sz="1600" b="0" i="0" dirty="0">
-                          <a:solidFill>
-                            <a:schemeClr val="bg1"/>
-                          </a:solidFill>
-                          <a:latin typeface="Segoe UI Light" panose="020B0502040204020203" pitchFamily="34" charset="0"/>
-                          <a:cs typeface="Segoe UI Light" panose="020B0502040204020203" pitchFamily="34" charset="0"/>
-                        </a:rPr>
-                        <a:t>Q4</a:t>
-                      </a:r>
-                    </a:p>
-                  </a:txBody>
-                  <a:tcPr anchor="ctr">
-                    <a:lnL w="12700" cap="flat" cmpd="sng" algn="ctr">
-                      <a:solidFill>
-                        <a:schemeClr val="accent3">
-                          <a:lumMod val="25000"/>
-                        </a:schemeClr>
-                      </a:solidFill>
-                      <a:prstDash val="solid"/>
-                      <a:round/>
-                      <a:headEnd type="none" w="med" len="med"/>
-                      <a:tailEnd type="none" w="med" len="med"/>
-                    </a:lnL>
-                    <a:lnR w="12700" cap="flat" cmpd="sng" algn="ctr">
-                      <a:solidFill>
-                        <a:schemeClr val="accent3">
-                          <a:lumMod val="25000"/>
-                        </a:schemeClr>
-                      </a:solidFill>
-                      <a:prstDash val="solid"/>
-                      <a:round/>
-                      <a:headEnd type="none" w="med" len="med"/>
-                      <a:tailEnd type="none" w="med" len="med"/>
-                    </a:lnR>
-                    <a:lnT w="12700" cap="flat" cmpd="sng" algn="ctr">
-                      <a:solidFill>
-                        <a:schemeClr val="accent3">
-                          <a:lumMod val="25000"/>
-                        </a:schemeClr>
-                      </a:solidFill>
-                      <a:prstDash val="solid"/>
-                      <a:round/>
-                      <a:headEnd type="none" w="med" len="med"/>
-                      <a:tailEnd type="none" w="med" len="med"/>
-                    </a:lnT>
-                    <a:lnB w="12700" cap="flat" cmpd="sng" algn="ctr">
-                      <a:solidFill>
-                        <a:schemeClr val="accent3">
-                          <a:lumMod val="25000"/>
-                        </a:schemeClr>
-                      </a:solidFill>
-                      <a:prstDash val="solid"/>
-                      <a:round/>
-                      <a:headEnd type="none" w="med" len="med"/>
-                      <a:tailEnd type="none" w="med" len="med"/>
-                    </a:lnB>
-                    <a:lnTlToBr w="12700" cmpd="sng">
-                      <a:noFill/>
-                      <a:prstDash val="solid"/>
-                    </a:lnTlToBr>
-                    <a:lnBlToTr w="12700" cmpd="sng">
-                      <a:noFill/>
-                      <a:prstDash val="solid"/>
-                    </a:lnBlToTr>
-                    <a:solidFill>
-                      <a:schemeClr val="bg1">
-                        <a:alpha val="40000"/>
-                      </a:schemeClr>
-                    </a:solidFill>
-                  </a:tcPr>
-                </a:tc>
-                <a:tc>
-                  <a:txBody>
-                    <a:bodyPr/>
-                    <a:lstStyle/>
-                    <a:p>
-                      <a:pPr algn="ctr"/>
-                      <a:r>
-                        <a:rPr lang="en-US" sz="1600" b="0" i="0" dirty="0">
-                          <a:solidFill>
-                            <a:schemeClr val="bg1"/>
-                          </a:solidFill>
-                          <a:latin typeface="Segoe UI Light" panose="020B0502040204020203" pitchFamily="34" charset="0"/>
-                          <a:cs typeface="Segoe UI Light" panose="020B0502040204020203" pitchFamily="34" charset="0"/>
-                        </a:rPr>
-                        <a:t>4.5</a:t>
-                      </a:r>
-                    </a:p>
-                  </a:txBody>
-                  <a:tcPr anchor="ctr">
-                    <a:lnL w="12700" cap="flat" cmpd="sng" algn="ctr">
-                      <a:solidFill>
-                        <a:schemeClr val="accent3">
-                          <a:lumMod val="25000"/>
-                        </a:schemeClr>
-                      </a:solidFill>
-                      <a:prstDash val="solid"/>
-                      <a:round/>
-                      <a:headEnd type="none" w="med" len="med"/>
-                      <a:tailEnd type="none" w="med" len="med"/>
-                    </a:lnL>
-                    <a:lnR w="12700" cap="flat" cmpd="sng" algn="ctr">
-                      <a:solidFill>
-                        <a:schemeClr val="accent3">
-                          <a:lumMod val="25000"/>
-                        </a:schemeClr>
-                      </a:solidFill>
-                      <a:prstDash val="solid"/>
-                      <a:round/>
-                      <a:headEnd type="none" w="med" len="med"/>
-                      <a:tailEnd type="none" w="med" len="med"/>
-                    </a:lnR>
-                    <a:lnT w="12700" cap="flat" cmpd="sng" algn="ctr">
-                      <a:solidFill>
-                        <a:schemeClr val="accent3">
-                          <a:lumMod val="25000"/>
-                        </a:schemeClr>
-                      </a:solidFill>
-                      <a:prstDash val="solid"/>
-                      <a:round/>
-                      <a:headEnd type="none" w="med" len="med"/>
-                      <a:tailEnd type="none" w="med" len="med"/>
-                    </a:lnT>
-                    <a:lnB w="12700" cap="flat" cmpd="sng" algn="ctr">
-                      <a:solidFill>
-                        <a:schemeClr val="accent3">
-                          <a:lumMod val="25000"/>
-                        </a:schemeClr>
-                      </a:solidFill>
-                      <a:prstDash val="solid"/>
-                      <a:round/>
-                      <a:headEnd type="none" w="med" len="med"/>
-                      <a:tailEnd type="none" w="med" len="med"/>
-                    </a:lnB>
-                    <a:lnTlToBr w="12700" cmpd="sng">
-                      <a:noFill/>
-                      <a:prstDash val="solid"/>
-                    </a:lnTlToBr>
-                    <a:lnBlToTr w="12700" cmpd="sng">
-                      <a:noFill/>
-                      <a:prstDash val="solid"/>
-                    </a:lnBlToTr>
-                    <a:solidFill>
-                      <a:schemeClr val="bg1">
-                        <a:alpha val="40000"/>
-                      </a:schemeClr>
-                    </a:solidFill>
-                  </a:tcPr>
-                </a:tc>
-                <a:tc>
-                  <a:txBody>
-                    <a:bodyPr/>
-                    <a:lstStyle/>
-                    <a:p>
-                      <a:pPr algn="ctr"/>
-                      <a:r>
-                        <a:rPr lang="en-US" sz="1600" b="0" i="0" dirty="0">
-                          <a:solidFill>
-                            <a:schemeClr val="bg1"/>
-                          </a:solidFill>
-                          <a:latin typeface="Segoe UI Light" panose="020B0502040204020203" pitchFamily="34" charset="0"/>
-                          <a:cs typeface="Segoe UI Light" panose="020B0502040204020203" pitchFamily="34" charset="0"/>
-                        </a:rPr>
-                        <a:t>2.2</a:t>
-                      </a:r>
-                    </a:p>
-                  </a:txBody>
-                  <a:tcPr anchor="ctr">
-                    <a:lnL w="12700" cap="flat" cmpd="sng" algn="ctr">
-                      <a:solidFill>
-                        <a:schemeClr val="accent3">
-                          <a:lumMod val="25000"/>
-                        </a:schemeClr>
-                      </a:solidFill>
-                      <a:prstDash val="solid"/>
-                      <a:round/>
-                      <a:headEnd type="none" w="med" len="med"/>
-                      <a:tailEnd type="none" w="med" len="med"/>
-                    </a:lnL>
-                    <a:lnR w="12700" cap="flat" cmpd="sng" algn="ctr">
-                      <a:solidFill>
-                        <a:schemeClr val="accent3">
-                          <a:lumMod val="25000"/>
-                        </a:schemeClr>
-                      </a:solidFill>
-                      <a:prstDash val="solid"/>
-                      <a:round/>
-                      <a:headEnd type="none" w="med" len="med"/>
-                      <a:tailEnd type="none" w="med" len="med"/>
-                    </a:lnR>
-                    <a:lnT w="12700" cap="flat" cmpd="sng" algn="ctr">
-                      <a:solidFill>
-                        <a:schemeClr val="accent3">
-                          <a:lumMod val="25000"/>
-                        </a:schemeClr>
-                      </a:solidFill>
-                      <a:prstDash val="solid"/>
-                      <a:round/>
-                      <a:headEnd type="none" w="med" len="med"/>
-                      <a:tailEnd type="none" w="med" len="med"/>
-                    </a:lnT>
-                    <a:lnB w="12700" cap="flat" cmpd="sng" algn="ctr">
-                      <a:solidFill>
-                        <a:schemeClr val="accent3">
-                          <a:lumMod val="25000"/>
-                        </a:schemeClr>
-                      </a:solidFill>
-                      <a:prstDash val="solid"/>
-                      <a:round/>
-                      <a:headEnd type="none" w="med" len="med"/>
-                      <a:tailEnd type="none" w="med" len="med"/>
-                    </a:lnB>
-                    <a:lnTlToBr w="12700" cmpd="sng">
-                      <a:noFill/>
-                      <a:prstDash val="solid"/>
-                    </a:lnTlToBr>
-                    <a:lnBlToTr w="12700" cmpd="sng">
-                      <a:noFill/>
-                      <a:prstDash val="solid"/>
-                    </a:lnBlToTr>
-                    <a:solidFill>
-                      <a:schemeClr val="bg1">
-                        <a:alpha val="40000"/>
-                      </a:schemeClr>
-                    </a:solidFill>
-                  </a:tcPr>
-                </a:tc>
-                <a:tc>
-                  <a:txBody>
-                    <a:bodyPr/>
-                    <a:lstStyle/>
-                    <a:p>
-                      <a:pPr algn="ctr"/>
-                      <a:r>
-                        <a:rPr lang="en-US" sz="1600" b="0" i="0" dirty="0">
-                          <a:solidFill>
-                            <a:schemeClr val="bg1"/>
-                          </a:solidFill>
-                          <a:latin typeface="Segoe UI Light" panose="020B0502040204020203" pitchFamily="34" charset="0"/>
-                          <a:cs typeface="Segoe UI Light" panose="020B0502040204020203" pitchFamily="34" charset="0"/>
-                        </a:rPr>
-                        <a:t>1.7</a:t>
-                      </a:r>
-                    </a:p>
-                  </a:txBody>
-                  <a:tcPr anchor="ctr">
-                    <a:lnL w="12700" cap="flat" cmpd="sng" algn="ctr">
-                      <a:solidFill>
-                        <a:schemeClr val="accent3">
-                          <a:lumMod val="25000"/>
-                        </a:schemeClr>
-                      </a:solidFill>
-                      <a:prstDash val="solid"/>
-                      <a:round/>
-                      <a:headEnd type="none" w="med" len="med"/>
-                      <a:tailEnd type="none" w="med" len="med"/>
-                    </a:lnL>
-                    <a:lnR w="12700" cap="flat" cmpd="sng" algn="ctr">
-                      <a:solidFill>
-                        <a:schemeClr val="accent3">
-                          <a:lumMod val="25000"/>
-                        </a:schemeClr>
-                      </a:solidFill>
-                      <a:prstDash val="solid"/>
-                      <a:round/>
-                      <a:headEnd type="none" w="med" len="med"/>
-                      <a:tailEnd type="none" w="med" len="med"/>
-                    </a:lnR>
-                    <a:lnT w="12700" cap="flat" cmpd="sng" algn="ctr">
-                      <a:solidFill>
-                        <a:schemeClr val="accent3">
-                          <a:lumMod val="25000"/>
-                        </a:schemeClr>
-                      </a:solidFill>
-                      <a:prstDash val="solid"/>
-                      <a:round/>
-                      <a:headEnd type="none" w="med" len="med"/>
-                      <a:tailEnd type="none" w="med" len="med"/>
-                    </a:lnT>
-                    <a:lnB w="12700" cap="flat" cmpd="sng" algn="ctr">
-                      <a:solidFill>
-                        <a:schemeClr val="accent3">
-                          <a:lumMod val="25000"/>
-                        </a:schemeClr>
-                      </a:solidFill>
-                      <a:prstDash val="solid"/>
-                      <a:round/>
-                      <a:headEnd type="none" w="med" len="med"/>
-                      <a:tailEnd type="none" w="med" len="med"/>
-                    </a:lnB>
-                    <a:lnTlToBr w="12700" cmpd="sng">
-                      <a:noFill/>
-                      <a:prstDash val="solid"/>
-                    </a:lnTlToBr>
-                    <a:lnBlToTr w="12700" cmpd="sng">
-                      <a:noFill/>
-                      <a:prstDash val="solid"/>
-                    </a:lnBlToTr>
-                    <a:solidFill>
-                      <a:schemeClr val="bg1">
-                        <a:alpha val="40000"/>
-                      </a:schemeClr>
-                    </a:solidFill>
-                  </a:tcPr>
-                </a:tc>
-                <a:tc>
-                  <a:txBody>
-                    <a:bodyPr/>
-                    <a:lstStyle/>
-                    <a:p>
-                      <a:pPr algn="ctr"/>
-                      <a:r>
-                        <a:rPr lang="en-US" sz="1600" b="0" i="0" dirty="0">
-                          <a:solidFill>
-                            <a:schemeClr val="bg1"/>
-                          </a:solidFill>
-                          <a:latin typeface="Segoe UI Light" panose="020B0502040204020203" pitchFamily="34" charset="0"/>
-                          <a:cs typeface="Segoe UI Light" panose="020B0502040204020203" pitchFamily="34" charset="0"/>
-                        </a:rPr>
-                        <a:t>7.0</a:t>
-                      </a:r>
-                    </a:p>
-                  </a:txBody>
-                  <a:tcPr anchor="ctr">
-                    <a:lnL w="12700" cap="flat" cmpd="sng" algn="ctr">
-                      <a:solidFill>
-                        <a:schemeClr val="accent3">
-                          <a:lumMod val="25000"/>
-                        </a:schemeClr>
-                      </a:solidFill>
-                      <a:prstDash val="solid"/>
-                      <a:round/>
-                      <a:headEnd type="none" w="med" len="med"/>
-                      <a:tailEnd type="none" w="med" len="med"/>
-                    </a:lnL>
-                    <a:lnR w="12700" cap="flat" cmpd="sng" algn="ctr">
-                      <a:solidFill>
-                        <a:schemeClr val="accent3">
-                          <a:lumMod val="25000"/>
-                        </a:schemeClr>
-                      </a:solidFill>
-                      <a:prstDash val="solid"/>
-                      <a:round/>
-                      <a:headEnd type="none" w="med" len="med"/>
-                      <a:tailEnd type="none" w="med" len="med"/>
-                    </a:lnR>
-                    <a:lnT w="12700" cap="flat" cmpd="sng" algn="ctr">
-                      <a:solidFill>
-                        <a:schemeClr val="accent3">
-                          <a:lumMod val="25000"/>
-                        </a:schemeClr>
-                      </a:solidFill>
-                      <a:prstDash val="solid"/>
-                      <a:round/>
-                      <a:headEnd type="none" w="med" len="med"/>
-                      <a:tailEnd type="none" w="med" len="med"/>
-                    </a:lnT>
-                    <a:lnB w="12700" cap="flat" cmpd="sng" algn="ctr">
-                      <a:solidFill>
-                        <a:schemeClr val="accent3">
-                          <a:lumMod val="25000"/>
-                        </a:schemeClr>
-                      </a:solidFill>
-                      <a:prstDash val="solid"/>
-                      <a:round/>
-                      <a:headEnd type="none" w="med" len="med"/>
-                      <a:tailEnd type="none" w="med" len="med"/>
-                    </a:lnB>
-                    <a:lnTlToBr w="12700" cmpd="sng">
-                      <a:noFill/>
-                      <a:prstDash val="solid"/>
-                    </a:lnTlToBr>
-                    <a:lnBlToTr w="12700" cmpd="sng">
-                      <a:noFill/>
-                      <a:prstDash val="solid"/>
-                    </a:lnBlToTr>
-                    <a:solidFill>
-                      <a:schemeClr val="bg1">
-                        <a:alpha val="40000"/>
-                      </a:schemeClr>
-                    </a:solidFill>
-                  </a:tcPr>
-                </a:tc>
-                <a:extLst>
-                  <a:ext uri="{0D108BD9-81ED-4DB2-BD59-A6C34878D82A}">
-                    <a16:rowId xmlns:a16="http://schemas.microsoft.com/office/drawing/2014/main" val="380950325"/>
-                  </a:ext>
-                </a:extLst>
-              </a:tr>
-            </a:tbl>
-          </a:graphicData>
-        </a:graphic>
-      </p:graphicFrame>
-      <p:sp>
-        <p:nvSpPr>
-          <p:cNvPr id="3" name="Footer Placeholder 2">
-            <a:extLst>
-              <a:ext uri="{FF2B5EF4-FFF2-40B4-BE49-F238E27FC236}">
-                <a16:creationId xmlns:a16="http://schemas.microsoft.com/office/drawing/2014/main" id="{D534491D-AF3A-C879-49E6-F11A17AC3008}"/>
-              </a:ext>
-            </a:extLst>
-          </p:cNvPr>
-          <p:cNvSpPr>
-            <a:spLocks noGrp="1"/>
-          </p:cNvSpPr>
-          <p:nvPr>
-            <p:ph type="ftr" sz="quarter" idx="10"/>
-          </p:nvPr>
-        </p:nvSpPr>
-        <p:spPr/>
-        <p:txBody>
-          <a:bodyPr/>
-          <a:lstStyle/>
-          <a:p>
-            <a:r>
-              <a:rPr lang="en-US" dirty="0"/>
-              <a:t>Crypto: investing &amp; trading</a:t>
+            <a:r>
+              <a:rPr lang="en-US" sz="2400" dirty="0"/>
+              <a:t>Random Forest achieved </a:t>
+            </a:r>
+            <a:r>
+              <a:rPr lang="en-US" sz="2400" b="1" dirty="0"/>
+              <a:t>99.2% accuracy</a:t>
+            </a:r>
+            <a:r>
+              <a:rPr lang="en-US" sz="2400" dirty="0"/>
+              <a:t> in price prediction. RAM, Memory, and Brand are top price drivers.</a:t>
             </a:r>
           </a:p>
         </p:txBody>
@@ -20831,7 +17638,7 @@
     </p:spTree>
     <p:extLst>
       <p:ext uri="{BB962C8B-B14F-4D97-AF65-F5344CB8AC3E}">
-        <p14:creationId xmlns:p14="http://schemas.microsoft.com/office/powerpoint/2010/main" val="1208724409"/>
+        <p14:creationId xmlns:p14="http://schemas.microsoft.com/office/powerpoint/2010/main" val="3380759881"/>
       </p:ext>
     </p:extLst>
   </p:cSld>
@@ -20858,772 +17665,12 @@
           <a:chExt cx="0" cy="0"/>
         </a:xfrm>
       </p:grpSpPr>
-      <p:grpSp>
-        <p:nvGrpSpPr>
-          <p:cNvPr id="4" name="Group 3">
-            <a:extLst>
-              <a:ext uri="{FF2B5EF4-FFF2-40B4-BE49-F238E27FC236}">
-                <a16:creationId xmlns:a16="http://schemas.microsoft.com/office/drawing/2014/main" id="{B4C44EC9-F730-00B6-E479-530EC276D851}"/>
-              </a:ext>
-              <a:ext uri="{C183D7F6-B498-43B3-948B-1728B52AA6E4}">
-                <adec:decorative xmlns:adec="http://schemas.microsoft.com/office/drawing/2017/decorative" val="1"/>
-              </a:ext>
-            </a:extLst>
-          </p:cNvPr>
-          <p:cNvGrpSpPr/>
-          <p:nvPr/>
-        </p:nvGrpSpPr>
-        <p:grpSpPr>
-          <a:xfrm rot="10800000">
-            <a:off x="1497321" y="2736484"/>
-            <a:ext cx="1512407" cy="938717"/>
-            <a:chOff x="4779792" y="2384561"/>
-            <a:chExt cx="3365480" cy="2088878"/>
-          </a:xfrm>
-          <a:solidFill>
-            <a:schemeClr val="accent6">
-              <a:alpha val="50231"/>
-            </a:schemeClr>
-          </a:solidFill>
-        </p:grpSpPr>
-        <p:sp>
-          <p:nvSpPr>
-            <p:cNvPr id="5" name="Freeform 4">
-              <a:extLst>
-                <a:ext uri="{FF2B5EF4-FFF2-40B4-BE49-F238E27FC236}">
-                  <a16:creationId xmlns:a16="http://schemas.microsoft.com/office/drawing/2014/main" id="{8B6D2F8E-4F98-B89F-E4FB-DD9F900821E1}"/>
-                </a:ext>
-              </a:extLst>
-            </p:cNvPr>
-            <p:cNvSpPr/>
-            <p:nvPr/>
-          </p:nvSpPr>
-          <p:spPr>
-            <a:xfrm flipH="1">
-              <a:off x="6582137" y="2384561"/>
-              <a:ext cx="1563135" cy="2088878"/>
-            </a:xfrm>
-            <a:custGeom>
-              <a:avLst/>
-              <a:gdLst>
-                <a:gd name="connsiteX0" fmla="*/ 520700 w 1041400"/>
-                <a:gd name="connsiteY0" fmla="*/ 0 h 1391663"/>
-                <a:gd name="connsiteX1" fmla="*/ 0 w 1041400"/>
-                <a:gd name="connsiteY1" fmla="*/ 520700 h 1391663"/>
-                <a:gd name="connsiteX2" fmla="*/ 601 w 1041400"/>
-                <a:gd name="connsiteY2" fmla="*/ 526665 h 1391663"/>
-                <a:gd name="connsiteX3" fmla="*/ 0 w 1041400"/>
-                <a:gd name="connsiteY3" fmla="*/ 530884 h 1391663"/>
-                <a:gd name="connsiteX4" fmla="*/ 839841 w 1041400"/>
-                <a:gd name="connsiteY4" fmla="*/ 1391663 h 1391663"/>
-                <a:gd name="connsiteX5" fmla="*/ 596988 w 1041400"/>
-                <a:gd name="connsiteY5" fmla="*/ 1070463 h 1391663"/>
-                <a:gd name="connsiteX6" fmla="*/ 595327 w 1041400"/>
-                <a:gd name="connsiteY6" fmla="*/ 1033877 h 1391663"/>
-                <a:gd name="connsiteX7" fmla="*/ 625639 w 1041400"/>
-                <a:gd name="connsiteY7" fmla="*/ 1030821 h 1391663"/>
-                <a:gd name="connsiteX8" fmla="*/ 1041400 w 1041400"/>
-                <a:gd name="connsiteY8" fmla="*/ 520700 h 1391663"/>
-                <a:gd name="connsiteX9" fmla="*/ 520700 w 1041400"/>
-                <a:gd name="connsiteY9" fmla="*/ 0 h 1391663"/>
-              </a:gdLst>
-              <a:ahLst/>
-              <a:cxnLst>
-                <a:cxn ang="0">
-                  <a:pos x="connsiteX0" y="connsiteY0"/>
-                </a:cxn>
-                <a:cxn ang="0">
-                  <a:pos x="connsiteX1" y="connsiteY1"/>
-                </a:cxn>
-                <a:cxn ang="0">
-                  <a:pos x="connsiteX2" y="connsiteY2"/>
-                </a:cxn>
-                <a:cxn ang="0">
-                  <a:pos x="connsiteX3" y="connsiteY3"/>
-                </a:cxn>
-                <a:cxn ang="0">
-                  <a:pos x="connsiteX4" y="connsiteY4"/>
-                </a:cxn>
-                <a:cxn ang="0">
-                  <a:pos x="connsiteX5" y="connsiteY5"/>
-                </a:cxn>
-                <a:cxn ang="0">
-                  <a:pos x="connsiteX6" y="connsiteY6"/>
-                </a:cxn>
-                <a:cxn ang="0">
-                  <a:pos x="connsiteX7" y="connsiteY7"/>
-                </a:cxn>
-                <a:cxn ang="0">
-                  <a:pos x="connsiteX8" y="connsiteY8"/>
-                </a:cxn>
-                <a:cxn ang="0">
-                  <a:pos x="connsiteX9" y="connsiteY9"/>
-                </a:cxn>
-              </a:cxnLst>
-              <a:rect l="l" t="t" r="r" b="b"/>
-              <a:pathLst>
-                <a:path w="1041400" h="1391663">
-                  <a:moveTo>
-                    <a:pt x="520700" y="0"/>
-                  </a:moveTo>
-                  <a:cubicBezTo>
-                    <a:pt x="233125" y="0"/>
-                    <a:pt x="0" y="233125"/>
-                    <a:pt x="0" y="520700"/>
-                  </a:cubicBezTo>
-                  <a:lnTo>
-                    <a:pt x="601" y="526665"/>
-                  </a:lnTo>
-                  <a:lnTo>
-                    <a:pt x="0" y="530884"/>
-                  </a:lnTo>
-                  <a:cubicBezTo>
-                    <a:pt x="1270" y="763309"/>
-                    <a:pt x="141037" y="1339599"/>
-                    <a:pt x="839841" y="1391663"/>
-                  </a:cubicBezTo>
-                  <a:cubicBezTo>
-                    <a:pt x="756282" y="1328754"/>
-                    <a:pt x="622088" y="1243235"/>
-                    <a:pt x="596988" y="1070463"/>
-                  </a:cubicBezTo>
-                  <a:lnTo>
-                    <a:pt x="595327" y="1033877"/>
-                  </a:lnTo>
-                  <a:lnTo>
-                    <a:pt x="625639" y="1030821"/>
-                  </a:lnTo>
-                  <a:cubicBezTo>
-                    <a:pt x="862914" y="982268"/>
-                    <a:pt x="1041400" y="772328"/>
-                    <a:pt x="1041400" y="520700"/>
-                  </a:cubicBezTo>
-                  <a:cubicBezTo>
-                    <a:pt x="1041400" y="233125"/>
-                    <a:pt x="808275" y="0"/>
-                    <a:pt x="520700" y="0"/>
-                  </a:cubicBezTo>
-                  <a:close/>
-                </a:path>
-              </a:pathLst>
-            </a:custGeom>
-            <a:grpFill/>
-            <a:ln>
-              <a:noFill/>
-            </a:ln>
-          </p:spPr>
-          <p:style>
-            <a:lnRef idx="2">
-              <a:schemeClr val="accent1">
-                <a:shade val="50000"/>
-              </a:schemeClr>
-            </a:lnRef>
-            <a:fillRef idx="1">
-              <a:schemeClr val="accent1"/>
-            </a:fillRef>
-            <a:effectRef idx="0">
-              <a:schemeClr val="accent1"/>
-            </a:effectRef>
-            <a:fontRef idx="minor">
-              <a:schemeClr val="lt1"/>
-            </a:fontRef>
-          </p:style>
-          <p:txBody>
-            <a:bodyPr wrap="square" rtlCol="0" anchor="ctr">
-              <a:noAutofit/>
-            </a:bodyPr>
-            <a:lstStyle/>
-            <a:p>
-              <a:pPr algn="ctr"/>
-              <a:endParaRPr lang="en-US" dirty="0"/>
-            </a:p>
-          </p:txBody>
-        </p:sp>
-        <p:sp>
-          <p:nvSpPr>
-            <p:cNvPr id="6" name="Freeform 5">
-              <a:extLst>
-                <a:ext uri="{FF2B5EF4-FFF2-40B4-BE49-F238E27FC236}">
-                  <a16:creationId xmlns:a16="http://schemas.microsoft.com/office/drawing/2014/main" id="{99EBD7AD-ED91-CC5F-0110-3EE43A60F946}"/>
-                </a:ext>
-              </a:extLst>
-            </p:cNvPr>
-            <p:cNvSpPr/>
-            <p:nvPr/>
-          </p:nvSpPr>
-          <p:spPr>
-            <a:xfrm flipH="1">
-              <a:off x="4779792" y="2384561"/>
-              <a:ext cx="1563135" cy="2088878"/>
-            </a:xfrm>
-            <a:custGeom>
-              <a:avLst/>
-              <a:gdLst>
-                <a:gd name="connsiteX0" fmla="*/ 520700 w 1041400"/>
-                <a:gd name="connsiteY0" fmla="*/ 0 h 1391663"/>
-                <a:gd name="connsiteX1" fmla="*/ 0 w 1041400"/>
-                <a:gd name="connsiteY1" fmla="*/ 520700 h 1391663"/>
-                <a:gd name="connsiteX2" fmla="*/ 601 w 1041400"/>
-                <a:gd name="connsiteY2" fmla="*/ 526665 h 1391663"/>
-                <a:gd name="connsiteX3" fmla="*/ 0 w 1041400"/>
-                <a:gd name="connsiteY3" fmla="*/ 530884 h 1391663"/>
-                <a:gd name="connsiteX4" fmla="*/ 839841 w 1041400"/>
-                <a:gd name="connsiteY4" fmla="*/ 1391663 h 1391663"/>
-                <a:gd name="connsiteX5" fmla="*/ 596988 w 1041400"/>
-                <a:gd name="connsiteY5" fmla="*/ 1070463 h 1391663"/>
-                <a:gd name="connsiteX6" fmla="*/ 595327 w 1041400"/>
-                <a:gd name="connsiteY6" fmla="*/ 1033877 h 1391663"/>
-                <a:gd name="connsiteX7" fmla="*/ 625639 w 1041400"/>
-                <a:gd name="connsiteY7" fmla="*/ 1030821 h 1391663"/>
-                <a:gd name="connsiteX8" fmla="*/ 1041400 w 1041400"/>
-                <a:gd name="connsiteY8" fmla="*/ 520700 h 1391663"/>
-                <a:gd name="connsiteX9" fmla="*/ 520700 w 1041400"/>
-                <a:gd name="connsiteY9" fmla="*/ 0 h 1391663"/>
-              </a:gdLst>
-              <a:ahLst/>
-              <a:cxnLst>
-                <a:cxn ang="0">
-                  <a:pos x="connsiteX0" y="connsiteY0"/>
-                </a:cxn>
-                <a:cxn ang="0">
-                  <a:pos x="connsiteX1" y="connsiteY1"/>
-                </a:cxn>
-                <a:cxn ang="0">
-                  <a:pos x="connsiteX2" y="connsiteY2"/>
-                </a:cxn>
-                <a:cxn ang="0">
-                  <a:pos x="connsiteX3" y="connsiteY3"/>
-                </a:cxn>
-                <a:cxn ang="0">
-                  <a:pos x="connsiteX4" y="connsiteY4"/>
-                </a:cxn>
-                <a:cxn ang="0">
-                  <a:pos x="connsiteX5" y="connsiteY5"/>
-                </a:cxn>
-                <a:cxn ang="0">
-                  <a:pos x="connsiteX6" y="connsiteY6"/>
-                </a:cxn>
-                <a:cxn ang="0">
-                  <a:pos x="connsiteX7" y="connsiteY7"/>
-                </a:cxn>
-                <a:cxn ang="0">
-                  <a:pos x="connsiteX8" y="connsiteY8"/>
-                </a:cxn>
-                <a:cxn ang="0">
-                  <a:pos x="connsiteX9" y="connsiteY9"/>
-                </a:cxn>
-              </a:cxnLst>
-              <a:rect l="l" t="t" r="r" b="b"/>
-              <a:pathLst>
-                <a:path w="1041400" h="1391663">
-                  <a:moveTo>
-                    <a:pt x="520700" y="0"/>
-                  </a:moveTo>
-                  <a:cubicBezTo>
-                    <a:pt x="233125" y="0"/>
-                    <a:pt x="0" y="233125"/>
-                    <a:pt x="0" y="520700"/>
-                  </a:cubicBezTo>
-                  <a:lnTo>
-                    <a:pt x="601" y="526665"/>
-                  </a:lnTo>
-                  <a:lnTo>
-                    <a:pt x="0" y="530884"/>
-                  </a:lnTo>
-                  <a:cubicBezTo>
-                    <a:pt x="1270" y="763309"/>
-                    <a:pt x="141037" y="1339599"/>
-                    <a:pt x="839841" y="1391663"/>
-                  </a:cubicBezTo>
-                  <a:cubicBezTo>
-                    <a:pt x="756282" y="1328754"/>
-                    <a:pt x="622088" y="1243235"/>
-                    <a:pt x="596988" y="1070463"/>
-                  </a:cubicBezTo>
-                  <a:lnTo>
-                    <a:pt x="595327" y="1033877"/>
-                  </a:lnTo>
-                  <a:lnTo>
-                    <a:pt x="625639" y="1030821"/>
-                  </a:lnTo>
-                  <a:cubicBezTo>
-                    <a:pt x="862914" y="982268"/>
-                    <a:pt x="1041400" y="772328"/>
-                    <a:pt x="1041400" y="520700"/>
-                  </a:cubicBezTo>
-                  <a:cubicBezTo>
-                    <a:pt x="1041400" y="233125"/>
-                    <a:pt x="808275" y="0"/>
-                    <a:pt x="520700" y="0"/>
-                  </a:cubicBezTo>
-                  <a:close/>
-                </a:path>
-              </a:pathLst>
-            </a:custGeom>
-            <a:grpFill/>
-            <a:ln>
-              <a:noFill/>
-            </a:ln>
-          </p:spPr>
-          <p:style>
-            <a:lnRef idx="2">
-              <a:schemeClr val="accent1">
-                <a:shade val="50000"/>
-              </a:schemeClr>
-            </a:lnRef>
-            <a:fillRef idx="1">
-              <a:schemeClr val="accent1"/>
-            </a:fillRef>
-            <a:effectRef idx="0">
-              <a:schemeClr val="accent1"/>
-            </a:effectRef>
-            <a:fontRef idx="minor">
-              <a:schemeClr val="lt1"/>
-            </a:fontRef>
-          </p:style>
-          <p:txBody>
-            <a:bodyPr wrap="square" rtlCol="0" anchor="ctr">
-              <a:noAutofit/>
-            </a:bodyPr>
-            <a:lstStyle/>
-            <a:p>
-              <a:pPr algn="ctr"/>
-              <a:endParaRPr lang="en-US" dirty="0"/>
-            </a:p>
-          </p:txBody>
-        </p:sp>
-      </p:grpSp>
-      <p:grpSp>
-        <p:nvGrpSpPr>
-          <p:cNvPr id="7" name="Group 6">
-            <a:extLst>
-              <a:ext uri="{FF2B5EF4-FFF2-40B4-BE49-F238E27FC236}">
-                <a16:creationId xmlns:a16="http://schemas.microsoft.com/office/drawing/2014/main" id="{56B0BED4-B4D2-A8C2-9E8E-FA7D1819E15A}"/>
-              </a:ext>
-              <a:ext uri="{C183D7F6-B498-43B3-948B-1728B52AA6E4}">
-                <adec:decorative xmlns:adec="http://schemas.microsoft.com/office/drawing/2017/decorative" val="1"/>
-              </a:ext>
-            </a:extLst>
-          </p:cNvPr>
-          <p:cNvGrpSpPr/>
-          <p:nvPr/>
-        </p:nvGrpSpPr>
-        <p:grpSpPr>
-          <a:xfrm>
-            <a:off x="9199707" y="3205843"/>
-            <a:ext cx="1512408" cy="938718"/>
-            <a:chOff x="4779792" y="2384561"/>
-            <a:chExt cx="3365480" cy="2088878"/>
-          </a:xfrm>
-          <a:solidFill>
-            <a:schemeClr val="accent1">
-              <a:alpha val="48174"/>
-            </a:schemeClr>
-          </a:solidFill>
-        </p:grpSpPr>
-        <p:sp>
-          <p:nvSpPr>
-            <p:cNvPr id="8" name="Freeform 1">
-              <a:extLst>
-                <a:ext uri="{FF2B5EF4-FFF2-40B4-BE49-F238E27FC236}">
-                  <a16:creationId xmlns:a16="http://schemas.microsoft.com/office/drawing/2014/main" id="{B542C6FD-B908-03BB-DE9D-1E76EE849265}"/>
-                </a:ext>
-              </a:extLst>
-            </p:cNvPr>
-            <p:cNvSpPr/>
-            <p:nvPr/>
-          </p:nvSpPr>
-          <p:spPr>
-            <a:xfrm flipH="1">
-              <a:off x="6582137" y="2384561"/>
-              <a:ext cx="1563135" cy="2088878"/>
-            </a:xfrm>
-            <a:custGeom>
-              <a:avLst/>
-              <a:gdLst>
-                <a:gd name="connsiteX0" fmla="*/ 520700 w 1041400"/>
-                <a:gd name="connsiteY0" fmla="*/ 0 h 1391663"/>
-                <a:gd name="connsiteX1" fmla="*/ 0 w 1041400"/>
-                <a:gd name="connsiteY1" fmla="*/ 520700 h 1391663"/>
-                <a:gd name="connsiteX2" fmla="*/ 601 w 1041400"/>
-                <a:gd name="connsiteY2" fmla="*/ 526665 h 1391663"/>
-                <a:gd name="connsiteX3" fmla="*/ 0 w 1041400"/>
-                <a:gd name="connsiteY3" fmla="*/ 530884 h 1391663"/>
-                <a:gd name="connsiteX4" fmla="*/ 839841 w 1041400"/>
-                <a:gd name="connsiteY4" fmla="*/ 1391663 h 1391663"/>
-                <a:gd name="connsiteX5" fmla="*/ 596988 w 1041400"/>
-                <a:gd name="connsiteY5" fmla="*/ 1070463 h 1391663"/>
-                <a:gd name="connsiteX6" fmla="*/ 595327 w 1041400"/>
-                <a:gd name="connsiteY6" fmla="*/ 1033877 h 1391663"/>
-                <a:gd name="connsiteX7" fmla="*/ 625639 w 1041400"/>
-                <a:gd name="connsiteY7" fmla="*/ 1030821 h 1391663"/>
-                <a:gd name="connsiteX8" fmla="*/ 1041400 w 1041400"/>
-                <a:gd name="connsiteY8" fmla="*/ 520700 h 1391663"/>
-                <a:gd name="connsiteX9" fmla="*/ 520700 w 1041400"/>
-                <a:gd name="connsiteY9" fmla="*/ 0 h 1391663"/>
-              </a:gdLst>
-              <a:ahLst/>
-              <a:cxnLst>
-                <a:cxn ang="0">
-                  <a:pos x="connsiteX0" y="connsiteY0"/>
-                </a:cxn>
-                <a:cxn ang="0">
-                  <a:pos x="connsiteX1" y="connsiteY1"/>
-                </a:cxn>
-                <a:cxn ang="0">
-                  <a:pos x="connsiteX2" y="connsiteY2"/>
-                </a:cxn>
-                <a:cxn ang="0">
-                  <a:pos x="connsiteX3" y="connsiteY3"/>
-                </a:cxn>
-                <a:cxn ang="0">
-                  <a:pos x="connsiteX4" y="connsiteY4"/>
-                </a:cxn>
-                <a:cxn ang="0">
-                  <a:pos x="connsiteX5" y="connsiteY5"/>
-                </a:cxn>
-                <a:cxn ang="0">
-                  <a:pos x="connsiteX6" y="connsiteY6"/>
-                </a:cxn>
-                <a:cxn ang="0">
-                  <a:pos x="connsiteX7" y="connsiteY7"/>
-                </a:cxn>
-                <a:cxn ang="0">
-                  <a:pos x="connsiteX8" y="connsiteY8"/>
-                </a:cxn>
-                <a:cxn ang="0">
-                  <a:pos x="connsiteX9" y="connsiteY9"/>
-                </a:cxn>
-              </a:cxnLst>
-              <a:rect l="l" t="t" r="r" b="b"/>
-              <a:pathLst>
-                <a:path w="1041400" h="1391663">
-                  <a:moveTo>
-                    <a:pt x="520700" y="0"/>
-                  </a:moveTo>
-                  <a:cubicBezTo>
-                    <a:pt x="233125" y="0"/>
-                    <a:pt x="0" y="233125"/>
-                    <a:pt x="0" y="520700"/>
-                  </a:cubicBezTo>
-                  <a:lnTo>
-                    <a:pt x="601" y="526665"/>
-                  </a:lnTo>
-                  <a:lnTo>
-                    <a:pt x="0" y="530884"/>
-                  </a:lnTo>
-                  <a:cubicBezTo>
-                    <a:pt x="1270" y="763309"/>
-                    <a:pt x="141037" y="1339599"/>
-                    <a:pt x="839841" y="1391663"/>
-                  </a:cubicBezTo>
-                  <a:cubicBezTo>
-                    <a:pt x="756282" y="1328754"/>
-                    <a:pt x="622088" y="1243235"/>
-                    <a:pt x="596988" y="1070463"/>
-                  </a:cubicBezTo>
-                  <a:lnTo>
-                    <a:pt x="595327" y="1033877"/>
-                  </a:lnTo>
-                  <a:lnTo>
-                    <a:pt x="625639" y="1030821"/>
-                  </a:lnTo>
-                  <a:cubicBezTo>
-                    <a:pt x="862914" y="982268"/>
-                    <a:pt x="1041400" y="772328"/>
-                    <a:pt x="1041400" y="520700"/>
-                  </a:cubicBezTo>
-                  <a:cubicBezTo>
-                    <a:pt x="1041400" y="233125"/>
-                    <a:pt x="808275" y="0"/>
-                    <a:pt x="520700" y="0"/>
-                  </a:cubicBezTo>
-                  <a:close/>
-                </a:path>
-              </a:pathLst>
-            </a:custGeom>
-            <a:grpFill/>
-            <a:ln>
-              <a:noFill/>
-            </a:ln>
-          </p:spPr>
-          <p:style>
-            <a:lnRef idx="2">
-              <a:schemeClr val="accent1">
-                <a:shade val="50000"/>
-              </a:schemeClr>
-            </a:lnRef>
-            <a:fillRef idx="1">
-              <a:schemeClr val="accent1"/>
-            </a:fillRef>
-            <a:effectRef idx="0">
-              <a:schemeClr val="accent1"/>
-            </a:effectRef>
-            <a:fontRef idx="minor">
-              <a:schemeClr val="lt1"/>
-            </a:fontRef>
-          </p:style>
-          <p:txBody>
-            <a:bodyPr wrap="square" rtlCol="0" anchor="ctr">
-              <a:noAutofit/>
-            </a:bodyPr>
-            <a:lstStyle/>
-            <a:p>
-              <a:pPr algn="ctr"/>
-              <a:endParaRPr lang="en-US" dirty="0"/>
-            </a:p>
-          </p:txBody>
-        </p:sp>
-        <p:sp>
-          <p:nvSpPr>
-            <p:cNvPr id="9" name="Freeform 21">
-              <a:extLst>
-                <a:ext uri="{FF2B5EF4-FFF2-40B4-BE49-F238E27FC236}">
-                  <a16:creationId xmlns:a16="http://schemas.microsoft.com/office/drawing/2014/main" id="{594F7F18-2B8D-7493-904B-1BD252DFC677}"/>
-                </a:ext>
-              </a:extLst>
-            </p:cNvPr>
-            <p:cNvSpPr/>
-            <p:nvPr/>
-          </p:nvSpPr>
-          <p:spPr>
-            <a:xfrm flipH="1">
-              <a:off x="4779792" y="2384561"/>
-              <a:ext cx="1563135" cy="2088878"/>
-            </a:xfrm>
-            <a:custGeom>
-              <a:avLst/>
-              <a:gdLst>
-                <a:gd name="connsiteX0" fmla="*/ 520700 w 1041400"/>
-                <a:gd name="connsiteY0" fmla="*/ 0 h 1391663"/>
-                <a:gd name="connsiteX1" fmla="*/ 0 w 1041400"/>
-                <a:gd name="connsiteY1" fmla="*/ 520700 h 1391663"/>
-                <a:gd name="connsiteX2" fmla="*/ 601 w 1041400"/>
-                <a:gd name="connsiteY2" fmla="*/ 526665 h 1391663"/>
-                <a:gd name="connsiteX3" fmla="*/ 0 w 1041400"/>
-                <a:gd name="connsiteY3" fmla="*/ 530884 h 1391663"/>
-                <a:gd name="connsiteX4" fmla="*/ 839841 w 1041400"/>
-                <a:gd name="connsiteY4" fmla="*/ 1391663 h 1391663"/>
-                <a:gd name="connsiteX5" fmla="*/ 596988 w 1041400"/>
-                <a:gd name="connsiteY5" fmla="*/ 1070463 h 1391663"/>
-                <a:gd name="connsiteX6" fmla="*/ 595327 w 1041400"/>
-                <a:gd name="connsiteY6" fmla="*/ 1033877 h 1391663"/>
-                <a:gd name="connsiteX7" fmla="*/ 625639 w 1041400"/>
-                <a:gd name="connsiteY7" fmla="*/ 1030821 h 1391663"/>
-                <a:gd name="connsiteX8" fmla="*/ 1041400 w 1041400"/>
-                <a:gd name="connsiteY8" fmla="*/ 520700 h 1391663"/>
-                <a:gd name="connsiteX9" fmla="*/ 520700 w 1041400"/>
-                <a:gd name="connsiteY9" fmla="*/ 0 h 1391663"/>
-              </a:gdLst>
-              <a:ahLst/>
-              <a:cxnLst>
-                <a:cxn ang="0">
-                  <a:pos x="connsiteX0" y="connsiteY0"/>
-                </a:cxn>
-                <a:cxn ang="0">
-                  <a:pos x="connsiteX1" y="connsiteY1"/>
-                </a:cxn>
-                <a:cxn ang="0">
-                  <a:pos x="connsiteX2" y="connsiteY2"/>
-                </a:cxn>
-                <a:cxn ang="0">
-                  <a:pos x="connsiteX3" y="connsiteY3"/>
-                </a:cxn>
-                <a:cxn ang="0">
-                  <a:pos x="connsiteX4" y="connsiteY4"/>
-                </a:cxn>
-                <a:cxn ang="0">
-                  <a:pos x="connsiteX5" y="connsiteY5"/>
-                </a:cxn>
-                <a:cxn ang="0">
-                  <a:pos x="connsiteX6" y="connsiteY6"/>
-                </a:cxn>
-                <a:cxn ang="0">
-                  <a:pos x="connsiteX7" y="connsiteY7"/>
-                </a:cxn>
-                <a:cxn ang="0">
-                  <a:pos x="connsiteX8" y="connsiteY8"/>
-                </a:cxn>
-                <a:cxn ang="0">
-                  <a:pos x="connsiteX9" y="connsiteY9"/>
-                </a:cxn>
-              </a:cxnLst>
-              <a:rect l="l" t="t" r="r" b="b"/>
-              <a:pathLst>
-                <a:path w="1041400" h="1391663">
-                  <a:moveTo>
-                    <a:pt x="520700" y="0"/>
-                  </a:moveTo>
-                  <a:cubicBezTo>
-                    <a:pt x="233125" y="0"/>
-                    <a:pt x="0" y="233125"/>
-                    <a:pt x="0" y="520700"/>
-                  </a:cubicBezTo>
-                  <a:lnTo>
-                    <a:pt x="601" y="526665"/>
-                  </a:lnTo>
-                  <a:lnTo>
-                    <a:pt x="0" y="530884"/>
-                  </a:lnTo>
-                  <a:cubicBezTo>
-                    <a:pt x="1270" y="763309"/>
-                    <a:pt x="141037" y="1339599"/>
-                    <a:pt x="839841" y="1391663"/>
-                  </a:cubicBezTo>
-                  <a:cubicBezTo>
-                    <a:pt x="756282" y="1328754"/>
-                    <a:pt x="622088" y="1243235"/>
-                    <a:pt x="596988" y="1070463"/>
-                  </a:cubicBezTo>
-                  <a:lnTo>
-                    <a:pt x="595327" y="1033877"/>
-                  </a:lnTo>
-                  <a:lnTo>
-                    <a:pt x="625639" y="1030821"/>
-                  </a:lnTo>
-                  <a:cubicBezTo>
-                    <a:pt x="862914" y="982268"/>
-                    <a:pt x="1041400" y="772328"/>
-                    <a:pt x="1041400" y="520700"/>
-                  </a:cubicBezTo>
-                  <a:cubicBezTo>
-                    <a:pt x="1041400" y="233125"/>
-                    <a:pt x="808275" y="0"/>
-                    <a:pt x="520700" y="0"/>
-                  </a:cubicBezTo>
-                  <a:close/>
-                </a:path>
-              </a:pathLst>
-            </a:custGeom>
-            <a:grpFill/>
-            <a:ln>
-              <a:noFill/>
-            </a:ln>
-          </p:spPr>
-          <p:style>
-            <a:lnRef idx="2">
-              <a:schemeClr val="accent1">
-                <a:shade val="50000"/>
-              </a:schemeClr>
-            </a:lnRef>
-            <a:fillRef idx="1">
-              <a:schemeClr val="accent1"/>
-            </a:fillRef>
-            <a:effectRef idx="0">
-              <a:schemeClr val="accent1"/>
-            </a:effectRef>
-            <a:fontRef idx="minor">
-              <a:schemeClr val="lt1"/>
-            </a:fontRef>
-          </p:style>
-          <p:txBody>
-            <a:bodyPr wrap="square" rtlCol="0" anchor="ctr">
-              <a:noAutofit/>
-            </a:bodyPr>
-            <a:lstStyle/>
-            <a:p>
-              <a:pPr algn="ctr"/>
-              <a:endParaRPr lang="en-US" dirty="0"/>
-            </a:p>
-          </p:txBody>
-        </p:sp>
-      </p:grpSp>
       <p:sp>
         <p:nvSpPr>
           <p:cNvPr id="2" name="Title 1">
             <a:extLst>
               <a:ext uri="{FF2B5EF4-FFF2-40B4-BE49-F238E27FC236}">
-                <a16:creationId xmlns:a16="http://schemas.microsoft.com/office/drawing/2014/main" id="{D04F090D-C862-CF85-1001-A82E54365597}"/>
-              </a:ext>
-            </a:extLst>
-          </p:cNvPr>
-          <p:cNvSpPr>
-            <a:spLocks noGrp="1"/>
-          </p:cNvSpPr>
-          <p:nvPr>
-            <p:ph type="ctrTitle"/>
-          </p:nvPr>
-        </p:nvSpPr>
-        <p:spPr/>
-        <p:txBody>
-          <a:bodyPr/>
-          <a:lstStyle/>
-          <a:p>
-            <a:r>
-              <a:rPr lang="en-US" dirty="0"/>
-              <a:t>WEALTH IS THE ABILITY TO FULLY EXPERIENCE LIFE.</a:t>
-            </a:r>
-            <a:br>
-              <a:rPr lang="en-US" dirty="0"/>
-            </a:br>
-            <a:endParaRPr lang="en-US" dirty="0"/>
-          </a:p>
-        </p:txBody>
-      </p:sp>
-      <p:sp>
-        <p:nvSpPr>
-          <p:cNvPr id="3" name="Subtitle 2">
-            <a:extLst>
-              <a:ext uri="{FF2B5EF4-FFF2-40B4-BE49-F238E27FC236}">
-                <a16:creationId xmlns:a16="http://schemas.microsoft.com/office/drawing/2014/main" id="{4CE82C04-6445-9E02-B0E8-8D809278C37D}"/>
-              </a:ext>
-            </a:extLst>
-          </p:cNvPr>
-          <p:cNvSpPr>
-            <a:spLocks noGrp="1"/>
-          </p:cNvSpPr>
-          <p:nvPr>
-            <p:ph type="subTitle" idx="1"/>
-          </p:nvPr>
-        </p:nvSpPr>
-        <p:spPr/>
-        <p:txBody>
-          <a:bodyPr/>
-          <a:lstStyle/>
-          <a:p>
-            <a:r>
-              <a:rPr lang="en-US" dirty="0"/>
-              <a:t>-Henry David Thoreau</a:t>
-            </a:r>
-          </a:p>
-        </p:txBody>
-      </p:sp>
-    </p:spTree>
-    <p:extLst>
-      <p:ext uri="{BB962C8B-B14F-4D97-AF65-F5344CB8AC3E}">
-        <p14:creationId xmlns:p14="http://schemas.microsoft.com/office/powerpoint/2010/main" val="1213210011"/>
-      </p:ext>
-    </p:extLst>
-  </p:cSld>
-  <p:clrMapOvr>
-    <a:masterClrMapping/>
-  </p:clrMapOvr>
-</p:sld>
-</file>
-
-<file path=ppt/slides/slide13.xml><?xml version="1.0" encoding="utf-8"?>
-<p:sld xmlns:a="http://schemas.openxmlformats.org/drawingml/2006/main" xmlns:r="http://schemas.openxmlformats.org/officeDocument/2006/relationships" xmlns:p="http://schemas.openxmlformats.org/presentationml/2006/main">
-  <p:cSld>
-    <p:spTree>
-      <p:nvGrpSpPr>
-        <p:cNvPr id="1" name=""/>
-        <p:cNvGrpSpPr/>
-        <p:nvPr/>
-      </p:nvGrpSpPr>
-      <p:grpSpPr>
-        <a:xfrm>
-          <a:off x="0" y="0"/>
-          <a:ext cx="0" cy="0"/>
-          <a:chOff x="0" y="0"/>
-          <a:chExt cx="0" cy="0"/>
-        </a:xfrm>
-      </p:grpSpPr>
-      <p:sp>
-        <p:nvSpPr>
-          <p:cNvPr id="69" name="Title 68">
-            <a:extLst>
-              <a:ext uri="{FF2B5EF4-FFF2-40B4-BE49-F238E27FC236}">
-                <a16:creationId xmlns:a16="http://schemas.microsoft.com/office/drawing/2014/main" id="{0B07383B-6310-56A6-B051-F4B962E11786}"/>
+                <a16:creationId xmlns:a16="http://schemas.microsoft.com/office/drawing/2014/main" id="{2C9E1892-81E6-551C-7B5A-DEA68224520B}"/>
               </a:ext>
             </a:extLst>
           </p:cNvPr>
@@ -21634,1073 +17681,42 @@
             <p:ph type="title"/>
           </p:nvPr>
         </p:nvSpPr>
-        <p:spPr/>
+        <p:spPr>
+          <a:xfrm>
+            <a:off x="6601968" y="1829702"/>
+            <a:ext cx="4718304" cy="1069848"/>
+          </a:xfrm>
+        </p:spPr>
         <p:txBody>
           <a:bodyPr/>
           <a:lstStyle/>
           <a:p>
             <a:r>
-              <a:rPr lang="en-US" dirty="0"/>
-              <a:t>TYPES OF TOKENS</a:t>
-            </a:r>
-          </a:p>
-        </p:txBody>
-      </p:sp>
-      <p:sp>
-        <p:nvSpPr>
-          <p:cNvPr id="4" name="Text Placeholder 3">
-            <a:extLst>
-              <a:ext uri="{FF2B5EF4-FFF2-40B4-BE49-F238E27FC236}">
-                <a16:creationId xmlns:a16="http://schemas.microsoft.com/office/drawing/2014/main" id="{55DA2D8B-92F5-22B2-084C-934BCBC00DFD}"/>
-              </a:ext>
-            </a:extLst>
-          </p:cNvPr>
-          <p:cNvSpPr>
-            <a:spLocks noGrp="1"/>
-          </p:cNvSpPr>
-          <p:nvPr>
-            <p:ph type="body" sz="quarter" idx="12"/>
-          </p:nvPr>
-        </p:nvSpPr>
-        <p:spPr/>
-        <p:txBody>
-          <a:bodyPr/>
-          <a:lstStyle/>
-          <a:p>
-            <a:r>
-              <a:rPr lang="en-US" dirty="0"/>
-              <a:t>Payment</a:t>
-            </a:r>
-          </a:p>
-        </p:txBody>
-      </p:sp>
-      <p:sp>
-        <p:nvSpPr>
-          <p:cNvPr id="5" name="Text Placeholder 4">
-            <a:extLst>
-              <a:ext uri="{FF2B5EF4-FFF2-40B4-BE49-F238E27FC236}">
-                <a16:creationId xmlns:a16="http://schemas.microsoft.com/office/drawing/2014/main" id="{8B004B5D-BB88-E446-FDC1-8BE748EFE8B6}"/>
-              </a:ext>
-            </a:extLst>
-          </p:cNvPr>
-          <p:cNvSpPr>
-            <a:spLocks noGrp="1"/>
-          </p:cNvSpPr>
-          <p:nvPr>
-            <p:ph type="body" sz="quarter" idx="13"/>
-          </p:nvPr>
-        </p:nvSpPr>
-        <p:spPr/>
-        <p:txBody>
-          <a:bodyPr/>
-          <a:lstStyle/>
-          <a:p>
-            <a:r>
-              <a:rPr lang="en-US" dirty="0"/>
-              <a:t>Used to complete transactions anywhere crypto is accepted</a:t>
-            </a:r>
-          </a:p>
-          <a:p>
-            <a:endParaRPr lang="en-US" dirty="0"/>
-          </a:p>
-        </p:txBody>
-      </p:sp>
-      <p:sp>
-        <p:nvSpPr>
-          <p:cNvPr id="6" name="Text Placeholder 5">
-            <a:extLst>
-              <a:ext uri="{FF2B5EF4-FFF2-40B4-BE49-F238E27FC236}">
-                <a16:creationId xmlns:a16="http://schemas.microsoft.com/office/drawing/2014/main" id="{98AC0C5B-16A7-E317-7222-BF9FA26C0DC6}"/>
-              </a:ext>
-            </a:extLst>
-          </p:cNvPr>
-          <p:cNvSpPr>
-            <a:spLocks noGrp="1"/>
-          </p:cNvSpPr>
-          <p:nvPr>
-            <p:ph type="body" sz="quarter" idx="14"/>
-          </p:nvPr>
-        </p:nvSpPr>
-        <p:spPr/>
-        <p:txBody>
-          <a:bodyPr/>
-          <a:lstStyle/>
-          <a:p>
-            <a:r>
-              <a:rPr lang="en-US" dirty="0"/>
-              <a:t>Utility</a:t>
-            </a:r>
-          </a:p>
-        </p:txBody>
-      </p:sp>
-      <p:sp>
-        <p:nvSpPr>
-          <p:cNvPr id="7" name="Text Placeholder 6">
-            <a:extLst>
-              <a:ext uri="{FF2B5EF4-FFF2-40B4-BE49-F238E27FC236}">
-                <a16:creationId xmlns:a16="http://schemas.microsoft.com/office/drawing/2014/main" id="{77D9B67F-AD02-4BA5-209B-C91070303A72}"/>
-              </a:ext>
-            </a:extLst>
-          </p:cNvPr>
-          <p:cNvSpPr>
-            <a:spLocks noGrp="1"/>
-          </p:cNvSpPr>
-          <p:nvPr>
-            <p:ph type="body" sz="quarter" idx="15"/>
-          </p:nvPr>
-        </p:nvSpPr>
-        <p:spPr/>
-        <p:txBody>
-          <a:bodyPr/>
-          <a:lstStyle/>
-          <a:p>
-            <a:r>
-              <a:rPr lang="en-US" dirty="0"/>
-              <a:t>These tokens have a specific use within a blockchain</a:t>
-            </a:r>
-          </a:p>
-          <a:p>
-            <a:endParaRPr lang="en-US" dirty="0"/>
-          </a:p>
-        </p:txBody>
-      </p:sp>
-      <p:sp>
-        <p:nvSpPr>
-          <p:cNvPr id="8" name="Text Placeholder 7">
-            <a:extLst>
-              <a:ext uri="{FF2B5EF4-FFF2-40B4-BE49-F238E27FC236}">
-                <a16:creationId xmlns:a16="http://schemas.microsoft.com/office/drawing/2014/main" id="{6269FBD2-F371-6F7E-1D42-95EFADFA10DD}"/>
-              </a:ext>
-            </a:extLst>
-          </p:cNvPr>
-          <p:cNvSpPr>
-            <a:spLocks noGrp="1"/>
-          </p:cNvSpPr>
-          <p:nvPr>
-            <p:ph type="body" sz="quarter" idx="16"/>
-          </p:nvPr>
-        </p:nvSpPr>
-        <p:spPr/>
-        <p:txBody>
-          <a:bodyPr/>
-          <a:lstStyle/>
-          <a:p>
-            <a:r>
-              <a:rPr lang="en-US" dirty="0"/>
-              <a:t>Security</a:t>
-            </a:r>
-          </a:p>
-        </p:txBody>
-      </p:sp>
-      <p:sp>
-        <p:nvSpPr>
-          <p:cNvPr id="9" name="Text Placeholder 8">
-            <a:extLst>
-              <a:ext uri="{FF2B5EF4-FFF2-40B4-BE49-F238E27FC236}">
-                <a16:creationId xmlns:a16="http://schemas.microsoft.com/office/drawing/2014/main" id="{F039B280-D4F1-D5B7-9D62-C1DA10C605C9}"/>
-              </a:ext>
-            </a:extLst>
-          </p:cNvPr>
-          <p:cNvSpPr>
-            <a:spLocks noGrp="1"/>
-          </p:cNvSpPr>
-          <p:nvPr>
-            <p:ph type="body" sz="quarter" idx="17"/>
-          </p:nvPr>
-        </p:nvSpPr>
-        <p:spPr/>
-        <p:txBody>
-          <a:bodyPr/>
-          <a:lstStyle/>
-          <a:p>
-            <a:r>
-              <a:rPr lang="en-US" dirty="0"/>
-              <a:t>Tokens backed by securities</a:t>
-            </a:r>
-          </a:p>
-          <a:p>
-            <a:endParaRPr lang="en-US" dirty="0"/>
-          </a:p>
-        </p:txBody>
-      </p:sp>
-      <p:sp>
-        <p:nvSpPr>
-          <p:cNvPr id="10" name="Text Placeholder 9">
-            <a:extLst>
-              <a:ext uri="{FF2B5EF4-FFF2-40B4-BE49-F238E27FC236}">
-                <a16:creationId xmlns:a16="http://schemas.microsoft.com/office/drawing/2014/main" id="{6A9C835B-EE7B-2801-6842-7044F690144A}"/>
-              </a:ext>
-            </a:extLst>
-          </p:cNvPr>
-          <p:cNvSpPr>
-            <a:spLocks noGrp="1"/>
-          </p:cNvSpPr>
-          <p:nvPr>
-            <p:ph type="body" sz="quarter" idx="18"/>
-          </p:nvPr>
-        </p:nvSpPr>
-        <p:spPr/>
-        <p:txBody>
-          <a:bodyPr/>
-          <a:lstStyle/>
-          <a:p>
-            <a:r>
-              <a:rPr lang="en-US" dirty="0"/>
-              <a:t>NFT</a:t>
-            </a:r>
-          </a:p>
-        </p:txBody>
-      </p:sp>
-      <p:sp>
-        <p:nvSpPr>
-          <p:cNvPr id="11" name="Text Placeholder 10">
-            <a:extLst>
-              <a:ext uri="{FF2B5EF4-FFF2-40B4-BE49-F238E27FC236}">
-                <a16:creationId xmlns:a16="http://schemas.microsoft.com/office/drawing/2014/main" id="{429544CE-BE3D-F6DD-FADE-D85F729A9BCC}"/>
-              </a:ext>
-            </a:extLst>
-          </p:cNvPr>
-          <p:cNvSpPr>
-            <a:spLocks noGrp="1"/>
-          </p:cNvSpPr>
-          <p:nvPr>
-            <p:ph type="body" sz="quarter" idx="19"/>
-          </p:nvPr>
-        </p:nvSpPr>
-        <p:spPr/>
-        <p:txBody>
-          <a:bodyPr/>
-          <a:lstStyle/>
-          <a:p>
-            <a:r>
-              <a:rPr lang="en-US" dirty="0"/>
-              <a:t>Authenticates ownership of specific assets</a:t>
-            </a:r>
-          </a:p>
-          <a:p>
-            <a:endParaRPr lang="en-US" dirty="0"/>
-          </a:p>
-        </p:txBody>
-      </p:sp>
-      <p:sp>
-        <p:nvSpPr>
-          <p:cNvPr id="81" name="Text Placeholder 80">
-            <a:extLst>
-              <a:ext uri="{FF2B5EF4-FFF2-40B4-BE49-F238E27FC236}">
-                <a16:creationId xmlns:a16="http://schemas.microsoft.com/office/drawing/2014/main" id="{2AF0BD8F-E098-8282-AE8C-8BFAB5EBBFC2}"/>
-              </a:ext>
-            </a:extLst>
-          </p:cNvPr>
-          <p:cNvSpPr>
-            <a:spLocks noGrp="1"/>
-          </p:cNvSpPr>
-          <p:nvPr>
-            <p:ph type="body" sz="quarter" idx="20"/>
-          </p:nvPr>
-        </p:nvSpPr>
-        <p:spPr/>
-        <p:txBody>
-          <a:bodyPr/>
-          <a:lstStyle/>
-          <a:p>
-            <a:r>
-              <a:rPr lang="en-US" sz="2400" b="1" dirty="0">
+              <a:rPr lang="en-US" sz="4400" kern="0" spc="300" dirty="0">
                 <a:solidFill>
-                  <a:schemeClr val="accent3">
-                    <a:lumMod val="25000"/>
-                  </a:schemeClr>
+                  <a:srgbClr val="FFC000"/>
                 </a:solidFill>
-                <a:latin typeface="Tw Cen MT" panose="020B0602020104020603" pitchFamily="34" charset="77"/>
-                <a:ea typeface="Source Sans Pro" panose="020B0503030403020204" pitchFamily="34" charset="0"/>
+                <a:effectLst>
+                  <a:outerShdw blurRad="38100" dist="38100" dir="2700000" algn="tl">
+                    <a:srgbClr val="000000">
+                      <a:alpha val="43137"/>
+                    </a:srgbClr>
+                  </a:outerShdw>
+                </a:effectLst>
+                <a:latin typeface="Britannic Bold" panose="020B0903060703020204" pitchFamily="34" charset="0"/>
+                <a:ea typeface="Petrona Bold" pitchFamily="34" charset="-122"/>
               </a:rPr>
-              <a:t>Gaming</a:t>
-            </a:r>
-            <a:endParaRPr lang="en-US" dirty="0"/>
-          </a:p>
-        </p:txBody>
-      </p:sp>
-      <p:sp>
-        <p:nvSpPr>
-          <p:cNvPr id="2" name="Text Placeholder 1">
-            <a:extLst>
-              <a:ext uri="{FF2B5EF4-FFF2-40B4-BE49-F238E27FC236}">
-                <a16:creationId xmlns:a16="http://schemas.microsoft.com/office/drawing/2014/main" id="{D733E31E-F298-485B-42BF-303CC635241F}"/>
-              </a:ext>
-            </a:extLst>
-          </p:cNvPr>
-          <p:cNvSpPr>
-            <a:spLocks noGrp="1"/>
-          </p:cNvSpPr>
-          <p:nvPr>
-            <p:ph type="body" sz="quarter" idx="21"/>
-          </p:nvPr>
-        </p:nvSpPr>
-        <p:spPr/>
-        <p:txBody>
-          <a:bodyPr/>
-          <a:lstStyle/>
-          <a:p>
-            <a:r>
-              <a:rPr lang="en-US" dirty="0"/>
-              <a:t>Used as in-game currency and traded with real world value</a:t>
-            </a:r>
-          </a:p>
-          <a:p>
-            <a:endParaRPr lang="en-US" dirty="0"/>
-          </a:p>
-        </p:txBody>
-      </p:sp>
-    </p:spTree>
-    <p:extLst>
-      <p:ext uri="{BB962C8B-B14F-4D97-AF65-F5344CB8AC3E}">
-        <p14:creationId xmlns:p14="http://schemas.microsoft.com/office/powerpoint/2010/main" val="1430138192"/>
-      </p:ext>
-    </p:extLst>
-  </p:cSld>
-  <p:clrMapOvr>
-    <a:masterClrMapping/>
-  </p:clrMapOvr>
-</p:sld>
-</file>
-
-<file path=ppt/slides/slide14.xml><?xml version="1.0" encoding="utf-8"?>
-<p:sld xmlns:a="http://schemas.openxmlformats.org/drawingml/2006/main" xmlns:r="http://schemas.openxmlformats.org/officeDocument/2006/relationships" xmlns:p="http://schemas.openxmlformats.org/presentationml/2006/main">
-  <p:cSld>
-    <p:spTree>
-      <p:nvGrpSpPr>
-        <p:cNvPr id="1" name=""/>
-        <p:cNvGrpSpPr/>
-        <p:nvPr/>
-      </p:nvGrpSpPr>
-      <p:grpSpPr>
-        <a:xfrm>
-          <a:off x="0" y="0"/>
-          <a:ext cx="0" cy="0"/>
-          <a:chOff x="0" y="0"/>
-          <a:chExt cx="0" cy="0"/>
-        </a:xfrm>
-      </p:grpSpPr>
-      <p:sp>
-        <p:nvSpPr>
-          <p:cNvPr id="106" name="Title 105">
-            <a:extLst>
-              <a:ext uri="{FF2B5EF4-FFF2-40B4-BE49-F238E27FC236}">
-                <a16:creationId xmlns:a16="http://schemas.microsoft.com/office/drawing/2014/main" id="{734F8B63-0C1D-770B-CA9D-EE7ACF817C1F}"/>
-              </a:ext>
-            </a:extLst>
-          </p:cNvPr>
-          <p:cNvSpPr>
-            <a:spLocks noGrp="1"/>
-          </p:cNvSpPr>
-          <p:nvPr>
-            <p:ph type="title"/>
-          </p:nvPr>
-        </p:nvSpPr>
-        <p:spPr/>
-        <p:txBody>
-          <a:bodyPr/>
-          <a:lstStyle/>
-          <a:p>
-            <a:r>
-              <a:rPr lang="en-US" dirty="0"/>
-              <a:t>PORTFOLIO BUILDUP</a:t>
-            </a:r>
-          </a:p>
-        </p:txBody>
-      </p:sp>
-      <p:sp>
-        <p:nvSpPr>
-          <p:cNvPr id="139" name="Slide Number Placeholder 138">
-            <a:extLst>
-              <a:ext uri="{FF2B5EF4-FFF2-40B4-BE49-F238E27FC236}">
-                <a16:creationId xmlns:a16="http://schemas.microsoft.com/office/drawing/2014/main" id="{0C6CCCC3-BCC9-AE9B-C2AE-4D9986B5F8AE}"/>
-              </a:ext>
-            </a:extLst>
-          </p:cNvPr>
-          <p:cNvSpPr>
-            <a:spLocks noGrp="1"/>
-          </p:cNvSpPr>
-          <p:nvPr>
-            <p:ph type="sldNum" sz="quarter" idx="11"/>
-          </p:nvPr>
-        </p:nvSpPr>
-        <p:spPr/>
-        <p:txBody>
-          <a:bodyPr/>
-          <a:lstStyle/>
-          <a:p>
-            <a:fld id="{294A09A9-5501-47C1-A89A-A340965A2BE2}" type="slidenum">
-              <a:rPr lang="en-US" smtClean="0"/>
-              <a:pPr/>
-              <a:t>14</a:t>
-            </a:fld>
-            <a:endParaRPr lang="en-US" dirty="0"/>
-          </a:p>
-        </p:txBody>
-      </p:sp>
-      <p:pic>
-        <p:nvPicPr>
-          <p:cNvPr id="85" name="Picture Placeholder 84" descr="Continuous Improvement outline">
-            <a:extLst>
-              <a:ext uri="{FF2B5EF4-FFF2-40B4-BE49-F238E27FC236}">
-                <a16:creationId xmlns:a16="http://schemas.microsoft.com/office/drawing/2014/main" id="{D65F5CE9-1D9A-9BF0-5ADD-C4E2693DA4CB}"/>
-              </a:ext>
-            </a:extLst>
-          </p:cNvPr>
-          <p:cNvPicPr>
-            <a:picLocks noGrp="1" noChangeAspect="1"/>
-          </p:cNvPicPr>
-          <p:nvPr>
-            <p:ph type="pic" sz="quarter" idx="22"/>
-          </p:nvPr>
-        </p:nvPicPr>
-        <p:blipFill rotWithShape="1">
-          <a:blip r:embed="rId2"/>
-          <a:srcRect t="517" b="517"/>
-          <a:stretch/>
-        </p:blipFill>
-        <p:spPr>
-          <a:xfrm>
-            <a:off x="1583555" y="2980517"/>
-            <a:ext cx="713074" cy="713074"/>
-          </a:xfrm>
-        </p:spPr>
-      </p:pic>
-      <p:pic>
-        <p:nvPicPr>
-          <p:cNvPr id="86" name="Picture Placeholder 85" descr="Wallet outline">
-            <a:extLst>
-              <a:ext uri="{FF2B5EF4-FFF2-40B4-BE49-F238E27FC236}">
-                <a16:creationId xmlns:a16="http://schemas.microsoft.com/office/drawing/2014/main" id="{EDC60F06-D73E-F719-14FA-A6F1ECF09300}"/>
-              </a:ext>
-            </a:extLst>
-          </p:cNvPr>
-          <p:cNvPicPr>
-            <a:picLocks noGrp="1" noChangeAspect="1"/>
-          </p:cNvPicPr>
-          <p:nvPr>
-            <p:ph type="pic" sz="quarter" idx="23"/>
-          </p:nvPr>
-        </p:nvPicPr>
-        <p:blipFill rotWithShape="1">
-          <a:blip r:embed="rId3"/>
-          <a:srcRect t="128" b="128"/>
-          <a:stretch/>
-        </p:blipFill>
-        <p:spPr/>
-      </p:pic>
-      <p:pic>
-        <p:nvPicPr>
-          <p:cNvPr id="87" name="Picture Placeholder 86" descr="Piggy Bank outline">
-            <a:extLst>
-              <a:ext uri="{FF2B5EF4-FFF2-40B4-BE49-F238E27FC236}">
-                <a16:creationId xmlns:a16="http://schemas.microsoft.com/office/drawing/2014/main" id="{ED53247D-56A2-6AB9-6FF9-0313BD7DB9E8}"/>
-              </a:ext>
-            </a:extLst>
-          </p:cNvPr>
-          <p:cNvPicPr>
-            <a:picLocks noGrp="1" noChangeAspect="1"/>
-          </p:cNvPicPr>
-          <p:nvPr>
-            <p:ph type="pic" sz="quarter" idx="24"/>
-          </p:nvPr>
-        </p:nvPicPr>
-        <p:blipFill rotWithShape="1">
-          <a:blip r:embed="rId4"/>
-          <a:srcRect/>
-          <a:stretch/>
-        </p:blipFill>
-        <p:spPr/>
-      </p:pic>
-      <p:pic>
-        <p:nvPicPr>
-          <p:cNvPr id="88" name="Picture Placeholder 87" descr="Bitcoin outline">
-            <a:extLst>
-              <a:ext uri="{FF2B5EF4-FFF2-40B4-BE49-F238E27FC236}">
-                <a16:creationId xmlns:a16="http://schemas.microsoft.com/office/drawing/2014/main" id="{32BC0F61-A0C8-5BEF-A6E9-0E7ADE645FA6}"/>
-              </a:ext>
-            </a:extLst>
-          </p:cNvPr>
-          <p:cNvPicPr>
-            <a:picLocks noGrp="1" noChangeAspect="1"/>
-          </p:cNvPicPr>
-          <p:nvPr>
-            <p:ph type="pic" sz="quarter" idx="25"/>
-          </p:nvPr>
-        </p:nvPicPr>
-        <p:blipFill rotWithShape="1">
-          <a:blip r:embed="rId5"/>
-          <a:srcRect l="345" r="345"/>
-          <a:stretch/>
-        </p:blipFill>
-        <p:spPr/>
-      </p:pic>
-      <p:pic>
-        <p:nvPicPr>
-          <p:cNvPr id="90" name="Picture Placeholder 89" descr="Exponential Graph outline">
-            <a:extLst>
-              <a:ext uri="{FF2B5EF4-FFF2-40B4-BE49-F238E27FC236}">
-                <a16:creationId xmlns:a16="http://schemas.microsoft.com/office/drawing/2014/main" id="{86472D92-CAA9-AF6F-549B-2EE170C70DD7}"/>
-              </a:ext>
-            </a:extLst>
-          </p:cNvPr>
-          <p:cNvPicPr>
-            <a:picLocks noGrp="1" noChangeAspect="1"/>
-          </p:cNvPicPr>
-          <p:nvPr>
-            <p:ph type="pic" sz="quarter" idx="26"/>
-          </p:nvPr>
-        </p:nvPicPr>
-        <p:blipFill rotWithShape="1">
-          <a:blip r:embed="rId6"/>
-          <a:srcRect/>
-          <a:stretch/>
-        </p:blipFill>
-        <p:spPr/>
-      </p:pic>
+              <a:t>THANK YOU</a:t>
+            </a:r>
+          </a:p>
+        </p:txBody>
+      </p:sp>
       <p:sp>
         <p:nvSpPr>
           <p:cNvPr id="3" name="Text Placeholder 2">
             <a:extLst>
               <a:ext uri="{FF2B5EF4-FFF2-40B4-BE49-F238E27FC236}">
-                <a16:creationId xmlns:a16="http://schemas.microsoft.com/office/drawing/2014/main" id="{0CF4EECB-47E7-26A0-F3A1-ACAE7AEE5741}"/>
-              </a:ext>
-            </a:extLst>
-          </p:cNvPr>
-          <p:cNvSpPr>
-            <a:spLocks noGrp="1"/>
-          </p:cNvSpPr>
-          <p:nvPr>
-            <p:ph type="body" sz="quarter" idx="12"/>
-          </p:nvPr>
-        </p:nvSpPr>
-        <p:spPr/>
-        <p:txBody>
-          <a:bodyPr/>
-          <a:lstStyle/>
-          <a:p>
-            <a:r>
-              <a:rPr lang="en-US" dirty="0"/>
-              <a:t>Step 1</a:t>
-            </a:r>
-          </a:p>
-        </p:txBody>
-      </p:sp>
-      <p:sp>
-        <p:nvSpPr>
-          <p:cNvPr id="133" name="Text Placeholder 132">
-            <a:extLst>
-              <a:ext uri="{FF2B5EF4-FFF2-40B4-BE49-F238E27FC236}">
-                <a16:creationId xmlns:a16="http://schemas.microsoft.com/office/drawing/2014/main" id="{0D7DF893-CDC1-A213-86BF-C9C73F979CC5}"/>
-              </a:ext>
-            </a:extLst>
-          </p:cNvPr>
-          <p:cNvSpPr>
-            <a:spLocks noGrp="1"/>
-          </p:cNvSpPr>
-          <p:nvPr>
-            <p:ph type="body" sz="quarter" idx="28"/>
-          </p:nvPr>
-        </p:nvSpPr>
-        <p:spPr/>
-        <p:txBody>
-          <a:bodyPr/>
-          <a:lstStyle/>
-          <a:p>
-            <a:endParaRPr lang="en-US" dirty="0"/>
-          </a:p>
-        </p:txBody>
-      </p:sp>
-      <p:sp>
-        <p:nvSpPr>
-          <p:cNvPr id="5" name="Text Placeholder 4">
-            <a:extLst>
-              <a:ext uri="{FF2B5EF4-FFF2-40B4-BE49-F238E27FC236}">
-                <a16:creationId xmlns:a16="http://schemas.microsoft.com/office/drawing/2014/main" id="{AC2F0535-53EA-30FB-770D-0C92BEEF3F6D}"/>
-              </a:ext>
-            </a:extLst>
-          </p:cNvPr>
-          <p:cNvSpPr>
-            <a:spLocks noGrp="1"/>
-          </p:cNvSpPr>
-          <p:nvPr>
-            <p:ph type="body" sz="quarter" idx="14"/>
-          </p:nvPr>
-        </p:nvSpPr>
-        <p:spPr/>
-        <p:txBody>
-          <a:bodyPr/>
-          <a:lstStyle/>
-          <a:p>
-            <a:pPr lvl="0"/>
-            <a:r>
-              <a:rPr lang="en-US" dirty="0"/>
-              <a:t>Step 2</a:t>
-            </a:r>
-          </a:p>
-        </p:txBody>
-      </p:sp>
-      <p:sp>
-        <p:nvSpPr>
-          <p:cNvPr id="134" name="Text Placeholder 133">
-            <a:extLst>
-              <a:ext uri="{FF2B5EF4-FFF2-40B4-BE49-F238E27FC236}">
-                <a16:creationId xmlns:a16="http://schemas.microsoft.com/office/drawing/2014/main" id="{9CE100CE-4574-F901-234D-B9BEED642B9B}"/>
-              </a:ext>
-            </a:extLst>
-          </p:cNvPr>
-          <p:cNvSpPr>
-            <a:spLocks noGrp="1"/>
-          </p:cNvSpPr>
-          <p:nvPr>
-            <p:ph type="body" sz="quarter" idx="29"/>
-          </p:nvPr>
-        </p:nvSpPr>
-        <p:spPr/>
-        <p:txBody>
-          <a:bodyPr/>
-          <a:lstStyle/>
-          <a:p>
-            <a:endParaRPr lang="en-US" dirty="0"/>
-          </a:p>
-        </p:txBody>
-      </p:sp>
-      <p:sp>
-        <p:nvSpPr>
-          <p:cNvPr id="7" name="Text Placeholder 6">
-            <a:extLst>
-              <a:ext uri="{FF2B5EF4-FFF2-40B4-BE49-F238E27FC236}">
-                <a16:creationId xmlns:a16="http://schemas.microsoft.com/office/drawing/2014/main" id="{31511481-29C6-275B-963E-B5AF2E87ADA2}"/>
-              </a:ext>
-            </a:extLst>
-          </p:cNvPr>
-          <p:cNvSpPr>
-            <a:spLocks noGrp="1"/>
-          </p:cNvSpPr>
-          <p:nvPr>
-            <p:ph type="body" sz="quarter" idx="16"/>
-          </p:nvPr>
-        </p:nvSpPr>
-        <p:spPr/>
-        <p:txBody>
-          <a:bodyPr/>
-          <a:lstStyle/>
-          <a:p>
-            <a:pPr lvl="0"/>
-            <a:r>
-              <a:rPr lang="en-US" dirty="0"/>
-              <a:t>Step 3</a:t>
-            </a:r>
-          </a:p>
-        </p:txBody>
-      </p:sp>
-      <p:sp>
-        <p:nvSpPr>
-          <p:cNvPr id="135" name="Text Placeholder 134">
-            <a:extLst>
-              <a:ext uri="{FF2B5EF4-FFF2-40B4-BE49-F238E27FC236}">
-                <a16:creationId xmlns:a16="http://schemas.microsoft.com/office/drawing/2014/main" id="{288EBDBE-0ABC-82CE-4598-09F65E315AD7}"/>
-              </a:ext>
-            </a:extLst>
-          </p:cNvPr>
-          <p:cNvSpPr>
-            <a:spLocks noGrp="1"/>
-          </p:cNvSpPr>
-          <p:nvPr>
-            <p:ph type="body" sz="quarter" idx="30"/>
-          </p:nvPr>
-        </p:nvSpPr>
-        <p:spPr/>
-        <p:txBody>
-          <a:bodyPr/>
-          <a:lstStyle/>
-          <a:p>
-            <a:endParaRPr lang="en-US" dirty="0"/>
-          </a:p>
-        </p:txBody>
-      </p:sp>
-      <p:sp>
-        <p:nvSpPr>
-          <p:cNvPr id="9" name="Text Placeholder 8">
-            <a:extLst>
-              <a:ext uri="{FF2B5EF4-FFF2-40B4-BE49-F238E27FC236}">
-                <a16:creationId xmlns:a16="http://schemas.microsoft.com/office/drawing/2014/main" id="{2F32973A-CF94-1C2B-BB12-B563173CC79A}"/>
-              </a:ext>
-            </a:extLst>
-          </p:cNvPr>
-          <p:cNvSpPr>
-            <a:spLocks noGrp="1"/>
-          </p:cNvSpPr>
-          <p:nvPr>
-            <p:ph type="body" sz="quarter" idx="18"/>
-          </p:nvPr>
-        </p:nvSpPr>
-        <p:spPr/>
-        <p:txBody>
-          <a:bodyPr/>
-          <a:lstStyle/>
-          <a:p>
-            <a:pPr lvl="0"/>
-            <a:r>
-              <a:rPr lang="en-US" dirty="0"/>
-              <a:t>Step 4</a:t>
-            </a:r>
-          </a:p>
-        </p:txBody>
-      </p:sp>
-      <p:sp>
-        <p:nvSpPr>
-          <p:cNvPr id="136" name="Text Placeholder 135">
-            <a:extLst>
-              <a:ext uri="{FF2B5EF4-FFF2-40B4-BE49-F238E27FC236}">
-                <a16:creationId xmlns:a16="http://schemas.microsoft.com/office/drawing/2014/main" id="{14F6CD04-2A18-A6BD-AAB9-1D30D1563399}"/>
-              </a:ext>
-            </a:extLst>
-          </p:cNvPr>
-          <p:cNvSpPr>
-            <a:spLocks noGrp="1"/>
-          </p:cNvSpPr>
-          <p:nvPr>
-            <p:ph type="body" sz="quarter" idx="31"/>
-          </p:nvPr>
-        </p:nvSpPr>
-        <p:spPr/>
-        <p:txBody>
-          <a:bodyPr/>
-          <a:lstStyle/>
-          <a:p>
-            <a:endParaRPr lang="en-US" dirty="0"/>
-          </a:p>
-        </p:txBody>
-      </p:sp>
-      <p:sp>
-        <p:nvSpPr>
-          <p:cNvPr id="11" name="Text Placeholder 10">
-            <a:extLst>
-              <a:ext uri="{FF2B5EF4-FFF2-40B4-BE49-F238E27FC236}">
-                <a16:creationId xmlns:a16="http://schemas.microsoft.com/office/drawing/2014/main" id="{CE7AA813-84F0-DB50-F6B6-A29A94662DAD}"/>
-              </a:ext>
-            </a:extLst>
-          </p:cNvPr>
-          <p:cNvSpPr>
-            <a:spLocks noGrp="1"/>
-          </p:cNvSpPr>
-          <p:nvPr>
-            <p:ph type="body" sz="quarter" idx="20"/>
-          </p:nvPr>
-        </p:nvSpPr>
-        <p:spPr/>
-        <p:txBody>
-          <a:bodyPr/>
-          <a:lstStyle/>
-          <a:p>
-            <a:pPr lvl="0"/>
-            <a:r>
-              <a:rPr lang="en-US" dirty="0"/>
-              <a:t>Step 5</a:t>
-            </a:r>
-          </a:p>
-        </p:txBody>
-      </p:sp>
-      <p:sp>
-        <p:nvSpPr>
-          <p:cNvPr id="137" name="Text Placeholder 136">
-            <a:extLst>
-              <a:ext uri="{FF2B5EF4-FFF2-40B4-BE49-F238E27FC236}">
-                <a16:creationId xmlns:a16="http://schemas.microsoft.com/office/drawing/2014/main" id="{C171CBDB-4593-F4D1-30E9-A47F4C7CADAF}"/>
-              </a:ext>
-            </a:extLst>
-          </p:cNvPr>
-          <p:cNvSpPr>
-            <a:spLocks noGrp="1"/>
-          </p:cNvSpPr>
-          <p:nvPr>
-            <p:ph type="body" sz="quarter" idx="32"/>
-          </p:nvPr>
-        </p:nvSpPr>
-        <p:spPr/>
-        <p:txBody>
-          <a:bodyPr/>
-          <a:lstStyle/>
-          <a:p>
-            <a:endParaRPr lang="en-US" dirty="0"/>
-          </a:p>
-        </p:txBody>
-      </p:sp>
-      <p:sp>
-        <p:nvSpPr>
-          <p:cNvPr id="69" name="Text Placeholder 68">
-            <a:extLst>
-              <a:ext uri="{FF2B5EF4-FFF2-40B4-BE49-F238E27FC236}">
-                <a16:creationId xmlns:a16="http://schemas.microsoft.com/office/drawing/2014/main" id="{4BBDF45D-9B32-0154-7602-2C43DAF6C0A6}"/>
-              </a:ext>
-            </a:extLst>
-          </p:cNvPr>
-          <p:cNvSpPr>
-            <a:spLocks noGrp="1"/>
-          </p:cNvSpPr>
-          <p:nvPr>
-            <p:ph type="body" sz="quarter" idx="13"/>
-          </p:nvPr>
-        </p:nvSpPr>
-        <p:spPr/>
-        <p:txBody>
-          <a:bodyPr/>
-          <a:lstStyle/>
-          <a:p>
-            <a:r>
-              <a:rPr lang="en-US" dirty="0"/>
-              <a:t>Choose a cryptocurrency exchange</a:t>
-            </a:r>
-          </a:p>
-          <a:p>
-            <a:endParaRPr lang="en-US" dirty="0"/>
-          </a:p>
-        </p:txBody>
-      </p:sp>
-      <p:sp>
-        <p:nvSpPr>
-          <p:cNvPr id="70" name="Text Placeholder 69">
-            <a:extLst>
-              <a:ext uri="{FF2B5EF4-FFF2-40B4-BE49-F238E27FC236}">
-                <a16:creationId xmlns:a16="http://schemas.microsoft.com/office/drawing/2014/main" id="{38FF6C9F-C7C5-37D5-4C61-BA14A636B732}"/>
-              </a:ext>
-            </a:extLst>
-          </p:cNvPr>
-          <p:cNvSpPr>
-            <a:spLocks noGrp="1"/>
-          </p:cNvSpPr>
-          <p:nvPr>
-            <p:ph type="body" sz="quarter" idx="15"/>
-          </p:nvPr>
-        </p:nvSpPr>
-        <p:spPr/>
-        <p:txBody>
-          <a:bodyPr/>
-          <a:lstStyle/>
-          <a:p>
-            <a:r>
-              <a:rPr lang="en-US" dirty="0"/>
-              <a:t>Purchase preferred coins &amp; create "wallet"</a:t>
-            </a:r>
-          </a:p>
-          <a:p>
-            <a:endParaRPr lang="en-US" dirty="0"/>
-          </a:p>
-        </p:txBody>
-      </p:sp>
-      <p:sp>
-        <p:nvSpPr>
-          <p:cNvPr id="71" name="Text Placeholder 70">
-            <a:extLst>
-              <a:ext uri="{FF2B5EF4-FFF2-40B4-BE49-F238E27FC236}">
-                <a16:creationId xmlns:a16="http://schemas.microsoft.com/office/drawing/2014/main" id="{5973BD56-1612-983E-EA67-F4039B062085}"/>
-              </a:ext>
-            </a:extLst>
-          </p:cNvPr>
-          <p:cNvSpPr>
-            <a:spLocks noGrp="1"/>
-          </p:cNvSpPr>
-          <p:nvPr>
-            <p:ph type="body" sz="quarter" idx="17"/>
-          </p:nvPr>
-        </p:nvSpPr>
-        <p:spPr/>
-        <p:txBody>
-          <a:bodyPr/>
-          <a:lstStyle/>
-          <a:p>
-            <a:r>
-              <a:rPr lang="en-US" dirty="0"/>
-              <a:t>Research investment and trading options</a:t>
-            </a:r>
-          </a:p>
-          <a:p>
-            <a:endParaRPr lang="en-US" dirty="0"/>
-          </a:p>
-        </p:txBody>
-      </p:sp>
-      <p:sp>
-        <p:nvSpPr>
-          <p:cNvPr id="72" name="Text Placeholder 71">
-            <a:extLst>
-              <a:ext uri="{FF2B5EF4-FFF2-40B4-BE49-F238E27FC236}">
-                <a16:creationId xmlns:a16="http://schemas.microsoft.com/office/drawing/2014/main" id="{840CFADA-CAD6-2A04-5B15-5DB4DD6A84E0}"/>
-              </a:ext>
-            </a:extLst>
-          </p:cNvPr>
-          <p:cNvSpPr>
-            <a:spLocks noGrp="1"/>
-          </p:cNvSpPr>
-          <p:nvPr>
-            <p:ph type="body" sz="quarter" idx="19"/>
-          </p:nvPr>
-        </p:nvSpPr>
-        <p:spPr/>
-        <p:txBody>
-          <a:bodyPr/>
-          <a:lstStyle/>
-          <a:p>
-            <a:r>
-              <a:rPr lang="en-US" dirty="0"/>
-              <a:t>Stake preferred coins in chosen company</a:t>
-            </a:r>
-          </a:p>
-          <a:p>
-            <a:endParaRPr lang="en-US" dirty="0"/>
-          </a:p>
-        </p:txBody>
-      </p:sp>
-      <p:sp>
-        <p:nvSpPr>
-          <p:cNvPr id="73" name="Text Placeholder 72">
-            <a:extLst>
-              <a:ext uri="{FF2B5EF4-FFF2-40B4-BE49-F238E27FC236}">
-                <a16:creationId xmlns:a16="http://schemas.microsoft.com/office/drawing/2014/main" id="{DB3347BB-2913-A230-8362-2B778394E7CE}"/>
-              </a:ext>
-            </a:extLst>
-          </p:cNvPr>
-          <p:cNvSpPr>
-            <a:spLocks noGrp="1"/>
-          </p:cNvSpPr>
-          <p:nvPr>
-            <p:ph type="body" sz="quarter" idx="21"/>
-          </p:nvPr>
-        </p:nvSpPr>
-        <p:spPr/>
-        <p:txBody>
-          <a:bodyPr/>
-          <a:lstStyle/>
-          <a:p>
-            <a:pPr lvl="0"/>
-            <a:r>
-              <a:rPr lang="en-US" dirty="0"/>
-              <a:t>Set exponential growth goals</a:t>
-            </a:r>
-          </a:p>
-        </p:txBody>
-      </p:sp>
-      <p:sp>
-        <p:nvSpPr>
-          <p:cNvPr id="138" name="Footer Placeholder 137">
-            <a:extLst>
-              <a:ext uri="{FF2B5EF4-FFF2-40B4-BE49-F238E27FC236}">
-                <a16:creationId xmlns:a16="http://schemas.microsoft.com/office/drawing/2014/main" id="{8BC11123-4B26-8100-E85C-F218651524A5}"/>
-              </a:ext>
-            </a:extLst>
-          </p:cNvPr>
-          <p:cNvSpPr>
-            <a:spLocks noGrp="1"/>
-          </p:cNvSpPr>
-          <p:nvPr>
-            <p:ph type="ftr" sz="quarter" idx="10"/>
-          </p:nvPr>
-        </p:nvSpPr>
-        <p:spPr/>
-        <p:txBody>
-          <a:bodyPr/>
-          <a:lstStyle/>
-          <a:p>
-            <a:r>
-              <a:rPr lang="en-US" dirty="0"/>
-              <a:t>Crypto: investing &amp; trading</a:t>
-            </a:r>
-          </a:p>
-        </p:txBody>
-      </p:sp>
-    </p:spTree>
-    <p:extLst>
-      <p:ext uri="{BB962C8B-B14F-4D97-AF65-F5344CB8AC3E}">
-        <p14:creationId xmlns:p14="http://schemas.microsoft.com/office/powerpoint/2010/main" val="3510130985"/>
-      </p:ext>
-    </p:extLst>
-  </p:cSld>
-  <p:clrMapOvr>
-    <a:masterClrMapping/>
-  </p:clrMapOvr>
-</p:sld>
-</file>
-
-<file path=ppt/slides/slide15.xml><?xml version="1.0" encoding="utf-8"?>
-<p:sld xmlns:a="http://schemas.openxmlformats.org/drawingml/2006/main" xmlns:r="http://schemas.openxmlformats.org/officeDocument/2006/relationships" xmlns:p="http://schemas.openxmlformats.org/presentationml/2006/main">
-  <p:cSld>
-    <p:spTree>
-      <p:nvGrpSpPr>
-        <p:cNvPr id="1" name=""/>
-        <p:cNvGrpSpPr/>
-        <p:nvPr/>
-      </p:nvGrpSpPr>
-      <p:grpSpPr>
-        <a:xfrm>
-          <a:off x="0" y="0"/>
-          <a:ext cx="0" cy="0"/>
-          <a:chOff x="0" y="0"/>
-          <a:chExt cx="0" cy="0"/>
-        </a:xfrm>
-      </p:grpSpPr>
-      <p:sp>
-        <p:nvSpPr>
-          <p:cNvPr id="2" name="Title 1">
-            <a:extLst>
-              <a:ext uri="{FF2B5EF4-FFF2-40B4-BE49-F238E27FC236}">
-                <a16:creationId xmlns:a16="http://schemas.microsoft.com/office/drawing/2014/main" id="{D249E45E-D6A7-9780-F652-BAF86DFBCC00}"/>
-              </a:ext>
-            </a:extLst>
-          </p:cNvPr>
-          <p:cNvSpPr>
-            <a:spLocks noGrp="1"/>
-          </p:cNvSpPr>
-          <p:nvPr>
-            <p:ph type="title"/>
-          </p:nvPr>
-        </p:nvSpPr>
-        <p:spPr/>
-        <p:txBody>
-          <a:bodyPr/>
-          <a:lstStyle/>
-          <a:p>
-            <a:r>
-              <a:rPr lang="en-US" dirty="0"/>
-              <a:t>AREAS OF FOCUS</a:t>
-            </a:r>
-          </a:p>
-        </p:txBody>
-      </p:sp>
-      <p:sp>
-        <p:nvSpPr>
-          <p:cNvPr id="8" name="Slide Number Placeholder 7">
-            <a:extLst>
-              <a:ext uri="{FF2B5EF4-FFF2-40B4-BE49-F238E27FC236}">
-                <a16:creationId xmlns:a16="http://schemas.microsoft.com/office/drawing/2014/main" id="{85577A64-4E94-69E1-3180-1E014BD06B3C}"/>
-              </a:ext>
-            </a:extLst>
-          </p:cNvPr>
-          <p:cNvSpPr>
-            <a:spLocks noGrp="1"/>
-          </p:cNvSpPr>
-          <p:nvPr>
-            <p:ph type="sldNum" sz="quarter" idx="12"/>
-          </p:nvPr>
-        </p:nvSpPr>
-        <p:spPr/>
-        <p:txBody>
-          <a:bodyPr/>
-          <a:lstStyle/>
-          <a:p>
-            <a:fld id="{294A09A9-5501-47C1-A89A-A340965A2BE2}" type="slidenum">
-              <a:rPr lang="en-US" smtClean="0"/>
-              <a:t>15</a:t>
-            </a:fld>
-            <a:endParaRPr lang="en-US" dirty="0"/>
-          </a:p>
-        </p:txBody>
-      </p:sp>
-      <p:sp>
-        <p:nvSpPr>
-          <p:cNvPr id="3" name="Text Placeholder 2">
-            <a:extLst>
-              <a:ext uri="{FF2B5EF4-FFF2-40B4-BE49-F238E27FC236}">
-                <a16:creationId xmlns:a16="http://schemas.microsoft.com/office/drawing/2014/main" id="{C31605EE-24B6-95D8-DE5E-BEC2F03ECECA}"/>
+                <a16:creationId xmlns:a16="http://schemas.microsoft.com/office/drawing/2014/main" id="{55519D01-29BE-BE76-41C5-9D58AD8119DC}"/>
               </a:ext>
             </a:extLst>
           </p:cNvPr>
@@ -22711,1794 +17727,151 @@
             <p:ph type="body" idx="1"/>
           </p:nvPr>
         </p:nvSpPr>
-        <p:spPr/>
+        <p:spPr>
+          <a:xfrm>
+            <a:off x="6601968" y="5115542"/>
+            <a:ext cx="4709160" cy="1069848"/>
+          </a:xfrm>
+        </p:spPr>
         <p:txBody>
           <a:bodyPr/>
           <a:lstStyle/>
           <a:p>
-            <a:r>
-              <a:rPr lang="en-US" dirty="0"/>
-              <a:t>Portfolio diversification</a:t>
-            </a:r>
-          </a:p>
-        </p:txBody>
-      </p:sp>
-      <p:sp>
-        <p:nvSpPr>
-          <p:cNvPr id="4" name="Content Placeholder 3">
-            <a:extLst>
-              <a:ext uri="{FF2B5EF4-FFF2-40B4-BE49-F238E27FC236}">
-                <a16:creationId xmlns:a16="http://schemas.microsoft.com/office/drawing/2014/main" id="{BE22F651-7ABC-015D-B5C4-622708A64CB1}"/>
-              </a:ext>
-            </a:extLst>
-          </p:cNvPr>
-          <p:cNvSpPr>
-            <a:spLocks noGrp="1"/>
-          </p:cNvSpPr>
-          <p:nvPr>
-            <p:ph sz="half" idx="2"/>
-          </p:nvPr>
-        </p:nvSpPr>
-        <p:spPr/>
-        <p:txBody>
-          <a:bodyPr/>
+            <a:pPr algn="l"/>
+            <a:r>
+              <a:rPr lang="en-US" dirty="0">
+                <a:solidFill>
+                  <a:srgbClr val="FFFF00"/>
+                </a:solidFill>
+                <a:latin typeface="Segoe UI Light" panose="020B0502040204020203" pitchFamily="34" charset="0"/>
+                <a:cs typeface="Segoe UI Light" panose="020B0502040204020203" pitchFamily="34" charset="0"/>
+              </a:rPr>
+              <a:t>Mr. Aniket G. Tayade.</a:t>
+            </a:r>
+          </a:p>
+          <a:p>
+            <a:pPr algn="l"/>
+            <a:r>
+              <a:rPr lang="en-US" dirty="0">
+                <a:latin typeface="Segoe UI Light" panose="020B0502040204020203" pitchFamily="34" charset="0"/>
+                <a:cs typeface="Segoe UI Light" panose="020B0502040204020203" pitchFamily="34" charset="0"/>
+              </a:rPr>
+              <a:t>tayadeanni@gmail.com </a:t>
+            </a:r>
+            <a:endParaRPr lang="en-US" dirty="0">
+              <a:latin typeface="Segoe UI Light" panose="020B0502040204020203" pitchFamily="34" charset="0"/>
+              <a:ea typeface="Calibri"/>
+              <a:cs typeface="Segoe UI Light" panose="020B0502040204020203" pitchFamily="34" charset="0"/>
+            </a:endParaRPr>
+          </a:p>
+          <a:p>
+            <a:endParaRPr lang="en-US" dirty="0"/>
+          </a:p>
+        </p:txBody>
+      </p:sp>
+      <p:sp>
+        <p:nvSpPr>
+          <p:cNvPr id="4" name="TextBox 3">
+            <a:extLst>
+              <a:ext uri="{FF2B5EF4-FFF2-40B4-BE49-F238E27FC236}">
+                <a16:creationId xmlns:a16="http://schemas.microsoft.com/office/drawing/2014/main" id="{FBBF5B57-4AC0-D416-BB89-3BE40F05EBA2}"/>
+              </a:ext>
+            </a:extLst>
+          </p:cNvPr>
+          <p:cNvSpPr txBox="1"/>
+          <p:nvPr/>
+        </p:nvSpPr>
+        <p:spPr>
+          <a:xfrm>
+            <a:off x="6592824" y="3638214"/>
+            <a:ext cx="5205984" cy="1477328"/>
+          </a:xfrm>
+          <a:prstGeom prst="rect">
+            <a:avLst/>
+          </a:prstGeom>
+          <a:noFill/>
+        </p:spPr>
+        <p:txBody>
+          <a:bodyPr wrap="square" rtlCol="0">
+            <a:spAutoFit/>
+          </a:bodyPr>
           <a:lstStyle/>
           <a:p>
             <a:r>
-              <a:rPr lang="en-US" dirty="0"/>
-              <a:t>Develop winning combinations to stay ahead of the market</a:t>
-            </a:r>
-          </a:p>
-          <a:p>
-            <a:r>
-              <a:rPr lang="en-US" dirty="0"/>
-              <a:t>Capitalize on direct ownership of digital coins</a:t>
-            </a:r>
-          </a:p>
-          <a:p>
-            <a:r>
-              <a:rPr lang="en-US" dirty="0"/>
-              <a:t>Invest in multiple blockchains​</a:t>
-            </a:r>
-          </a:p>
-          <a:p>
-            <a:endParaRPr lang="en-US" dirty="0"/>
-          </a:p>
-        </p:txBody>
-      </p:sp>
-      <p:sp>
-        <p:nvSpPr>
-          <p:cNvPr id="5" name="Text Placeholder 4">
-            <a:extLst>
-              <a:ext uri="{FF2B5EF4-FFF2-40B4-BE49-F238E27FC236}">
-                <a16:creationId xmlns:a16="http://schemas.microsoft.com/office/drawing/2014/main" id="{6A1E0F07-3291-4EE2-1286-04C97165BA68}"/>
-              </a:ext>
-            </a:extLst>
-          </p:cNvPr>
-          <p:cNvSpPr>
-            <a:spLocks noGrp="1"/>
-          </p:cNvSpPr>
-          <p:nvPr>
-            <p:ph type="body" sz="quarter" idx="3"/>
-          </p:nvPr>
-        </p:nvSpPr>
-        <p:spPr/>
-        <p:txBody>
-          <a:bodyPr/>
-          <a:lstStyle/>
-          <a:p>
-            <a:r>
-              <a:rPr lang="en-US" dirty="0"/>
-              <a:t>Short and long-term goals</a:t>
-            </a:r>
-          </a:p>
-        </p:txBody>
-      </p:sp>
-      <p:sp>
-        <p:nvSpPr>
-          <p:cNvPr id="6" name="Content Placeholder 5">
-            <a:extLst>
-              <a:ext uri="{FF2B5EF4-FFF2-40B4-BE49-F238E27FC236}">
-                <a16:creationId xmlns:a16="http://schemas.microsoft.com/office/drawing/2014/main" id="{3DF22CC9-1295-2B21-05A9-68A44E669B8F}"/>
-              </a:ext>
-            </a:extLst>
-          </p:cNvPr>
-          <p:cNvSpPr>
-            <a:spLocks noGrp="1"/>
-          </p:cNvSpPr>
-          <p:nvPr>
-            <p:ph sz="quarter" idx="4"/>
-          </p:nvPr>
-        </p:nvSpPr>
-        <p:spPr/>
-        <p:txBody>
-          <a:bodyPr/>
-          <a:lstStyle/>
-          <a:p>
-            <a:r>
-              <a:rPr lang="en-US" dirty="0"/>
-              <a:t>Create an emergency fund</a:t>
-            </a:r>
-          </a:p>
-          <a:p>
-            <a:r>
-              <a:rPr lang="en-US" dirty="0"/>
-              <a:t>Add a second stream of income</a:t>
-            </a:r>
-          </a:p>
-          <a:p>
-            <a:r>
-              <a:rPr lang="en-US" dirty="0"/>
-              <a:t>Buy a house</a:t>
-            </a:r>
-          </a:p>
-          <a:p>
-            <a:r>
-              <a:rPr lang="en-US" dirty="0"/>
-              <a:t>Supplement retirement fund</a:t>
-            </a:r>
-          </a:p>
-        </p:txBody>
-      </p:sp>
-      <p:sp>
-        <p:nvSpPr>
-          <p:cNvPr id="7" name="Footer Placeholder 6">
-            <a:extLst>
-              <a:ext uri="{FF2B5EF4-FFF2-40B4-BE49-F238E27FC236}">
-                <a16:creationId xmlns:a16="http://schemas.microsoft.com/office/drawing/2014/main" id="{A9F57080-19CA-8BBA-6050-8494551D4615}"/>
-              </a:ext>
-            </a:extLst>
-          </p:cNvPr>
-          <p:cNvSpPr>
-            <a:spLocks noGrp="1"/>
-          </p:cNvSpPr>
-          <p:nvPr>
-            <p:ph type="ftr" sz="quarter" idx="11"/>
-          </p:nvPr>
-        </p:nvSpPr>
-        <p:spPr/>
-        <p:txBody>
-          <a:bodyPr/>
-          <a:lstStyle/>
-          <a:p>
-            <a:r>
-              <a:rPr lang="en-US" dirty="0"/>
-              <a:t>Crypto: investing &amp; trading</a:t>
-            </a:r>
-          </a:p>
-        </p:txBody>
-      </p:sp>
-    </p:spTree>
-    <p:extLst>
-      <p:ext uri="{BB962C8B-B14F-4D97-AF65-F5344CB8AC3E}">
-        <p14:creationId xmlns:p14="http://schemas.microsoft.com/office/powerpoint/2010/main" val="765210901"/>
-      </p:ext>
-    </p:extLst>
-  </p:cSld>
-  <p:clrMapOvr>
-    <a:masterClrMapping/>
-  </p:clrMapOvr>
-</p:sld>
-</file>
-
-<file path=ppt/slides/slide16.xml><?xml version="1.0" encoding="utf-8"?>
-<p:sld xmlns:a="http://schemas.openxmlformats.org/drawingml/2006/main" xmlns:r="http://schemas.openxmlformats.org/officeDocument/2006/relationships" xmlns:p="http://schemas.openxmlformats.org/presentationml/2006/main">
-  <p:cSld>
-    <p:spTree>
-      <p:nvGrpSpPr>
-        <p:cNvPr id="1" name=""/>
-        <p:cNvGrpSpPr/>
-        <p:nvPr/>
-      </p:nvGrpSpPr>
-      <p:grpSpPr>
-        <a:xfrm>
-          <a:off x="0" y="0"/>
-          <a:ext cx="0" cy="0"/>
-          <a:chOff x="0" y="0"/>
-          <a:chExt cx="0" cy="0"/>
-        </a:xfrm>
-      </p:grpSpPr>
-      <p:sp>
-        <p:nvSpPr>
-          <p:cNvPr id="2" name="Title 1">
-            <a:extLst>
-              <a:ext uri="{FF2B5EF4-FFF2-40B4-BE49-F238E27FC236}">
-                <a16:creationId xmlns:a16="http://schemas.microsoft.com/office/drawing/2014/main" id="{189E73D4-535B-6DCC-2268-43A5E9E12C45}"/>
-              </a:ext>
-            </a:extLst>
-          </p:cNvPr>
-          <p:cNvSpPr>
-            <a:spLocks noGrp="1"/>
-          </p:cNvSpPr>
-          <p:nvPr>
-            <p:ph type="title"/>
-          </p:nvPr>
-        </p:nvSpPr>
-        <p:spPr/>
-        <p:txBody>
-          <a:bodyPr/>
-          <a:lstStyle/>
-          <a:p>
-            <a:r>
-              <a:rPr lang="en-US" dirty="0"/>
-              <a:t>HOW TO GET THERE</a:t>
-            </a:r>
-          </a:p>
-        </p:txBody>
-      </p:sp>
-      <p:sp>
-        <p:nvSpPr>
-          <p:cNvPr id="6" name="Slide Number Placeholder 5">
-            <a:extLst>
-              <a:ext uri="{FF2B5EF4-FFF2-40B4-BE49-F238E27FC236}">
-                <a16:creationId xmlns:a16="http://schemas.microsoft.com/office/drawing/2014/main" id="{6459FCA3-0124-0FA6-220B-D72E8F8034C8}"/>
-              </a:ext>
-            </a:extLst>
-          </p:cNvPr>
-          <p:cNvSpPr>
-            <a:spLocks noGrp="1"/>
-          </p:cNvSpPr>
-          <p:nvPr>
-            <p:ph type="sldNum" sz="quarter" idx="12"/>
-          </p:nvPr>
-        </p:nvSpPr>
-        <p:spPr/>
-        <p:txBody>
-          <a:bodyPr/>
-          <a:lstStyle/>
-          <a:p>
-            <a:fld id="{294A09A9-5501-47C1-A89A-A340965A2BE2}" type="slidenum">
-              <a:rPr lang="en-US" smtClean="0"/>
-              <a:t>16</a:t>
-            </a:fld>
-            <a:endParaRPr lang="en-US" dirty="0"/>
-          </a:p>
-        </p:txBody>
-      </p:sp>
-      <p:sp>
-        <p:nvSpPr>
-          <p:cNvPr id="3" name="Text Placeholder 2">
-            <a:extLst>
-              <a:ext uri="{FF2B5EF4-FFF2-40B4-BE49-F238E27FC236}">
-                <a16:creationId xmlns:a16="http://schemas.microsoft.com/office/drawing/2014/main" id="{5830852F-3FB7-6D2E-F6AC-1F6B9CAD2158}"/>
-              </a:ext>
-            </a:extLst>
-          </p:cNvPr>
-          <p:cNvSpPr>
-            <a:spLocks noGrp="1"/>
-          </p:cNvSpPr>
-          <p:nvPr>
-            <p:ph type="body" idx="1"/>
-          </p:nvPr>
-        </p:nvSpPr>
-        <p:spPr/>
-        <p:txBody>
-          <a:bodyPr/>
-          <a:lstStyle/>
-          <a:p>
-            <a:r>
-              <a:rPr lang="en-US" dirty="0"/>
-              <a:t>Strategize</a:t>
-            </a:r>
-          </a:p>
-          <a:p>
-            <a:endParaRPr lang="en-US" dirty="0"/>
-          </a:p>
-        </p:txBody>
-      </p:sp>
-      <p:sp>
-        <p:nvSpPr>
-          <p:cNvPr id="10" name="Content Placeholder 9">
-            <a:extLst>
-              <a:ext uri="{FF2B5EF4-FFF2-40B4-BE49-F238E27FC236}">
-                <a16:creationId xmlns:a16="http://schemas.microsoft.com/office/drawing/2014/main" id="{E135D3F1-0C33-3404-5D49-E70C9D100F2A}"/>
-              </a:ext>
-            </a:extLst>
-          </p:cNvPr>
-          <p:cNvSpPr>
-            <a:spLocks noGrp="1"/>
-          </p:cNvSpPr>
-          <p:nvPr>
-            <p:ph sz="half" idx="2"/>
-          </p:nvPr>
-        </p:nvSpPr>
-        <p:spPr/>
-        <p:txBody>
-          <a:bodyPr/>
-          <a:lstStyle/>
-          <a:p>
-            <a:r>
-              <a:rPr lang="en-US" dirty="0"/>
-              <a:t>Do your research and develop a plan with goals</a:t>
-            </a:r>
-          </a:p>
-          <a:p>
-            <a:r>
-              <a:rPr lang="en-US" dirty="0"/>
-              <a:t>Diversify your portfolio through coin ownership​</a:t>
-            </a:r>
-          </a:p>
-          <a:p>
-            <a:r>
-              <a:rPr lang="en-US" dirty="0"/>
-              <a:t>Follow the markets closely​</a:t>
-            </a:r>
-          </a:p>
-          <a:p>
-            <a:endParaRPr lang="en-US" dirty="0"/>
-          </a:p>
-          <a:p>
-            <a:endParaRPr lang="en-US" dirty="0"/>
-          </a:p>
-          <a:p>
-            <a:endParaRPr lang="en-US" dirty="0"/>
-          </a:p>
-        </p:txBody>
-      </p:sp>
-      <p:sp>
-        <p:nvSpPr>
-          <p:cNvPr id="5" name="Text Placeholder 4">
-            <a:extLst>
-              <a:ext uri="{FF2B5EF4-FFF2-40B4-BE49-F238E27FC236}">
-                <a16:creationId xmlns:a16="http://schemas.microsoft.com/office/drawing/2014/main" id="{BE5F7BD8-DA37-58AB-1F45-D0F045DF4B7B}"/>
-              </a:ext>
-            </a:extLst>
-          </p:cNvPr>
-          <p:cNvSpPr>
-            <a:spLocks noGrp="1"/>
-          </p:cNvSpPr>
-          <p:nvPr>
-            <p:ph type="body" sz="quarter" idx="3"/>
-          </p:nvPr>
-        </p:nvSpPr>
-        <p:spPr/>
-        <p:txBody>
-          <a:bodyPr/>
-          <a:lstStyle/>
-          <a:p>
-            <a:r>
-              <a:rPr lang="en-US" dirty="0"/>
-              <a:t>Minimize risk</a:t>
-            </a:r>
-          </a:p>
-        </p:txBody>
-      </p:sp>
-      <p:sp>
-        <p:nvSpPr>
-          <p:cNvPr id="11" name="Content Placeholder 10">
-            <a:extLst>
-              <a:ext uri="{FF2B5EF4-FFF2-40B4-BE49-F238E27FC236}">
-                <a16:creationId xmlns:a16="http://schemas.microsoft.com/office/drawing/2014/main" id="{724F2AAC-B18D-1D49-15F1-2D69101664AA}"/>
-              </a:ext>
-            </a:extLst>
-          </p:cNvPr>
-          <p:cNvSpPr>
-            <a:spLocks noGrp="1"/>
-          </p:cNvSpPr>
-          <p:nvPr>
-            <p:ph sz="quarter" idx="4"/>
-          </p:nvPr>
-        </p:nvSpPr>
-        <p:spPr/>
-        <p:txBody>
-          <a:bodyPr/>
-          <a:lstStyle/>
-          <a:p>
-            <a:r>
-              <a:rPr lang="en-US" dirty="0"/>
-              <a:t>Be cautious of scams and "too good to be true" scenarios</a:t>
-            </a:r>
-          </a:p>
-          <a:p>
-            <a:r>
-              <a:rPr lang="en-US" dirty="0"/>
-              <a:t>Avoid "all-in" strategies</a:t>
-            </a:r>
-          </a:p>
-          <a:p>
-            <a:endParaRPr lang="en-US" dirty="0"/>
-          </a:p>
-          <a:p>
-            <a:endParaRPr lang="en-US" dirty="0"/>
-          </a:p>
-          <a:p>
-            <a:endParaRPr lang="en-US" dirty="0"/>
-          </a:p>
-        </p:txBody>
-      </p:sp>
-      <p:sp>
-        <p:nvSpPr>
-          <p:cNvPr id="12" name="Text Placeholder 11">
-            <a:extLst>
-              <a:ext uri="{FF2B5EF4-FFF2-40B4-BE49-F238E27FC236}">
-                <a16:creationId xmlns:a16="http://schemas.microsoft.com/office/drawing/2014/main" id="{5E68EFF0-69C3-F9AE-1107-E08A22BCF938}"/>
-              </a:ext>
-            </a:extLst>
-          </p:cNvPr>
-          <p:cNvSpPr>
-            <a:spLocks noGrp="1"/>
-          </p:cNvSpPr>
-          <p:nvPr>
-            <p:ph type="body" sz="quarter" idx="13"/>
-          </p:nvPr>
-        </p:nvSpPr>
-        <p:spPr/>
-        <p:txBody>
-          <a:bodyPr/>
-          <a:lstStyle/>
-          <a:p>
-            <a:r>
-              <a:rPr lang="en-US" dirty="0"/>
-              <a:t>Utilize resources</a:t>
-            </a:r>
-          </a:p>
-        </p:txBody>
-      </p:sp>
-      <p:sp>
-        <p:nvSpPr>
-          <p:cNvPr id="13" name="Content Placeholder 12">
-            <a:extLst>
-              <a:ext uri="{FF2B5EF4-FFF2-40B4-BE49-F238E27FC236}">
-                <a16:creationId xmlns:a16="http://schemas.microsoft.com/office/drawing/2014/main" id="{4D6980BD-0225-0DD6-3D62-B0B1E983AB52}"/>
-              </a:ext>
-            </a:extLst>
-          </p:cNvPr>
-          <p:cNvSpPr>
-            <a:spLocks noGrp="1"/>
-          </p:cNvSpPr>
-          <p:nvPr>
-            <p:ph sz="quarter" idx="14"/>
-          </p:nvPr>
-        </p:nvSpPr>
-        <p:spPr>
-          <a:xfrm>
-            <a:off x="7973568" y="2743200"/>
-            <a:ext cx="3068680" cy="2578608"/>
-          </a:xfrm>
-        </p:spPr>
-        <p:txBody>
-          <a:bodyPr/>
-          <a:lstStyle/>
-          <a:p>
-            <a:r>
-              <a:rPr lang="en-US" dirty="0"/>
-              <a:t>Apps and platforms help streamline user experience</a:t>
-            </a:r>
-          </a:p>
-          <a:p>
-            <a:r>
-              <a:rPr lang="en-US" dirty="0"/>
-              <a:t>Seek expert guidance from Krypto Logics team members​</a:t>
-            </a:r>
-          </a:p>
-          <a:p>
-            <a:endParaRPr lang="en-US" dirty="0"/>
-          </a:p>
-          <a:p>
-            <a:endParaRPr lang="en-US" dirty="0"/>
-          </a:p>
-        </p:txBody>
-      </p:sp>
-      <p:sp>
-        <p:nvSpPr>
-          <p:cNvPr id="4" name="Footer Placeholder 3">
-            <a:extLst>
-              <a:ext uri="{FF2B5EF4-FFF2-40B4-BE49-F238E27FC236}">
-                <a16:creationId xmlns:a16="http://schemas.microsoft.com/office/drawing/2014/main" id="{A107ABA7-FC97-4D42-C4BC-897A88CF39AF}"/>
-              </a:ext>
-            </a:extLst>
-          </p:cNvPr>
-          <p:cNvSpPr>
-            <a:spLocks noGrp="1"/>
-          </p:cNvSpPr>
-          <p:nvPr>
-            <p:ph type="ftr" sz="quarter" idx="11"/>
-          </p:nvPr>
-        </p:nvSpPr>
-        <p:spPr/>
-        <p:txBody>
-          <a:bodyPr/>
-          <a:lstStyle/>
-          <a:p>
-            <a:r>
-              <a:rPr lang="en-US" dirty="0"/>
-              <a:t>Crypto: investing &amp; trading</a:t>
-            </a:r>
-          </a:p>
-        </p:txBody>
-      </p:sp>
-    </p:spTree>
-    <p:extLst>
-      <p:ext uri="{BB962C8B-B14F-4D97-AF65-F5344CB8AC3E}">
-        <p14:creationId xmlns:p14="http://schemas.microsoft.com/office/powerpoint/2010/main" val="1877080978"/>
-      </p:ext>
-    </p:extLst>
-  </p:cSld>
-  <p:clrMapOvr>
-    <a:masterClrMapping/>
-  </p:clrMapOvr>
-</p:sld>
-</file>
-
-<file path=ppt/slides/slide17.xml><?xml version="1.0" encoding="utf-8"?>
-<p:sld xmlns:a="http://schemas.openxmlformats.org/drawingml/2006/main" xmlns:r="http://schemas.openxmlformats.org/officeDocument/2006/relationships" xmlns:p="http://schemas.openxmlformats.org/presentationml/2006/main">
-  <p:cSld>
-    <p:spTree>
-      <p:nvGrpSpPr>
-        <p:cNvPr id="1" name=""/>
-        <p:cNvGrpSpPr/>
-        <p:nvPr/>
-      </p:nvGrpSpPr>
-      <p:grpSpPr>
-        <a:xfrm>
-          <a:off x="0" y="0"/>
-          <a:ext cx="0" cy="0"/>
-          <a:chOff x="0" y="0"/>
-          <a:chExt cx="0" cy="0"/>
-        </a:xfrm>
-      </p:grpSpPr>
-      <p:sp>
-        <p:nvSpPr>
-          <p:cNvPr id="33" name="Title 32">
-            <a:extLst>
-              <a:ext uri="{FF2B5EF4-FFF2-40B4-BE49-F238E27FC236}">
-                <a16:creationId xmlns:a16="http://schemas.microsoft.com/office/drawing/2014/main" id="{57144164-5503-9D11-4F68-81F4CD378333}"/>
-              </a:ext>
-            </a:extLst>
-          </p:cNvPr>
-          <p:cNvSpPr>
-            <a:spLocks noGrp="1"/>
-          </p:cNvSpPr>
-          <p:nvPr>
-            <p:ph type="title"/>
-          </p:nvPr>
-        </p:nvSpPr>
-        <p:spPr/>
-        <p:txBody>
-          <a:bodyPr/>
-          <a:lstStyle/>
-          <a:p>
-            <a:r>
-              <a:rPr lang="en-US" dirty="0"/>
-              <a:t>MEET OUR TEAM</a:t>
-            </a:r>
-          </a:p>
-        </p:txBody>
-      </p:sp>
-      <p:sp>
-        <p:nvSpPr>
-          <p:cNvPr id="11" name="Slide Number Placeholder 10">
-            <a:extLst>
-              <a:ext uri="{FF2B5EF4-FFF2-40B4-BE49-F238E27FC236}">
-                <a16:creationId xmlns:a16="http://schemas.microsoft.com/office/drawing/2014/main" id="{9816FD90-6ABD-5EA8-0870-E27733B9F685}"/>
-              </a:ext>
-            </a:extLst>
-          </p:cNvPr>
-          <p:cNvSpPr>
-            <a:spLocks noGrp="1"/>
-          </p:cNvSpPr>
-          <p:nvPr>
-            <p:ph type="sldNum" sz="quarter" idx="11"/>
-          </p:nvPr>
-        </p:nvSpPr>
-        <p:spPr/>
-        <p:txBody>
-          <a:bodyPr/>
-          <a:lstStyle/>
-          <a:p>
-            <a:fld id="{294A09A9-5501-47C1-A89A-A340965A2BE2}" type="slidenum">
-              <a:rPr lang="en-US" smtClean="0"/>
-              <a:pPr/>
-              <a:t>17</a:t>
-            </a:fld>
-            <a:endParaRPr lang="en-US" dirty="0"/>
-          </a:p>
-        </p:txBody>
-      </p:sp>
-      <p:pic>
-        <p:nvPicPr>
-          <p:cNvPr id="16" name="Picture Placeholder 15" descr="Team member head shot&#10;">
-            <a:extLst>
-              <a:ext uri="{FF2B5EF4-FFF2-40B4-BE49-F238E27FC236}">
-                <a16:creationId xmlns:a16="http://schemas.microsoft.com/office/drawing/2014/main" id="{675FEA7C-5201-0219-EAA4-51C8A3B8185E}"/>
-              </a:ext>
-            </a:extLst>
-          </p:cNvPr>
-          <p:cNvPicPr>
-            <a:picLocks noGrp="1" noChangeAspect="1"/>
-          </p:cNvPicPr>
-          <p:nvPr>
-            <p:ph type="pic" sz="quarter" idx="20"/>
-          </p:nvPr>
-        </p:nvPicPr>
-        <p:blipFill rotWithShape="1">
-          <a:blip r:embed="rId2"/>
-          <a:srcRect t="45" b="45"/>
-          <a:stretch/>
-        </p:blipFill>
-        <p:spPr/>
-      </p:pic>
-      <p:sp>
-        <p:nvSpPr>
-          <p:cNvPr id="3" name="Text Placeholder 2">
-            <a:extLst>
-              <a:ext uri="{FF2B5EF4-FFF2-40B4-BE49-F238E27FC236}">
-                <a16:creationId xmlns:a16="http://schemas.microsoft.com/office/drawing/2014/main" id="{CFC225EB-9239-A8F4-48C2-D2E44A245C26}"/>
-              </a:ext>
-            </a:extLst>
-          </p:cNvPr>
-          <p:cNvSpPr>
-            <a:spLocks noGrp="1"/>
-          </p:cNvSpPr>
-          <p:nvPr>
-            <p:ph type="body" sz="quarter" idx="12"/>
-          </p:nvPr>
-        </p:nvSpPr>
-        <p:spPr/>
-        <p:txBody>
-          <a:bodyPr/>
-          <a:lstStyle/>
-          <a:p>
-            <a:r>
-              <a:rPr lang="en-US" dirty="0"/>
-              <a:t>Takuma Hayashi​</a:t>
-            </a:r>
-          </a:p>
-        </p:txBody>
-      </p:sp>
-      <p:sp>
-        <p:nvSpPr>
-          <p:cNvPr id="4" name="Text Placeholder 3">
-            <a:extLst>
-              <a:ext uri="{FF2B5EF4-FFF2-40B4-BE49-F238E27FC236}">
-                <a16:creationId xmlns:a16="http://schemas.microsoft.com/office/drawing/2014/main" id="{BF63BCC4-AF80-8D3B-413B-3F80C74503EE}"/>
-              </a:ext>
-            </a:extLst>
-          </p:cNvPr>
-          <p:cNvSpPr>
-            <a:spLocks noGrp="1"/>
-          </p:cNvSpPr>
-          <p:nvPr>
-            <p:ph type="body" sz="quarter" idx="13"/>
-          </p:nvPr>
-        </p:nvSpPr>
-        <p:spPr/>
-        <p:txBody>
-          <a:bodyPr/>
-          <a:lstStyle/>
-          <a:p>
-            <a:r>
-              <a:rPr lang="en-US" dirty="0"/>
-              <a:t>President</a:t>
-            </a:r>
-          </a:p>
-        </p:txBody>
-      </p:sp>
-      <p:pic>
-        <p:nvPicPr>
-          <p:cNvPr id="17" name="Picture Placeholder 16" descr="Team member head shot&#10;">
-            <a:extLst>
-              <a:ext uri="{FF2B5EF4-FFF2-40B4-BE49-F238E27FC236}">
-                <a16:creationId xmlns:a16="http://schemas.microsoft.com/office/drawing/2014/main" id="{8B1E138F-E5F8-7188-0E7F-C61CC315F3CA}"/>
-              </a:ext>
-            </a:extLst>
-          </p:cNvPr>
-          <p:cNvPicPr>
-            <a:picLocks noGrp="1" noChangeAspect="1"/>
-          </p:cNvPicPr>
-          <p:nvPr>
-            <p:ph type="pic" sz="quarter" idx="21"/>
-          </p:nvPr>
-        </p:nvPicPr>
-        <p:blipFill rotWithShape="1">
-          <a:blip r:embed="rId3"/>
-          <a:srcRect/>
-          <a:stretch/>
-        </p:blipFill>
-        <p:spPr/>
-      </p:pic>
-      <p:sp>
-        <p:nvSpPr>
-          <p:cNvPr id="5" name="Text Placeholder 4">
-            <a:extLst>
-              <a:ext uri="{FF2B5EF4-FFF2-40B4-BE49-F238E27FC236}">
-                <a16:creationId xmlns:a16="http://schemas.microsoft.com/office/drawing/2014/main" id="{664EAAE3-47A6-DF8C-088B-8353E312893A}"/>
-              </a:ext>
-            </a:extLst>
-          </p:cNvPr>
-          <p:cNvSpPr>
-            <a:spLocks noGrp="1"/>
-          </p:cNvSpPr>
-          <p:nvPr>
-            <p:ph type="body" sz="quarter" idx="14"/>
-          </p:nvPr>
-        </p:nvSpPr>
-        <p:spPr/>
-        <p:txBody>
-          <a:bodyPr/>
-          <a:lstStyle/>
-          <a:p>
-            <a:r>
-              <a:rPr lang="en-US" dirty="0"/>
-              <a:t>Mirjam Nilsson​</a:t>
-            </a:r>
-          </a:p>
-        </p:txBody>
-      </p:sp>
-      <p:sp>
-        <p:nvSpPr>
-          <p:cNvPr id="6" name="Text Placeholder 5">
-            <a:extLst>
-              <a:ext uri="{FF2B5EF4-FFF2-40B4-BE49-F238E27FC236}">
-                <a16:creationId xmlns:a16="http://schemas.microsoft.com/office/drawing/2014/main" id="{8E956031-A8E2-FF88-2769-10FEB7B754A7}"/>
-              </a:ext>
-            </a:extLst>
-          </p:cNvPr>
-          <p:cNvSpPr>
-            <a:spLocks noGrp="1"/>
-          </p:cNvSpPr>
-          <p:nvPr>
-            <p:ph type="body" sz="quarter" idx="15"/>
-          </p:nvPr>
-        </p:nvSpPr>
-        <p:spPr/>
-        <p:txBody>
-          <a:bodyPr/>
-          <a:lstStyle/>
-          <a:p>
-            <a:r>
-              <a:rPr lang="en-US" dirty="0"/>
-              <a:t>Chief Executive Officer</a:t>
-            </a:r>
-          </a:p>
-        </p:txBody>
-      </p:sp>
-      <p:pic>
-        <p:nvPicPr>
-          <p:cNvPr id="18" name="Picture Placeholder 17" descr="Team member head shot&#10;">
-            <a:extLst>
-              <a:ext uri="{FF2B5EF4-FFF2-40B4-BE49-F238E27FC236}">
-                <a16:creationId xmlns:a16="http://schemas.microsoft.com/office/drawing/2014/main" id="{F4608F53-148D-4D2F-6672-8A90E230C68A}"/>
-              </a:ext>
-            </a:extLst>
-          </p:cNvPr>
-          <p:cNvPicPr>
-            <a:picLocks noGrp="1" noChangeAspect="1"/>
-          </p:cNvPicPr>
-          <p:nvPr>
-            <p:ph type="pic" sz="quarter" idx="22"/>
-          </p:nvPr>
-        </p:nvPicPr>
-        <p:blipFill rotWithShape="1">
-          <a:blip r:embed="rId4"/>
-          <a:srcRect/>
-          <a:stretch/>
-        </p:blipFill>
-        <p:spPr/>
-      </p:pic>
-      <p:sp>
-        <p:nvSpPr>
-          <p:cNvPr id="7" name="Text Placeholder 6">
-            <a:extLst>
-              <a:ext uri="{FF2B5EF4-FFF2-40B4-BE49-F238E27FC236}">
-                <a16:creationId xmlns:a16="http://schemas.microsoft.com/office/drawing/2014/main" id="{24AD9EB9-CF0D-0D70-D541-05E1A813D00F}"/>
-              </a:ext>
-            </a:extLst>
-          </p:cNvPr>
-          <p:cNvSpPr>
-            <a:spLocks noGrp="1"/>
-          </p:cNvSpPr>
-          <p:nvPr>
-            <p:ph type="body" sz="quarter" idx="16"/>
-          </p:nvPr>
-        </p:nvSpPr>
-        <p:spPr/>
-        <p:txBody>
-          <a:bodyPr/>
-          <a:lstStyle/>
-          <a:p>
-            <a:r>
-              <a:rPr lang="en-US" dirty="0"/>
-              <a:t>Flora Berggren​</a:t>
-            </a:r>
-          </a:p>
-        </p:txBody>
-      </p:sp>
-      <p:sp>
-        <p:nvSpPr>
-          <p:cNvPr id="8" name="Text Placeholder 7">
-            <a:extLst>
-              <a:ext uri="{FF2B5EF4-FFF2-40B4-BE49-F238E27FC236}">
-                <a16:creationId xmlns:a16="http://schemas.microsoft.com/office/drawing/2014/main" id="{869DE758-CE4B-6136-04AE-85B544CA6F5B}"/>
-              </a:ext>
-            </a:extLst>
-          </p:cNvPr>
-          <p:cNvSpPr>
-            <a:spLocks noGrp="1"/>
-          </p:cNvSpPr>
-          <p:nvPr>
-            <p:ph type="body" sz="quarter" idx="17"/>
-          </p:nvPr>
-        </p:nvSpPr>
-        <p:spPr/>
-        <p:txBody>
-          <a:bodyPr/>
-          <a:lstStyle/>
-          <a:p>
-            <a:r>
-              <a:rPr lang="en-US" dirty="0"/>
-              <a:t>Chief Operations Officer</a:t>
-            </a:r>
-          </a:p>
-        </p:txBody>
-      </p:sp>
-      <p:pic>
-        <p:nvPicPr>
-          <p:cNvPr id="19" name="Picture Placeholder 18" descr="Team member head shot&#10;">
-            <a:extLst>
-              <a:ext uri="{FF2B5EF4-FFF2-40B4-BE49-F238E27FC236}">
-                <a16:creationId xmlns:a16="http://schemas.microsoft.com/office/drawing/2014/main" id="{34C21939-A4DB-0F96-83D8-AD8FFB45359F}"/>
-              </a:ext>
-            </a:extLst>
-          </p:cNvPr>
-          <p:cNvPicPr>
-            <a:picLocks noGrp="1" noChangeAspect="1"/>
-          </p:cNvPicPr>
-          <p:nvPr>
-            <p:ph type="pic" sz="quarter" idx="23"/>
-          </p:nvPr>
-        </p:nvPicPr>
-        <p:blipFill rotWithShape="1">
-          <a:blip r:embed="rId5"/>
-          <a:srcRect l="174" r="174"/>
-          <a:stretch/>
-        </p:blipFill>
-        <p:spPr/>
-      </p:pic>
-      <p:sp>
-        <p:nvSpPr>
-          <p:cNvPr id="9" name="Text Placeholder 8">
-            <a:extLst>
-              <a:ext uri="{FF2B5EF4-FFF2-40B4-BE49-F238E27FC236}">
-                <a16:creationId xmlns:a16="http://schemas.microsoft.com/office/drawing/2014/main" id="{22A99FBE-9850-5F5D-04D9-E3A83DEEA928}"/>
-              </a:ext>
-            </a:extLst>
-          </p:cNvPr>
-          <p:cNvSpPr>
-            <a:spLocks noGrp="1"/>
-          </p:cNvSpPr>
-          <p:nvPr>
-            <p:ph type="body" sz="quarter" idx="18"/>
-          </p:nvPr>
-        </p:nvSpPr>
-        <p:spPr/>
-        <p:txBody>
-          <a:bodyPr/>
-          <a:lstStyle/>
-          <a:p>
-            <a:r>
-              <a:rPr lang="en-US" dirty="0"/>
-              <a:t>Rajesh Santoshi​</a:t>
-            </a:r>
-          </a:p>
-        </p:txBody>
-      </p:sp>
-      <p:sp>
-        <p:nvSpPr>
-          <p:cNvPr id="10" name="Text Placeholder 9">
-            <a:extLst>
-              <a:ext uri="{FF2B5EF4-FFF2-40B4-BE49-F238E27FC236}">
-                <a16:creationId xmlns:a16="http://schemas.microsoft.com/office/drawing/2014/main" id="{19AAB49A-6730-B2CF-9537-FF9551D4EB80}"/>
-              </a:ext>
-            </a:extLst>
-          </p:cNvPr>
-          <p:cNvSpPr>
-            <a:spLocks noGrp="1"/>
-          </p:cNvSpPr>
-          <p:nvPr>
-            <p:ph type="body" sz="quarter" idx="19"/>
-          </p:nvPr>
-        </p:nvSpPr>
-        <p:spPr/>
-        <p:txBody>
-          <a:bodyPr/>
-          <a:lstStyle/>
-          <a:p>
-            <a:r>
-              <a:rPr lang="en-US" dirty="0"/>
-              <a:t>VP Marketing</a:t>
-            </a:r>
-          </a:p>
-        </p:txBody>
-      </p:sp>
-      <p:sp>
-        <p:nvSpPr>
-          <p:cNvPr id="2" name="Footer Placeholder 1">
-            <a:extLst>
-              <a:ext uri="{FF2B5EF4-FFF2-40B4-BE49-F238E27FC236}">
-                <a16:creationId xmlns:a16="http://schemas.microsoft.com/office/drawing/2014/main" id="{23DFDBA5-4CFB-88D0-C90E-69D151F5BFCA}"/>
-              </a:ext>
-            </a:extLst>
-          </p:cNvPr>
-          <p:cNvSpPr>
-            <a:spLocks noGrp="1"/>
-          </p:cNvSpPr>
-          <p:nvPr>
-            <p:ph type="ftr" sz="quarter" idx="10"/>
-          </p:nvPr>
-        </p:nvSpPr>
-        <p:spPr/>
-        <p:txBody>
-          <a:bodyPr/>
-          <a:lstStyle/>
-          <a:p>
-            <a:r>
-              <a:rPr lang="en-US" dirty="0"/>
-              <a:t>Crypto: investing &amp; trading</a:t>
-            </a:r>
-          </a:p>
-        </p:txBody>
-      </p:sp>
-    </p:spTree>
-    <p:extLst>
-      <p:ext uri="{BB962C8B-B14F-4D97-AF65-F5344CB8AC3E}">
-        <p14:creationId xmlns:p14="http://schemas.microsoft.com/office/powerpoint/2010/main" val="1579562137"/>
-      </p:ext>
-    </p:extLst>
-  </p:cSld>
-  <p:clrMapOvr>
-    <a:masterClrMapping/>
-  </p:clrMapOvr>
-</p:sld>
-</file>
-
-<file path=ppt/slides/slide18.xml><?xml version="1.0" encoding="utf-8"?>
-<p:sld xmlns:a="http://schemas.openxmlformats.org/drawingml/2006/main" xmlns:r="http://schemas.openxmlformats.org/officeDocument/2006/relationships" xmlns:p="http://schemas.openxmlformats.org/presentationml/2006/main">
-  <p:cSld>
-    <p:spTree>
-      <p:nvGrpSpPr>
-        <p:cNvPr id="1" name=""/>
-        <p:cNvGrpSpPr/>
-        <p:nvPr/>
-      </p:nvGrpSpPr>
-      <p:grpSpPr>
-        <a:xfrm>
-          <a:off x="0" y="0"/>
-          <a:ext cx="0" cy="0"/>
-          <a:chOff x="0" y="0"/>
-          <a:chExt cx="0" cy="0"/>
-        </a:xfrm>
-      </p:grpSpPr>
-      <p:sp>
-        <p:nvSpPr>
-          <p:cNvPr id="33" name="Title 32">
-            <a:extLst>
-              <a:ext uri="{FF2B5EF4-FFF2-40B4-BE49-F238E27FC236}">
-                <a16:creationId xmlns:a16="http://schemas.microsoft.com/office/drawing/2014/main" id="{57144164-5503-9D11-4F68-81F4CD378333}"/>
-              </a:ext>
-            </a:extLst>
-          </p:cNvPr>
-          <p:cNvSpPr>
-            <a:spLocks noGrp="1"/>
-          </p:cNvSpPr>
-          <p:nvPr>
-            <p:ph type="title"/>
-          </p:nvPr>
-        </p:nvSpPr>
-        <p:spPr/>
-        <p:txBody>
-          <a:bodyPr/>
-          <a:lstStyle/>
-          <a:p>
-            <a:r>
-              <a:rPr lang="en-US" dirty="0"/>
-              <a:t>MEET OUR EXTENDED TEAM</a:t>
-            </a:r>
-          </a:p>
-        </p:txBody>
-      </p:sp>
-      <p:sp>
-        <p:nvSpPr>
-          <p:cNvPr id="11" name="Slide Number Placeholder 10">
-            <a:extLst>
-              <a:ext uri="{FF2B5EF4-FFF2-40B4-BE49-F238E27FC236}">
-                <a16:creationId xmlns:a16="http://schemas.microsoft.com/office/drawing/2014/main" id="{F02CA379-5C0D-5E21-B070-E880A01BB9A7}"/>
-              </a:ext>
-            </a:extLst>
-          </p:cNvPr>
-          <p:cNvSpPr>
-            <a:spLocks noGrp="1"/>
-          </p:cNvSpPr>
-          <p:nvPr>
-            <p:ph type="sldNum" sz="quarter" idx="11"/>
-          </p:nvPr>
-        </p:nvSpPr>
-        <p:spPr/>
-        <p:txBody>
-          <a:bodyPr/>
-          <a:lstStyle/>
-          <a:p>
-            <a:fld id="{294A09A9-5501-47C1-A89A-A340965A2BE2}" type="slidenum">
-              <a:rPr lang="en-US" smtClean="0"/>
-              <a:pPr/>
-              <a:t>18</a:t>
-            </a:fld>
-            <a:endParaRPr lang="en-US" dirty="0"/>
-          </a:p>
-        </p:txBody>
-      </p:sp>
-      <p:pic>
-        <p:nvPicPr>
-          <p:cNvPr id="16" name="Picture Placeholder 15" descr="Team member head shot&#10;">
-            <a:extLst>
-              <a:ext uri="{FF2B5EF4-FFF2-40B4-BE49-F238E27FC236}">
-                <a16:creationId xmlns:a16="http://schemas.microsoft.com/office/drawing/2014/main" id="{675FEA7C-5201-0219-EAA4-51C8A3B8185E}"/>
-              </a:ext>
-            </a:extLst>
-          </p:cNvPr>
-          <p:cNvPicPr>
-            <a:picLocks noGrp="1" noChangeAspect="1"/>
-          </p:cNvPicPr>
-          <p:nvPr>
-            <p:ph type="pic" sz="quarter" idx="20"/>
-          </p:nvPr>
-        </p:nvPicPr>
-        <p:blipFill rotWithShape="1">
-          <a:blip r:embed="rId2"/>
-          <a:srcRect/>
-          <a:stretch/>
-        </p:blipFill>
-        <p:spPr/>
-      </p:pic>
-      <p:sp>
-        <p:nvSpPr>
-          <p:cNvPr id="3" name="Text Placeholder 2">
-            <a:extLst>
-              <a:ext uri="{FF2B5EF4-FFF2-40B4-BE49-F238E27FC236}">
-                <a16:creationId xmlns:a16="http://schemas.microsoft.com/office/drawing/2014/main" id="{CFC225EB-9239-A8F4-48C2-D2E44A245C26}"/>
-              </a:ext>
-            </a:extLst>
-          </p:cNvPr>
-          <p:cNvSpPr>
-            <a:spLocks noGrp="1"/>
-          </p:cNvSpPr>
-          <p:nvPr>
-            <p:ph type="body" sz="quarter" idx="12"/>
-          </p:nvPr>
-        </p:nvSpPr>
-        <p:spPr/>
-        <p:txBody>
-          <a:bodyPr/>
-          <a:lstStyle/>
-          <a:p>
-            <a:r>
-              <a:rPr lang="en-US" dirty="0"/>
-              <a:t>Takuma Hayashi​</a:t>
-            </a:r>
-          </a:p>
-        </p:txBody>
-      </p:sp>
-      <p:sp>
-        <p:nvSpPr>
-          <p:cNvPr id="4" name="Text Placeholder 3">
-            <a:extLst>
-              <a:ext uri="{FF2B5EF4-FFF2-40B4-BE49-F238E27FC236}">
-                <a16:creationId xmlns:a16="http://schemas.microsoft.com/office/drawing/2014/main" id="{BF63BCC4-AF80-8D3B-413B-3F80C74503EE}"/>
-              </a:ext>
-            </a:extLst>
-          </p:cNvPr>
-          <p:cNvSpPr>
-            <a:spLocks noGrp="1"/>
-          </p:cNvSpPr>
-          <p:nvPr>
-            <p:ph type="body" sz="quarter" idx="13"/>
-          </p:nvPr>
-        </p:nvSpPr>
-        <p:spPr/>
-        <p:txBody>
-          <a:bodyPr/>
-          <a:lstStyle/>
-          <a:p>
-            <a:r>
-              <a:rPr lang="en-US" dirty="0"/>
-              <a:t>President</a:t>
-            </a:r>
-          </a:p>
-        </p:txBody>
-      </p:sp>
-      <p:pic>
-        <p:nvPicPr>
-          <p:cNvPr id="139" name="Picture Placeholder 138" descr="Team member head shot&#10;">
-            <a:extLst>
-              <a:ext uri="{FF2B5EF4-FFF2-40B4-BE49-F238E27FC236}">
-                <a16:creationId xmlns:a16="http://schemas.microsoft.com/office/drawing/2014/main" id="{40505ADD-6A41-FEA2-952B-68B8652C37DD}"/>
-              </a:ext>
-            </a:extLst>
-          </p:cNvPr>
-          <p:cNvPicPr>
-            <a:picLocks noGrp="1" noChangeAspect="1"/>
-          </p:cNvPicPr>
-          <p:nvPr>
-            <p:ph type="pic" sz="quarter" idx="24"/>
-          </p:nvPr>
-        </p:nvPicPr>
-        <p:blipFill rotWithShape="1">
-          <a:blip r:embed="rId3"/>
-          <a:srcRect/>
-          <a:stretch/>
-        </p:blipFill>
-        <p:spPr/>
-      </p:pic>
-      <p:sp>
-        <p:nvSpPr>
-          <p:cNvPr id="131" name="Text Placeholder 130">
-            <a:extLst>
-              <a:ext uri="{FF2B5EF4-FFF2-40B4-BE49-F238E27FC236}">
-                <a16:creationId xmlns:a16="http://schemas.microsoft.com/office/drawing/2014/main" id="{29B0FDD4-0C9D-9FEE-0CB5-5341E9A67D6A}"/>
-              </a:ext>
-            </a:extLst>
-          </p:cNvPr>
-          <p:cNvSpPr>
-            <a:spLocks noGrp="1"/>
-          </p:cNvSpPr>
-          <p:nvPr>
-            <p:ph type="body" sz="quarter" idx="28"/>
-          </p:nvPr>
-        </p:nvSpPr>
-        <p:spPr/>
-        <p:txBody>
-          <a:bodyPr/>
-          <a:lstStyle/>
-          <a:p>
-            <a:r>
-              <a:rPr lang="en-US" dirty="0"/>
-              <a:t>Graham Barnes</a:t>
-            </a:r>
-          </a:p>
-        </p:txBody>
-      </p:sp>
-      <p:sp>
-        <p:nvSpPr>
-          <p:cNvPr id="132" name="Text Placeholder 131">
-            <a:extLst>
-              <a:ext uri="{FF2B5EF4-FFF2-40B4-BE49-F238E27FC236}">
-                <a16:creationId xmlns:a16="http://schemas.microsoft.com/office/drawing/2014/main" id="{0E6B790C-A9A2-BF33-11DC-2AA2B45ADDDE}"/>
-              </a:ext>
-            </a:extLst>
-          </p:cNvPr>
-          <p:cNvSpPr>
-            <a:spLocks noGrp="1"/>
-          </p:cNvSpPr>
-          <p:nvPr>
-            <p:ph type="body" sz="quarter" idx="29"/>
-          </p:nvPr>
-        </p:nvSpPr>
-        <p:spPr/>
-        <p:txBody>
-          <a:bodyPr/>
-          <a:lstStyle/>
-          <a:p>
-            <a:r>
-              <a:rPr lang="en-US" dirty="0"/>
-              <a:t>VP Product</a:t>
-            </a:r>
-          </a:p>
-        </p:txBody>
-      </p:sp>
-      <p:pic>
-        <p:nvPicPr>
-          <p:cNvPr id="17" name="Picture Placeholder 16" descr="Team member head shot&#10;">
-            <a:extLst>
-              <a:ext uri="{FF2B5EF4-FFF2-40B4-BE49-F238E27FC236}">
-                <a16:creationId xmlns:a16="http://schemas.microsoft.com/office/drawing/2014/main" id="{8B1E138F-E5F8-7188-0E7F-C61CC315F3CA}"/>
-              </a:ext>
-            </a:extLst>
-          </p:cNvPr>
-          <p:cNvPicPr>
-            <a:picLocks noGrp="1" noChangeAspect="1"/>
-          </p:cNvPicPr>
-          <p:nvPr>
-            <p:ph type="pic" sz="quarter" idx="21"/>
-          </p:nvPr>
-        </p:nvPicPr>
-        <p:blipFill rotWithShape="1">
-          <a:blip r:embed="rId4"/>
-          <a:srcRect t="75" b="75"/>
-          <a:stretch/>
-        </p:blipFill>
-        <p:spPr/>
-      </p:pic>
-      <p:sp>
-        <p:nvSpPr>
-          <p:cNvPr id="5" name="Text Placeholder 4">
-            <a:extLst>
-              <a:ext uri="{FF2B5EF4-FFF2-40B4-BE49-F238E27FC236}">
-                <a16:creationId xmlns:a16="http://schemas.microsoft.com/office/drawing/2014/main" id="{664EAAE3-47A6-DF8C-088B-8353E312893A}"/>
-              </a:ext>
-            </a:extLst>
-          </p:cNvPr>
-          <p:cNvSpPr>
-            <a:spLocks noGrp="1"/>
-          </p:cNvSpPr>
-          <p:nvPr>
-            <p:ph type="body" sz="quarter" idx="14"/>
-          </p:nvPr>
-        </p:nvSpPr>
-        <p:spPr/>
-        <p:txBody>
-          <a:bodyPr/>
-          <a:lstStyle/>
-          <a:p>
-            <a:r>
-              <a:rPr lang="en-US" dirty="0"/>
-              <a:t>Mirjam Nilsson​</a:t>
-            </a:r>
-          </a:p>
-        </p:txBody>
-      </p:sp>
-      <p:sp>
-        <p:nvSpPr>
-          <p:cNvPr id="6" name="Text Placeholder 5">
-            <a:extLst>
-              <a:ext uri="{FF2B5EF4-FFF2-40B4-BE49-F238E27FC236}">
-                <a16:creationId xmlns:a16="http://schemas.microsoft.com/office/drawing/2014/main" id="{8E956031-A8E2-FF88-2769-10FEB7B754A7}"/>
-              </a:ext>
-            </a:extLst>
-          </p:cNvPr>
-          <p:cNvSpPr>
-            <a:spLocks noGrp="1"/>
-          </p:cNvSpPr>
-          <p:nvPr>
-            <p:ph type="body" sz="quarter" idx="15"/>
-          </p:nvPr>
-        </p:nvSpPr>
-        <p:spPr/>
-        <p:txBody>
-          <a:bodyPr/>
-          <a:lstStyle/>
-          <a:p>
-            <a:r>
-              <a:rPr lang="en-US" dirty="0"/>
-              <a:t>Chief Executive Officer</a:t>
-            </a:r>
-          </a:p>
-        </p:txBody>
-      </p:sp>
-      <p:pic>
-        <p:nvPicPr>
-          <p:cNvPr id="140" name="Picture Placeholder 139" descr="Team member head shot&#10;">
-            <a:extLst>
-              <a:ext uri="{FF2B5EF4-FFF2-40B4-BE49-F238E27FC236}">
-                <a16:creationId xmlns:a16="http://schemas.microsoft.com/office/drawing/2014/main" id="{DAE46AC2-4E04-644A-503C-188DFB2C3463}"/>
-              </a:ext>
-            </a:extLst>
-          </p:cNvPr>
-          <p:cNvPicPr>
-            <a:picLocks noGrp="1" noChangeAspect="1"/>
-          </p:cNvPicPr>
-          <p:nvPr>
-            <p:ph type="pic" sz="quarter" idx="25"/>
-          </p:nvPr>
-        </p:nvPicPr>
-        <p:blipFill rotWithShape="1">
-          <a:blip r:embed="rId5"/>
-          <a:srcRect t="75" b="75"/>
-          <a:stretch/>
-        </p:blipFill>
-        <p:spPr/>
-      </p:pic>
-      <p:sp>
-        <p:nvSpPr>
-          <p:cNvPr id="133" name="Text Placeholder 132">
-            <a:extLst>
-              <a:ext uri="{FF2B5EF4-FFF2-40B4-BE49-F238E27FC236}">
-                <a16:creationId xmlns:a16="http://schemas.microsoft.com/office/drawing/2014/main" id="{F73428BF-556B-39B3-A2E1-A3479B7A4368}"/>
-              </a:ext>
-            </a:extLst>
-          </p:cNvPr>
-          <p:cNvSpPr>
-            <a:spLocks noGrp="1"/>
-          </p:cNvSpPr>
-          <p:nvPr>
-            <p:ph type="body" sz="quarter" idx="30"/>
-          </p:nvPr>
-        </p:nvSpPr>
-        <p:spPr/>
-        <p:txBody>
-          <a:bodyPr/>
-          <a:lstStyle/>
-          <a:p>
-            <a:r>
-              <a:rPr lang="en-US" dirty="0"/>
-              <a:t>Rowan Murphy</a:t>
-            </a:r>
-          </a:p>
-        </p:txBody>
-      </p:sp>
-      <p:sp>
-        <p:nvSpPr>
-          <p:cNvPr id="134" name="Text Placeholder 133">
-            <a:extLst>
-              <a:ext uri="{FF2B5EF4-FFF2-40B4-BE49-F238E27FC236}">
-                <a16:creationId xmlns:a16="http://schemas.microsoft.com/office/drawing/2014/main" id="{3519B91A-73EE-B2B8-4875-2C6A0113D333}"/>
-              </a:ext>
-            </a:extLst>
-          </p:cNvPr>
-          <p:cNvSpPr>
-            <a:spLocks noGrp="1"/>
-          </p:cNvSpPr>
-          <p:nvPr>
-            <p:ph type="body" sz="quarter" idx="31"/>
-          </p:nvPr>
-        </p:nvSpPr>
-        <p:spPr/>
-        <p:txBody>
-          <a:bodyPr/>
-          <a:lstStyle/>
-          <a:p>
-            <a:r>
-              <a:rPr lang="en-US" dirty="0"/>
-              <a:t>SEO Strategist</a:t>
-            </a:r>
-          </a:p>
-        </p:txBody>
-      </p:sp>
-      <p:pic>
-        <p:nvPicPr>
-          <p:cNvPr id="18" name="Picture Placeholder 17" descr="Team member head shot&#10;">
-            <a:extLst>
-              <a:ext uri="{FF2B5EF4-FFF2-40B4-BE49-F238E27FC236}">
-                <a16:creationId xmlns:a16="http://schemas.microsoft.com/office/drawing/2014/main" id="{F4608F53-148D-4D2F-6672-8A90E230C68A}"/>
-              </a:ext>
-            </a:extLst>
-          </p:cNvPr>
-          <p:cNvPicPr>
-            <a:picLocks noGrp="1" noChangeAspect="1"/>
-          </p:cNvPicPr>
-          <p:nvPr>
-            <p:ph type="pic" sz="quarter" idx="22"/>
-          </p:nvPr>
-        </p:nvPicPr>
-        <p:blipFill rotWithShape="1">
-          <a:blip r:embed="rId6"/>
-          <a:srcRect t="75" b="75"/>
-          <a:stretch/>
-        </p:blipFill>
-        <p:spPr/>
-      </p:pic>
-      <p:sp>
-        <p:nvSpPr>
-          <p:cNvPr id="7" name="Text Placeholder 6">
-            <a:extLst>
-              <a:ext uri="{FF2B5EF4-FFF2-40B4-BE49-F238E27FC236}">
-                <a16:creationId xmlns:a16="http://schemas.microsoft.com/office/drawing/2014/main" id="{24AD9EB9-CF0D-0D70-D541-05E1A813D00F}"/>
-              </a:ext>
-            </a:extLst>
-          </p:cNvPr>
-          <p:cNvSpPr>
-            <a:spLocks noGrp="1"/>
-          </p:cNvSpPr>
-          <p:nvPr>
-            <p:ph type="body" sz="quarter" idx="16"/>
-          </p:nvPr>
-        </p:nvSpPr>
-        <p:spPr/>
-        <p:txBody>
-          <a:bodyPr/>
-          <a:lstStyle/>
-          <a:p>
-            <a:r>
-              <a:rPr lang="en-US" dirty="0"/>
-              <a:t>Flora Berggren​</a:t>
-            </a:r>
-          </a:p>
-        </p:txBody>
-      </p:sp>
-      <p:sp>
-        <p:nvSpPr>
-          <p:cNvPr id="8" name="Text Placeholder 7">
-            <a:extLst>
-              <a:ext uri="{FF2B5EF4-FFF2-40B4-BE49-F238E27FC236}">
-                <a16:creationId xmlns:a16="http://schemas.microsoft.com/office/drawing/2014/main" id="{869DE758-CE4B-6136-04AE-85B544CA6F5B}"/>
-              </a:ext>
-            </a:extLst>
-          </p:cNvPr>
-          <p:cNvSpPr>
-            <a:spLocks noGrp="1"/>
-          </p:cNvSpPr>
-          <p:nvPr>
-            <p:ph type="body" sz="quarter" idx="17"/>
-          </p:nvPr>
-        </p:nvSpPr>
-        <p:spPr/>
-        <p:txBody>
-          <a:bodyPr/>
-          <a:lstStyle/>
-          <a:p>
-            <a:r>
-              <a:rPr lang="en-US" dirty="0"/>
-              <a:t>Chief Operations Officer</a:t>
-            </a:r>
-          </a:p>
-        </p:txBody>
-      </p:sp>
-      <p:pic>
-        <p:nvPicPr>
-          <p:cNvPr id="141" name="Picture Placeholder 140" descr="Team member head shot&#10;">
-            <a:extLst>
-              <a:ext uri="{FF2B5EF4-FFF2-40B4-BE49-F238E27FC236}">
-                <a16:creationId xmlns:a16="http://schemas.microsoft.com/office/drawing/2014/main" id="{105B8828-F685-63DD-6F9F-62F8A8DA6D06}"/>
-              </a:ext>
-            </a:extLst>
-          </p:cNvPr>
-          <p:cNvPicPr>
-            <a:picLocks noGrp="1" noChangeAspect="1"/>
-          </p:cNvPicPr>
-          <p:nvPr>
-            <p:ph type="pic" sz="quarter" idx="26"/>
-          </p:nvPr>
-        </p:nvPicPr>
-        <p:blipFill rotWithShape="1">
-          <a:blip r:embed="rId7"/>
-          <a:srcRect l="291" r="291"/>
-          <a:stretch/>
-        </p:blipFill>
-        <p:spPr/>
-      </p:pic>
-      <p:sp>
-        <p:nvSpPr>
-          <p:cNvPr id="135" name="Text Placeholder 134">
-            <a:extLst>
-              <a:ext uri="{FF2B5EF4-FFF2-40B4-BE49-F238E27FC236}">
-                <a16:creationId xmlns:a16="http://schemas.microsoft.com/office/drawing/2014/main" id="{747BF9B3-DF8F-789C-9AF6-94771E1AF5FE}"/>
-              </a:ext>
-            </a:extLst>
-          </p:cNvPr>
-          <p:cNvSpPr>
-            <a:spLocks noGrp="1"/>
-          </p:cNvSpPr>
-          <p:nvPr>
-            <p:ph type="body" sz="quarter" idx="32"/>
-          </p:nvPr>
-        </p:nvSpPr>
-        <p:spPr/>
-        <p:txBody>
-          <a:bodyPr/>
-          <a:lstStyle/>
-          <a:p>
-            <a:r>
-              <a:rPr lang="en-US" dirty="0"/>
-              <a:t>Elizabeth Moore</a:t>
-            </a:r>
-          </a:p>
-        </p:txBody>
-      </p:sp>
-      <p:sp>
-        <p:nvSpPr>
-          <p:cNvPr id="136" name="Text Placeholder 135">
-            <a:extLst>
-              <a:ext uri="{FF2B5EF4-FFF2-40B4-BE49-F238E27FC236}">
-                <a16:creationId xmlns:a16="http://schemas.microsoft.com/office/drawing/2014/main" id="{A2297428-B6BC-F5B5-C82D-3BC4408EC576}"/>
-              </a:ext>
-            </a:extLst>
-          </p:cNvPr>
-          <p:cNvSpPr>
-            <a:spLocks noGrp="1"/>
-          </p:cNvSpPr>
-          <p:nvPr>
-            <p:ph type="body" sz="quarter" idx="33"/>
-          </p:nvPr>
-        </p:nvSpPr>
-        <p:spPr/>
-        <p:txBody>
-          <a:bodyPr/>
-          <a:lstStyle/>
-          <a:p>
-            <a:r>
-              <a:rPr lang="en-US" dirty="0"/>
-              <a:t>Product Designer</a:t>
-            </a:r>
-          </a:p>
-        </p:txBody>
-      </p:sp>
-      <p:pic>
-        <p:nvPicPr>
-          <p:cNvPr id="19" name="Picture Placeholder 18" descr="Team member head shot&#10;">
-            <a:extLst>
-              <a:ext uri="{FF2B5EF4-FFF2-40B4-BE49-F238E27FC236}">
-                <a16:creationId xmlns:a16="http://schemas.microsoft.com/office/drawing/2014/main" id="{34C21939-A4DB-0F96-83D8-AD8FFB45359F}"/>
-              </a:ext>
-            </a:extLst>
-          </p:cNvPr>
-          <p:cNvPicPr>
-            <a:picLocks noGrp="1" noChangeAspect="1"/>
-          </p:cNvPicPr>
-          <p:nvPr>
-            <p:ph type="pic" sz="quarter" idx="23"/>
-          </p:nvPr>
-        </p:nvPicPr>
-        <p:blipFill rotWithShape="1">
-          <a:blip r:embed="rId8"/>
-          <a:srcRect l="99" r="99"/>
-          <a:stretch/>
-        </p:blipFill>
-        <p:spPr/>
-      </p:pic>
-      <p:sp>
-        <p:nvSpPr>
-          <p:cNvPr id="9" name="Text Placeholder 8">
-            <a:extLst>
-              <a:ext uri="{FF2B5EF4-FFF2-40B4-BE49-F238E27FC236}">
-                <a16:creationId xmlns:a16="http://schemas.microsoft.com/office/drawing/2014/main" id="{22A99FBE-9850-5F5D-04D9-E3A83DEEA928}"/>
-              </a:ext>
-            </a:extLst>
-          </p:cNvPr>
-          <p:cNvSpPr>
-            <a:spLocks noGrp="1"/>
-          </p:cNvSpPr>
-          <p:nvPr>
-            <p:ph type="body" sz="quarter" idx="18"/>
-          </p:nvPr>
-        </p:nvSpPr>
-        <p:spPr/>
-        <p:txBody>
-          <a:bodyPr/>
-          <a:lstStyle/>
-          <a:p>
-            <a:r>
-              <a:rPr lang="en-US" dirty="0"/>
-              <a:t>Rajesh Santoshi​</a:t>
-            </a:r>
-          </a:p>
-        </p:txBody>
-      </p:sp>
-      <p:sp>
-        <p:nvSpPr>
-          <p:cNvPr id="10" name="Text Placeholder 9">
-            <a:extLst>
-              <a:ext uri="{FF2B5EF4-FFF2-40B4-BE49-F238E27FC236}">
-                <a16:creationId xmlns:a16="http://schemas.microsoft.com/office/drawing/2014/main" id="{19AAB49A-6730-B2CF-9537-FF9551D4EB80}"/>
-              </a:ext>
-            </a:extLst>
-          </p:cNvPr>
-          <p:cNvSpPr>
-            <a:spLocks noGrp="1"/>
-          </p:cNvSpPr>
-          <p:nvPr>
-            <p:ph type="body" sz="quarter" idx="19"/>
-          </p:nvPr>
-        </p:nvSpPr>
-        <p:spPr/>
-        <p:txBody>
-          <a:bodyPr/>
-          <a:lstStyle/>
-          <a:p>
-            <a:r>
-              <a:rPr lang="en-US" dirty="0"/>
-              <a:t>VP Marketing</a:t>
-            </a:r>
-          </a:p>
-        </p:txBody>
-      </p:sp>
-      <p:pic>
-        <p:nvPicPr>
-          <p:cNvPr id="142" name="Picture Placeholder 141" descr="Team member head shot&#10;">
-            <a:extLst>
-              <a:ext uri="{FF2B5EF4-FFF2-40B4-BE49-F238E27FC236}">
-                <a16:creationId xmlns:a16="http://schemas.microsoft.com/office/drawing/2014/main" id="{E6A455C2-70F1-6DAE-26E6-C7AAE0CFA814}"/>
-              </a:ext>
-            </a:extLst>
-          </p:cNvPr>
-          <p:cNvPicPr>
-            <a:picLocks noGrp="1" noChangeAspect="1"/>
-          </p:cNvPicPr>
-          <p:nvPr>
-            <p:ph type="pic" sz="quarter" idx="27"/>
-          </p:nvPr>
-        </p:nvPicPr>
-        <p:blipFill rotWithShape="1">
-          <a:blip r:embed="rId9"/>
-          <a:srcRect l="291" r="291"/>
-          <a:stretch/>
-        </p:blipFill>
-        <p:spPr/>
-      </p:pic>
-      <p:sp>
-        <p:nvSpPr>
-          <p:cNvPr id="137" name="Text Placeholder 136">
-            <a:extLst>
-              <a:ext uri="{FF2B5EF4-FFF2-40B4-BE49-F238E27FC236}">
-                <a16:creationId xmlns:a16="http://schemas.microsoft.com/office/drawing/2014/main" id="{651B92A3-1DB6-8A7F-09B7-C7969D53FB3A}"/>
-              </a:ext>
-            </a:extLst>
-          </p:cNvPr>
-          <p:cNvSpPr>
-            <a:spLocks noGrp="1"/>
-          </p:cNvSpPr>
-          <p:nvPr>
-            <p:ph type="body" sz="quarter" idx="34"/>
-          </p:nvPr>
-        </p:nvSpPr>
-        <p:spPr/>
-        <p:txBody>
-          <a:bodyPr/>
-          <a:lstStyle/>
-          <a:p>
-            <a:r>
-              <a:rPr lang="en-US" dirty="0"/>
-              <a:t>Robin Kline</a:t>
-            </a:r>
-          </a:p>
-        </p:txBody>
-      </p:sp>
-      <p:sp>
-        <p:nvSpPr>
-          <p:cNvPr id="138" name="Text Placeholder 137">
-            <a:extLst>
-              <a:ext uri="{FF2B5EF4-FFF2-40B4-BE49-F238E27FC236}">
-                <a16:creationId xmlns:a16="http://schemas.microsoft.com/office/drawing/2014/main" id="{462B07C6-5B4D-AB97-3376-C4F8BFC2C143}"/>
-              </a:ext>
-            </a:extLst>
-          </p:cNvPr>
-          <p:cNvSpPr>
-            <a:spLocks noGrp="1"/>
-          </p:cNvSpPr>
-          <p:nvPr>
-            <p:ph type="body" sz="quarter" idx="35"/>
-          </p:nvPr>
-        </p:nvSpPr>
-        <p:spPr/>
-        <p:txBody>
-          <a:bodyPr/>
-          <a:lstStyle/>
-          <a:p>
-            <a:r>
-              <a:rPr lang="en-US" dirty="0"/>
-              <a:t>Content Developer</a:t>
-            </a:r>
-          </a:p>
-        </p:txBody>
-      </p:sp>
-      <p:sp>
-        <p:nvSpPr>
-          <p:cNvPr id="2" name="Footer Placeholder 1">
-            <a:extLst>
-              <a:ext uri="{FF2B5EF4-FFF2-40B4-BE49-F238E27FC236}">
-                <a16:creationId xmlns:a16="http://schemas.microsoft.com/office/drawing/2014/main" id="{E0C0AB0C-E0B6-7838-D865-2AB638122FD9}"/>
-              </a:ext>
-            </a:extLst>
-          </p:cNvPr>
-          <p:cNvSpPr>
-            <a:spLocks noGrp="1"/>
-          </p:cNvSpPr>
-          <p:nvPr>
-            <p:ph type="ftr" sz="quarter" idx="10"/>
-          </p:nvPr>
-        </p:nvSpPr>
-        <p:spPr/>
-        <p:txBody>
-          <a:bodyPr/>
-          <a:lstStyle/>
-          <a:p>
-            <a:r>
-              <a:rPr lang="en-US" dirty="0"/>
-              <a:t>Crypto: investing &amp; trading</a:t>
-            </a:r>
-          </a:p>
-        </p:txBody>
-      </p:sp>
-    </p:spTree>
-    <p:extLst>
-      <p:ext uri="{BB962C8B-B14F-4D97-AF65-F5344CB8AC3E}">
-        <p14:creationId xmlns:p14="http://schemas.microsoft.com/office/powerpoint/2010/main" val="840605972"/>
-      </p:ext>
-    </p:extLst>
-  </p:cSld>
-  <p:clrMapOvr>
-    <a:masterClrMapping/>
-  </p:clrMapOvr>
-</p:sld>
-</file>
-
-<file path=ppt/slides/slide19.xml><?xml version="1.0" encoding="utf-8"?>
-<p:sld xmlns:a="http://schemas.openxmlformats.org/drawingml/2006/main" xmlns:r="http://schemas.openxmlformats.org/officeDocument/2006/relationships" xmlns:p="http://schemas.openxmlformats.org/presentationml/2006/main">
-  <p:cSld>
-    <p:spTree>
-      <p:nvGrpSpPr>
-        <p:cNvPr id="1" name=""/>
-        <p:cNvGrpSpPr/>
-        <p:nvPr/>
-      </p:nvGrpSpPr>
-      <p:grpSpPr>
-        <a:xfrm>
-          <a:off x="0" y="0"/>
-          <a:ext cx="0" cy="0"/>
-          <a:chOff x="0" y="0"/>
-          <a:chExt cx="0" cy="0"/>
-        </a:xfrm>
-      </p:grpSpPr>
-      <p:sp>
-        <p:nvSpPr>
-          <p:cNvPr id="2" name="Title 1">
-            <a:extLst>
-              <a:ext uri="{FF2B5EF4-FFF2-40B4-BE49-F238E27FC236}">
-                <a16:creationId xmlns:a16="http://schemas.microsoft.com/office/drawing/2014/main" id="{48C5BC92-868A-26B2-CBC0-C9D94E65F1A4}"/>
-              </a:ext>
-            </a:extLst>
-          </p:cNvPr>
-          <p:cNvSpPr>
-            <a:spLocks noGrp="1"/>
-          </p:cNvSpPr>
-          <p:nvPr>
-            <p:ph type="ctrTitle"/>
-          </p:nvPr>
-        </p:nvSpPr>
-        <p:spPr/>
-        <p:txBody>
-          <a:bodyPr/>
-          <a:lstStyle/>
-          <a:p>
-            <a:r>
-              <a:rPr lang="en-US" sz="4000" b="1" spc="600" dirty="0">
-                <a:ln w="28575">
-                  <a:noFill/>
-                  <a:prstDash val="solid"/>
-                </a:ln>
-                <a:solidFill>
-                  <a:schemeClr val="bg1"/>
-                </a:solidFill>
-                <a:latin typeface="Tw Cen MT" panose="020B0602020104020603" pitchFamily="34" charset="77"/>
-                <a:ea typeface="Verdana" panose="020B0604030504040204" pitchFamily="34" charset="0"/>
-                <a:cs typeface="Verdana" panose="020B0604030504040204" pitchFamily="34" charset="0"/>
-              </a:rPr>
-              <a:t>SUMMARY</a:t>
-            </a:r>
-            <a:endParaRPr lang="en-US" dirty="0"/>
-          </a:p>
-        </p:txBody>
-      </p:sp>
-      <p:sp>
-        <p:nvSpPr>
-          <p:cNvPr id="3" name="Subtitle 2">
-            <a:extLst>
-              <a:ext uri="{FF2B5EF4-FFF2-40B4-BE49-F238E27FC236}">
-                <a16:creationId xmlns:a16="http://schemas.microsoft.com/office/drawing/2014/main" id="{6F9C1627-7A56-025E-482D-E2AB014EDF92}"/>
-              </a:ext>
-            </a:extLst>
-          </p:cNvPr>
-          <p:cNvSpPr>
-            <a:spLocks noGrp="1"/>
-          </p:cNvSpPr>
-          <p:nvPr>
-            <p:ph type="subTitle" idx="1"/>
-          </p:nvPr>
-        </p:nvSpPr>
-        <p:spPr/>
-        <p:txBody>
-          <a:bodyPr/>
-          <a:lstStyle/>
-          <a:p>
-            <a:r>
-              <a:rPr lang="en-US" sz="1800" dirty="0">
+              <a:rPr lang="en-US" sz="2400" dirty="0">
                 <a:solidFill>
                   <a:schemeClr val="bg1"/>
                 </a:solidFill>
                 <a:latin typeface="Segoe UI Light" panose="020B0502040204020203" pitchFamily="34" charset="0"/>
-                <a:ea typeface="+mn-lt"/>
                 <a:cs typeface="Segoe UI Light" panose="020B0502040204020203" pitchFamily="34" charset="0"/>
               </a:rPr>
-              <a:t>At Krypto Logics, we believe in giving 110%. By using our next-generation data architecture, we help investors virtually manage their portfolios. We thrive because of our market knowledge and great team. As our CEO says, "Efficiencies will come from proactively transforming how we do business."</a:t>
-            </a:r>
-          </a:p>
-          <a:p>
-            <a:endParaRPr lang="en-US" dirty="0"/>
-          </a:p>
-        </p:txBody>
-      </p:sp>
+              <a:t>Grateful for your time and attention.</a:t>
+            </a:r>
+            <a:br>
+              <a:rPr lang="en-US" sz="2400" dirty="0">
+                <a:solidFill>
+                  <a:schemeClr val="bg1"/>
+                </a:solidFill>
+                <a:latin typeface="Segoe UI Light" panose="020B0502040204020203" pitchFamily="34" charset="0"/>
+                <a:cs typeface="Segoe UI Light" panose="020B0502040204020203" pitchFamily="34" charset="0"/>
+              </a:rPr>
+            </a:br>
+            <a:r>
+              <a:rPr lang="en-US" sz="2400" dirty="0">
+                <a:solidFill>
+                  <a:schemeClr val="bg1"/>
+                </a:solidFill>
+                <a:latin typeface="Segoe UI Light" panose="020B0502040204020203" pitchFamily="34" charset="0"/>
+                <a:cs typeface="Segoe UI Light" panose="020B0502040204020203" pitchFamily="34" charset="0"/>
+              </a:rPr>
+              <a:t>Your feedback and insights are deeply appreciated!</a:t>
+            </a:r>
+          </a:p>
+          <a:p>
+            <a:endParaRPr lang="en-IN" dirty="0"/>
+          </a:p>
+        </p:txBody>
+      </p:sp>
+      <p:pic>
+        <p:nvPicPr>
+          <p:cNvPr id="6" name="Picture 5">
+            <a:extLst>
+              <a:ext uri="{FF2B5EF4-FFF2-40B4-BE49-F238E27FC236}">
+                <a16:creationId xmlns:a16="http://schemas.microsoft.com/office/drawing/2014/main" id="{9EFB4FD6-27BC-5AD2-7A55-F7BA2D023782}"/>
+              </a:ext>
+            </a:extLst>
+          </p:cNvPr>
+          <p:cNvPicPr>
+            <a:picLocks noChangeAspect="1"/>
+          </p:cNvPicPr>
+          <p:nvPr/>
+        </p:nvPicPr>
+        <p:blipFill>
+          <a:blip r:embed="rId2"/>
+          <a:stretch>
+            <a:fillRect/>
+          </a:stretch>
+        </p:blipFill>
+        <p:spPr>
+          <a:xfrm>
+            <a:off x="393192" y="1157232"/>
+            <a:ext cx="3307976" cy="4961964"/>
+          </a:xfrm>
+          <a:prstGeom prst="ellipse">
+            <a:avLst/>
+          </a:prstGeom>
+          <a:ln>
+            <a:noFill/>
+          </a:ln>
+          <a:effectLst>
+            <a:softEdge rad="112500"/>
+          </a:effectLst>
+        </p:spPr>
+      </p:pic>
     </p:spTree>
     <p:extLst>
       <p:ext uri="{BB962C8B-B14F-4D97-AF65-F5344CB8AC3E}">
-        <p14:creationId xmlns:p14="http://schemas.microsoft.com/office/powerpoint/2010/main" val="1958759625"/>
+        <p14:creationId xmlns:p14="http://schemas.microsoft.com/office/powerpoint/2010/main" val="1877701230"/>
       </p:ext>
     </p:extLst>
   </p:cSld>
@@ -24848,139 +18221,6 @@
     <p:extLst>
       <p:ext uri="{BB962C8B-B14F-4D97-AF65-F5344CB8AC3E}">
         <p14:creationId xmlns:p14="http://schemas.microsoft.com/office/powerpoint/2010/main" val="3548027083"/>
-      </p:ext>
-    </p:extLst>
-  </p:cSld>
-  <p:clrMapOvr>
-    <a:masterClrMapping/>
-  </p:clrMapOvr>
-</p:sld>
-</file>
-
-<file path=ppt/slides/slide20.xml><?xml version="1.0" encoding="utf-8"?>
-<p:sld xmlns:a="http://schemas.openxmlformats.org/drawingml/2006/main" xmlns:r="http://schemas.openxmlformats.org/officeDocument/2006/relationships" xmlns:p="http://schemas.openxmlformats.org/presentationml/2006/main">
-  <p:cSld>
-    <p:spTree>
-      <p:nvGrpSpPr>
-        <p:cNvPr id="1" name=""/>
-        <p:cNvGrpSpPr/>
-        <p:nvPr/>
-      </p:nvGrpSpPr>
-      <p:grpSpPr>
-        <a:xfrm>
-          <a:off x="0" y="0"/>
-          <a:ext cx="0" cy="0"/>
-          <a:chOff x="0" y="0"/>
-          <a:chExt cx="0" cy="0"/>
-        </a:xfrm>
-      </p:grpSpPr>
-      <p:sp>
-        <p:nvSpPr>
-          <p:cNvPr id="2" name="Title 1">
-            <a:extLst>
-              <a:ext uri="{FF2B5EF4-FFF2-40B4-BE49-F238E27FC236}">
-                <a16:creationId xmlns:a16="http://schemas.microsoft.com/office/drawing/2014/main" id="{2C9E1892-81E6-551C-7B5A-DEA68224520B}"/>
-              </a:ext>
-            </a:extLst>
-          </p:cNvPr>
-          <p:cNvSpPr>
-            <a:spLocks noGrp="1"/>
-          </p:cNvSpPr>
-          <p:nvPr>
-            <p:ph type="title"/>
-          </p:nvPr>
-        </p:nvSpPr>
-        <p:spPr/>
-        <p:txBody>
-          <a:bodyPr/>
-          <a:lstStyle/>
-          <a:p>
-            <a:r>
-              <a:rPr lang="en-US" sz="4800" b="1" spc="600" dirty="0">
-                <a:ln w="28575">
-                  <a:noFill/>
-                  <a:prstDash val="solid"/>
-                </a:ln>
-                <a:solidFill>
-                  <a:schemeClr val="bg1"/>
-                </a:solidFill>
-                <a:latin typeface="Tw Cen MT" panose="020B0602020104020603" pitchFamily="34" charset="77"/>
-              </a:rPr>
-              <a:t>THANK YOU</a:t>
-            </a:r>
-            <a:endParaRPr lang="en-US" dirty="0"/>
-          </a:p>
-        </p:txBody>
-      </p:sp>
-      <p:sp>
-        <p:nvSpPr>
-          <p:cNvPr id="3" name="Text Placeholder 2">
-            <a:extLst>
-              <a:ext uri="{FF2B5EF4-FFF2-40B4-BE49-F238E27FC236}">
-                <a16:creationId xmlns:a16="http://schemas.microsoft.com/office/drawing/2014/main" id="{55519D01-29BE-BE76-41C5-9D58AD8119DC}"/>
-              </a:ext>
-            </a:extLst>
-          </p:cNvPr>
-          <p:cNvSpPr>
-            <a:spLocks noGrp="1"/>
-          </p:cNvSpPr>
-          <p:nvPr>
-            <p:ph type="body" idx="1"/>
-          </p:nvPr>
-        </p:nvSpPr>
-        <p:spPr/>
-        <p:txBody>
-          <a:bodyPr/>
-          <a:lstStyle/>
-          <a:p>
-            <a:pPr algn="l"/>
-            <a:r>
-              <a:rPr lang="en-US" dirty="0">
-                <a:latin typeface="Segoe UI Light" panose="020B0502040204020203" pitchFamily="34" charset="0"/>
-                <a:cs typeface="Segoe UI Light" panose="020B0502040204020203" pitchFamily="34" charset="0"/>
-              </a:rPr>
-              <a:t>Mirjam Nilsson​</a:t>
-            </a:r>
-          </a:p>
-          <a:p>
-            <a:pPr algn="l"/>
-            <a:r>
-              <a:rPr lang="en-US" dirty="0">
-                <a:latin typeface="Segoe UI Light" panose="020B0502040204020203" pitchFamily="34" charset="0"/>
-                <a:cs typeface="Segoe UI Light" panose="020B0502040204020203" pitchFamily="34" charset="0"/>
-              </a:rPr>
-              <a:t>mirjam@greatsiteaddress.com </a:t>
-            </a:r>
-            <a:endParaRPr lang="en-US" dirty="0">
-              <a:latin typeface="Segoe UI Light" panose="020B0502040204020203" pitchFamily="34" charset="0"/>
-              <a:ea typeface="Calibri"/>
-              <a:cs typeface="Segoe UI Light" panose="020B0502040204020203" pitchFamily="34" charset="0"/>
-            </a:endParaRPr>
-          </a:p>
-          <a:p>
-            <a:pPr algn="l"/>
-            <a:r>
-              <a:rPr lang="en-US" dirty="0">
-                <a:latin typeface="Segoe UI Light" panose="020B0502040204020203" pitchFamily="34" charset="0"/>
-                <a:cs typeface="Segoe UI Light" panose="020B0502040204020203" pitchFamily="34" charset="0"/>
-              </a:rPr>
-              <a:t>www.greatsiteaddress.com </a:t>
-            </a:r>
-            <a:endParaRPr lang="en-US" dirty="0">
-              <a:latin typeface="Segoe UI Light" panose="020B0502040204020203" pitchFamily="34" charset="0"/>
-              <a:ea typeface="Calibri" panose="020F0502020204030204"/>
-              <a:cs typeface="Segoe UI Light" panose="020B0502040204020203" pitchFamily="34" charset="0"/>
-            </a:endParaRPr>
-          </a:p>
-          <a:p>
-            <a:endParaRPr lang="en-US" dirty="0"/>
-          </a:p>
-        </p:txBody>
-      </p:sp>
-    </p:spTree>
-    <p:extLst>
-      <p:ext uri="{BB962C8B-B14F-4D97-AF65-F5344CB8AC3E}">
-        <p14:creationId xmlns:p14="http://schemas.microsoft.com/office/powerpoint/2010/main" val="1877701230"/>
       </p:ext>
     </p:extLst>
   </p:cSld>
@@ -26804,7 +20044,7 @@
           <a:lstStyle/>
           <a:p>
             <a:r>
-              <a:rPr lang="en-IN" sz="4400" kern="0" spc="-94">
+              <a:rPr lang="en-IN" sz="4400" kern="0" spc="-94" dirty="0">
                 <a:solidFill>
                   <a:srgbClr val="FFC000"/>
                 </a:solidFill>
@@ -27018,7 +20258,7 @@
           <p:cNvPr id="2" name="Title 1">
             <a:extLst>
               <a:ext uri="{FF2B5EF4-FFF2-40B4-BE49-F238E27FC236}">
-                <a16:creationId xmlns:a16="http://schemas.microsoft.com/office/drawing/2014/main" id="{F41F0E99-07CC-9576-AFD7-C52151AD0EA3}"/>
+                <a16:creationId xmlns:a16="http://schemas.microsoft.com/office/drawing/2014/main" id="{55288656-7DB8-DE16-6522-0A0B354EF5CC}"/>
               </a:ext>
             </a:extLst>
           </p:cNvPr>
@@ -27026,27 +20266,45 @@
             <a:spLocks noGrp="1"/>
           </p:cNvSpPr>
           <p:nvPr>
-            <p:ph type="ctrTitle"/>
+            <p:ph type="title"/>
           </p:nvPr>
         </p:nvSpPr>
-        <p:spPr/>
+        <p:spPr>
+          <a:xfrm>
+            <a:off x="5175863" y="32004"/>
+            <a:ext cx="5644537" cy="1069848"/>
+          </a:xfrm>
+        </p:spPr>
         <p:txBody>
           <a:bodyPr/>
           <a:lstStyle/>
           <a:p>
             <a:r>
-              <a:rPr lang="en-US" dirty="0"/>
-              <a:t>INTRODUCTION</a:t>
-            </a:r>
-          </a:p>
-        </p:txBody>
-      </p:sp>
-      <p:sp>
-        <p:nvSpPr>
-          <p:cNvPr id="3" name="Subtitle 2">
-            <a:extLst>
-              <a:ext uri="{FF2B5EF4-FFF2-40B4-BE49-F238E27FC236}">
-                <a16:creationId xmlns:a16="http://schemas.microsoft.com/office/drawing/2014/main" id="{5A82A8B0-333F-633E-3FA7-D38DBFB10971}"/>
+              <a:rPr lang="en-IN" sz="4400" kern="0" spc="-94" dirty="0">
+                <a:solidFill>
+                  <a:srgbClr val="FFC000"/>
+                </a:solidFill>
+                <a:effectLst>
+                  <a:outerShdw blurRad="38100" dist="38100" dir="2700000" algn="tl">
+                    <a:srgbClr val="000000">
+                      <a:alpha val="43137"/>
+                    </a:srgbClr>
+                  </a:outerShdw>
+                </a:effectLst>
+                <a:latin typeface="Britannic Bold" panose="020B0903060703020204" pitchFamily="34" charset="0"/>
+                <a:ea typeface="Petrona Bold" pitchFamily="34" charset="-122"/>
+              </a:rPr>
+              <a:t>Model Comparison</a:t>
+            </a:r>
+          </a:p>
+        </p:txBody>
+      </p:sp>
+      <p:sp>
+        <p:nvSpPr>
+          <p:cNvPr id="3" name="Footer Placeholder 2">
+            <a:extLst>
+              <a:ext uri="{FF2B5EF4-FFF2-40B4-BE49-F238E27FC236}">
+                <a16:creationId xmlns:a16="http://schemas.microsoft.com/office/drawing/2014/main" id="{5D4C5C04-E267-15CC-5028-65B2CE63EEDA}"/>
               </a:ext>
             </a:extLst>
           </p:cNvPr>
@@ -27054,7 +20312,7 @@
             <a:spLocks noGrp="1"/>
           </p:cNvSpPr>
           <p:nvPr>
-            <p:ph type="subTitle" idx="1"/>
+            <p:ph type="ftr" sz="quarter" idx="11"/>
           </p:nvPr>
         </p:nvSpPr>
         <p:spPr/>
@@ -27063,19 +20321,250 @@
           <a:lstStyle/>
           <a:p>
             <a:r>
-              <a:rPr lang="en-US" dirty="0"/>
-              <a:t>At Krypto Logics, we empower investors to maximize their portfolios to help them meet their financial goals responsibly. By offering customized and sophisticated strategies, we help clients' portfolios grow organically and foster a trusted consumer-consultant relationship.</a:t>
-            </a:r>
-          </a:p>
-          <a:p>
+              <a:rPr lang="en-US"/>
+              <a:t>Crypto: investing &amp; trading</a:t>
+            </a:r>
             <a:endParaRPr lang="en-US" dirty="0"/>
+          </a:p>
+        </p:txBody>
+      </p:sp>
+      <p:sp>
+        <p:nvSpPr>
+          <p:cNvPr id="4" name="Slide Number Placeholder 3">
+            <a:extLst>
+              <a:ext uri="{FF2B5EF4-FFF2-40B4-BE49-F238E27FC236}">
+                <a16:creationId xmlns:a16="http://schemas.microsoft.com/office/drawing/2014/main" id="{8C9E9E47-D9F4-C60B-1864-F5CA97AA4001}"/>
+              </a:ext>
+            </a:extLst>
+          </p:cNvPr>
+          <p:cNvSpPr>
+            <a:spLocks noGrp="1"/>
+          </p:cNvSpPr>
+          <p:nvPr>
+            <p:ph type="sldNum" sz="quarter" idx="12"/>
+          </p:nvPr>
+        </p:nvSpPr>
+        <p:spPr/>
+        <p:txBody>
+          <a:bodyPr/>
+          <a:lstStyle/>
+          <a:p>
+            <a:fld id="{294A09A9-5501-47C1-A89A-A340965A2BE2}" type="slidenum">
+              <a:rPr lang="en-US" smtClean="0"/>
+              <a:t>8</a:t>
+            </a:fld>
+            <a:endParaRPr lang="en-US" dirty="0"/>
+          </a:p>
+        </p:txBody>
+      </p:sp>
+      <p:pic>
+        <p:nvPicPr>
+          <p:cNvPr id="6" name="Picture 5">
+            <a:extLst>
+              <a:ext uri="{FF2B5EF4-FFF2-40B4-BE49-F238E27FC236}">
+                <a16:creationId xmlns:a16="http://schemas.microsoft.com/office/drawing/2014/main" id="{5E649C4B-8EC3-703B-CBB9-93B9B0866C09}"/>
+              </a:ext>
+            </a:extLst>
+          </p:cNvPr>
+          <p:cNvPicPr>
+            <a:picLocks noChangeAspect="1"/>
+          </p:cNvPicPr>
+          <p:nvPr/>
+        </p:nvPicPr>
+        <p:blipFill>
+          <a:blip r:embed="rId2"/>
+          <a:stretch>
+            <a:fillRect/>
+          </a:stretch>
+        </p:blipFill>
+        <p:spPr>
+          <a:xfrm>
+            <a:off x="0" y="-26894"/>
+            <a:ext cx="4572000" cy="6858000"/>
+          </a:xfrm>
+          <a:prstGeom prst="rect">
+            <a:avLst/>
+          </a:prstGeom>
+        </p:spPr>
+      </p:pic>
+      <p:sp>
+        <p:nvSpPr>
+          <p:cNvPr id="7" name="TextBox 6">
+            <a:extLst>
+              <a:ext uri="{FF2B5EF4-FFF2-40B4-BE49-F238E27FC236}">
+                <a16:creationId xmlns:a16="http://schemas.microsoft.com/office/drawing/2014/main" id="{10244317-779B-659A-48D3-453EA5851699}"/>
+              </a:ext>
+            </a:extLst>
+          </p:cNvPr>
+          <p:cNvSpPr txBox="1"/>
+          <p:nvPr/>
+        </p:nvSpPr>
+        <p:spPr>
+          <a:xfrm>
+            <a:off x="5269992" y="1101852"/>
+            <a:ext cx="5850725" cy="3847207"/>
+          </a:xfrm>
+          <a:prstGeom prst="rect">
+            <a:avLst/>
+          </a:prstGeom>
+          <a:noFill/>
+        </p:spPr>
+        <p:txBody>
+          <a:bodyPr wrap="square" rtlCol="0">
+            <a:spAutoFit/>
+          </a:bodyPr>
+          <a:lstStyle/>
+          <a:p>
+            <a:r>
+              <a:rPr lang="en-IN" sz="3200" b="1" dirty="0">
+                <a:solidFill>
+                  <a:schemeClr val="bg1"/>
+                </a:solidFill>
+                <a:effectLst>
+                  <a:outerShdw blurRad="38100" dist="38100" dir="2700000" algn="tl">
+                    <a:srgbClr val="000000">
+                      <a:alpha val="43137"/>
+                    </a:srgbClr>
+                  </a:outerShdw>
+                </a:effectLst>
+              </a:rPr>
+              <a:t>Performance Metrics (R2 Score):</a:t>
+            </a:r>
+          </a:p>
+          <a:p>
+            <a:pPr marL="342900" indent="-342900">
+              <a:buFont typeface="Arial" panose="020B0604020202020204" pitchFamily="34" charset="0"/>
+              <a:buChar char="•"/>
+            </a:pPr>
+            <a:r>
+              <a:rPr lang="en-IN" sz="2400" dirty="0">
+                <a:solidFill>
+                  <a:schemeClr val="bg1"/>
+                </a:solidFill>
+              </a:rPr>
+              <a:t>Random Forest:0.992 (Best)</a:t>
+            </a:r>
+          </a:p>
+          <a:p>
+            <a:pPr marL="342900" indent="-342900">
+              <a:buFont typeface="Arial" panose="020B0604020202020204" pitchFamily="34" charset="0"/>
+              <a:buChar char="•"/>
+            </a:pPr>
+            <a:r>
+              <a:rPr lang="en-IN" sz="2400" dirty="0">
+                <a:solidFill>
+                  <a:schemeClr val="bg1"/>
+                </a:solidFill>
+              </a:rPr>
+              <a:t>Gradient Boosting: 0.991</a:t>
+            </a:r>
+          </a:p>
+          <a:p>
+            <a:pPr marL="342900" indent="-342900">
+              <a:buFont typeface="Arial" panose="020B0604020202020204" pitchFamily="34" charset="0"/>
+              <a:buChar char="•"/>
+            </a:pPr>
+            <a:r>
+              <a:rPr lang="en-IN" sz="2400" dirty="0">
+                <a:solidFill>
+                  <a:schemeClr val="bg1"/>
+                </a:solidFill>
+              </a:rPr>
+              <a:t>Decision Tree:0.983. </a:t>
+            </a:r>
+          </a:p>
+          <a:p>
+            <a:pPr marL="342900" indent="-342900">
+              <a:buFont typeface="Arial" panose="020B0604020202020204" pitchFamily="34" charset="0"/>
+              <a:buChar char="•"/>
+            </a:pPr>
+            <a:r>
+              <a:rPr lang="en-IN" sz="2400" dirty="0">
+                <a:solidFill>
+                  <a:schemeClr val="bg1"/>
+                </a:solidFill>
+              </a:rPr>
+              <a:t>Linear Regression:0.789. </a:t>
+            </a:r>
+          </a:p>
+          <a:p>
+            <a:endParaRPr lang="en-IN" dirty="0">
+              <a:solidFill>
+                <a:schemeClr val="bg1"/>
+              </a:solidFill>
+            </a:endParaRPr>
+          </a:p>
+          <a:p>
+            <a:endParaRPr lang="en-IN" dirty="0">
+              <a:solidFill>
+                <a:schemeClr val="bg1"/>
+              </a:solidFill>
+            </a:endParaRPr>
+          </a:p>
+          <a:p>
+            <a:r>
+              <a:rPr lang="en-US" sz="3200" b="1" dirty="0">
+                <a:solidFill>
+                  <a:schemeClr val="bg1"/>
+                </a:solidFill>
+                <a:effectLst>
+                  <a:outerShdw blurRad="38100" dist="38100" dir="2700000" algn="tl">
+                    <a:srgbClr val="000000">
+                      <a:alpha val="43137"/>
+                    </a:srgbClr>
+                  </a:outerShdw>
+                </a:effectLst>
+              </a:rPr>
+              <a:t>Why Random Forest?</a:t>
+            </a:r>
+          </a:p>
+          <a:p>
+            <a:pPr marL="285750" indent="-285750">
+              <a:buFont typeface="Arial" panose="020B0604020202020204" pitchFamily="34" charset="0"/>
+              <a:buChar char="•"/>
+            </a:pPr>
+            <a:r>
+              <a:rPr lang="en-US" dirty="0">
+                <a:solidFill>
+                  <a:schemeClr val="bg1"/>
+                </a:solidFill>
+              </a:rPr>
+              <a:t>  </a:t>
+            </a:r>
+            <a:r>
+              <a:rPr lang="en-US" sz="2400" dirty="0">
+                <a:solidFill>
+                  <a:schemeClr val="bg1"/>
+                </a:solidFill>
+              </a:rPr>
+              <a:t>Handles non-linear relationships.  </a:t>
+            </a:r>
+          </a:p>
+          <a:p>
+            <a:pPr marL="285750" indent="-285750">
+              <a:buFont typeface="Arial" panose="020B0604020202020204" pitchFamily="34" charset="0"/>
+              <a:buChar char="•"/>
+            </a:pPr>
+            <a:r>
+              <a:rPr lang="en-US" sz="2400" dirty="0">
+                <a:solidFill>
+                  <a:schemeClr val="bg1"/>
+                </a:solidFill>
+              </a:rPr>
+              <a:t>  Robust to outliers. </a:t>
+            </a:r>
+            <a:endParaRPr lang="en-IN" sz="2400" dirty="0">
+              <a:solidFill>
+                <a:schemeClr val="bg1"/>
+              </a:solidFill>
+            </a:endParaRPr>
           </a:p>
         </p:txBody>
       </p:sp>
     </p:spTree>
     <p:extLst>
       <p:ext uri="{BB962C8B-B14F-4D97-AF65-F5344CB8AC3E}">
-        <p14:creationId xmlns:p14="http://schemas.microsoft.com/office/powerpoint/2010/main" val="3380759881"/>
+        <p14:creationId xmlns:p14="http://schemas.microsoft.com/office/powerpoint/2010/main" val="2448094641"/>
       </p:ext>
     </p:extLst>
   </p:cSld>
@@ -27107,7 +20596,7 @@
           <p:cNvPr id="2" name="Title 1">
             <a:extLst>
               <a:ext uri="{FF2B5EF4-FFF2-40B4-BE49-F238E27FC236}">
-                <a16:creationId xmlns:a16="http://schemas.microsoft.com/office/drawing/2014/main" id="{797310B5-D907-A977-7A9C-69F8BEB7BB3F}"/>
+                <a16:creationId xmlns:a16="http://schemas.microsoft.com/office/drawing/2014/main" id="{72D9094A-928E-A062-1AE9-A69CC5F208E9}"/>
               </a:ext>
             </a:extLst>
           </p:cNvPr>
@@ -27115,27 +20604,45 @@
             <a:spLocks noGrp="1"/>
           </p:cNvSpPr>
           <p:nvPr>
-            <p:ph type="ctrTitle"/>
+            <p:ph type="title"/>
           </p:nvPr>
         </p:nvSpPr>
-        <p:spPr/>
+        <p:spPr>
+          <a:xfrm>
+            <a:off x="850392" y="294221"/>
+            <a:ext cx="5510067" cy="1069848"/>
+          </a:xfrm>
+        </p:spPr>
         <p:txBody>
           <a:bodyPr/>
           <a:lstStyle/>
           <a:p>
             <a:r>
-              <a:rPr lang="en-US" dirty="0"/>
-              <a:t>TRADING &amp; INVESTING</a:t>
-            </a:r>
-          </a:p>
-        </p:txBody>
-      </p:sp>
-      <p:sp>
-        <p:nvSpPr>
-          <p:cNvPr id="3" name="Subtitle 2">
-            <a:extLst>
-              <a:ext uri="{FF2B5EF4-FFF2-40B4-BE49-F238E27FC236}">
-                <a16:creationId xmlns:a16="http://schemas.microsoft.com/office/drawing/2014/main" id="{C05FF0B8-5B51-7376-0271-8D849CA3F8A8}"/>
+              <a:rPr lang="en-IN" sz="4400" kern="0" spc="-94" dirty="0">
+                <a:solidFill>
+                  <a:srgbClr val="FFC000"/>
+                </a:solidFill>
+                <a:effectLst>
+                  <a:outerShdw blurRad="38100" dist="38100" dir="2700000" algn="tl">
+                    <a:srgbClr val="000000">
+                      <a:alpha val="43137"/>
+                    </a:srgbClr>
+                  </a:outerShdw>
+                </a:effectLst>
+                <a:latin typeface="Britannic Bold" panose="020B0903060703020204" pitchFamily="34" charset="0"/>
+                <a:ea typeface="Petrona Bold" pitchFamily="34" charset="-122"/>
+              </a:rPr>
+              <a:t>Model Evaluation</a:t>
+            </a:r>
+          </a:p>
+        </p:txBody>
+      </p:sp>
+      <p:sp>
+        <p:nvSpPr>
+          <p:cNvPr id="3" name="Footer Placeholder 2">
+            <a:extLst>
+              <a:ext uri="{FF2B5EF4-FFF2-40B4-BE49-F238E27FC236}">
+                <a16:creationId xmlns:a16="http://schemas.microsoft.com/office/drawing/2014/main" id="{DE5E2938-D9CC-131B-4814-08231ECC640C}"/>
               </a:ext>
             </a:extLst>
           </p:cNvPr>
@@ -27143,7 +20650,7 @@
             <a:spLocks noGrp="1"/>
           </p:cNvSpPr>
           <p:nvPr>
-            <p:ph type="subTitle" idx="1"/>
+            <p:ph type="ftr" sz="quarter" idx="11"/>
           </p:nvPr>
         </p:nvSpPr>
         <p:spPr/>
@@ -27152,8 +20659,221 @@
           <a:lstStyle/>
           <a:p>
             <a:r>
-              <a:rPr lang="en-US" dirty="0"/>
-              <a:t>Crypto can be complicated but getting started doesn’t have to be</a:t>
+              <a:rPr lang="en-US"/>
+              <a:t>Crypto: investing &amp; trading</a:t>
+            </a:r>
+            <a:endParaRPr lang="en-US" dirty="0"/>
+          </a:p>
+        </p:txBody>
+      </p:sp>
+      <p:sp>
+        <p:nvSpPr>
+          <p:cNvPr id="4" name="Slide Number Placeholder 3">
+            <a:extLst>
+              <a:ext uri="{FF2B5EF4-FFF2-40B4-BE49-F238E27FC236}">
+                <a16:creationId xmlns:a16="http://schemas.microsoft.com/office/drawing/2014/main" id="{D9141119-86E6-CEB2-14F3-EBFD384D417D}"/>
+              </a:ext>
+            </a:extLst>
+          </p:cNvPr>
+          <p:cNvSpPr>
+            <a:spLocks noGrp="1"/>
+          </p:cNvSpPr>
+          <p:nvPr>
+            <p:ph type="sldNum" sz="quarter" idx="12"/>
+          </p:nvPr>
+        </p:nvSpPr>
+        <p:spPr/>
+        <p:txBody>
+          <a:bodyPr/>
+          <a:lstStyle/>
+          <a:p>
+            <a:fld id="{294A09A9-5501-47C1-A89A-A340965A2BE2}" type="slidenum">
+              <a:rPr lang="en-US" smtClean="0"/>
+              <a:t>9</a:t>
+            </a:fld>
+            <a:endParaRPr lang="en-US" dirty="0"/>
+          </a:p>
+        </p:txBody>
+      </p:sp>
+      <p:pic>
+        <p:nvPicPr>
+          <p:cNvPr id="6" name="Picture 5">
+            <a:extLst>
+              <a:ext uri="{FF2B5EF4-FFF2-40B4-BE49-F238E27FC236}">
+                <a16:creationId xmlns:a16="http://schemas.microsoft.com/office/drawing/2014/main" id="{957BCC85-EE22-182F-4906-D21916E92862}"/>
+              </a:ext>
+            </a:extLst>
+          </p:cNvPr>
+          <p:cNvPicPr>
+            <a:picLocks noChangeAspect="1"/>
+          </p:cNvPicPr>
+          <p:nvPr/>
+        </p:nvPicPr>
+        <p:blipFill>
+          <a:blip r:embed="rId2"/>
+          <a:srcRect l="15772" t="30971" r="27096" b="5712"/>
+          <a:stretch/>
+        </p:blipFill>
+        <p:spPr>
+          <a:xfrm>
+            <a:off x="6947838" y="376385"/>
+            <a:ext cx="4885573" cy="3044146"/>
+          </a:xfrm>
+          <a:prstGeom prst="rect">
+            <a:avLst/>
+          </a:prstGeom>
+        </p:spPr>
+      </p:pic>
+      <p:pic>
+        <p:nvPicPr>
+          <p:cNvPr id="8" name="Picture 7">
+            <a:extLst>
+              <a:ext uri="{FF2B5EF4-FFF2-40B4-BE49-F238E27FC236}">
+                <a16:creationId xmlns:a16="http://schemas.microsoft.com/office/drawing/2014/main" id="{8704EA1F-2CDC-ADA6-BBC6-4944D6502263}"/>
+              </a:ext>
+            </a:extLst>
+          </p:cNvPr>
+          <p:cNvPicPr>
+            <a:picLocks noChangeAspect="1"/>
+          </p:cNvPicPr>
+          <p:nvPr/>
+        </p:nvPicPr>
+        <p:blipFill>
+          <a:blip r:embed="rId3"/>
+          <a:srcRect l="15883" t="37052" r="26654"/>
+          <a:stretch/>
+        </p:blipFill>
+        <p:spPr>
+          <a:xfrm>
+            <a:off x="6902078" y="3650816"/>
+            <a:ext cx="4942728" cy="3044146"/>
+          </a:xfrm>
+          <a:prstGeom prst="rect">
+            <a:avLst/>
+          </a:prstGeom>
+        </p:spPr>
+      </p:pic>
+      <p:sp>
+        <p:nvSpPr>
+          <p:cNvPr id="9" name="TextBox 8">
+            <a:extLst>
+              <a:ext uri="{FF2B5EF4-FFF2-40B4-BE49-F238E27FC236}">
+                <a16:creationId xmlns:a16="http://schemas.microsoft.com/office/drawing/2014/main" id="{7B2ED54B-DAF9-609C-26B3-1D0A216B3B32}"/>
+              </a:ext>
+            </a:extLst>
+          </p:cNvPr>
+          <p:cNvSpPr txBox="1"/>
+          <p:nvPr/>
+        </p:nvSpPr>
+        <p:spPr>
+          <a:xfrm>
+            <a:off x="1116106" y="1364069"/>
+            <a:ext cx="4652682" cy="3847207"/>
+          </a:xfrm>
+          <a:prstGeom prst="rect">
+            <a:avLst/>
+          </a:prstGeom>
+          <a:noFill/>
+        </p:spPr>
+        <p:txBody>
+          <a:bodyPr wrap="square" rtlCol="0">
+            <a:spAutoFit/>
+          </a:bodyPr>
+          <a:lstStyle/>
+          <a:p>
+            <a:r>
+              <a:rPr lang="en-IN" sz="3200" b="1" dirty="0">
+                <a:solidFill>
+                  <a:schemeClr val="bg1"/>
+                </a:solidFill>
+                <a:effectLst>
+                  <a:outerShdw blurRad="38100" dist="38100" dir="2700000" algn="tl">
+                    <a:srgbClr val="000000">
+                      <a:alpha val="43137"/>
+                    </a:srgbClr>
+                  </a:outerShdw>
+                </a:effectLst>
+              </a:rPr>
+              <a:t>Visualizations:</a:t>
+            </a:r>
+          </a:p>
+          <a:p>
+            <a:pPr marL="285750" indent="-285750">
+              <a:buFont typeface="Arial" panose="020B0604020202020204" pitchFamily="34" charset="0"/>
+              <a:buChar char="•"/>
+            </a:pPr>
+            <a:r>
+              <a:rPr lang="en-US" sz="2400" dirty="0">
+                <a:solidFill>
+                  <a:schemeClr val="bg1"/>
+                </a:solidFill>
+              </a:rPr>
+              <a:t>Actual vs. Predicted Prices: Near-perfect diagonal line.</a:t>
+            </a:r>
+          </a:p>
+          <a:p>
+            <a:pPr marL="285750" indent="-285750">
+              <a:buFont typeface="Arial" panose="020B0604020202020204" pitchFamily="34" charset="0"/>
+              <a:buChar char="•"/>
+            </a:pPr>
+            <a:r>
+              <a:rPr lang="en-US" sz="2400" dirty="0">
+                <a:solidFill>
+                  <a:schemeClr val="bg1"/>
+                </a:solidFill>
+              </a:rPr>
+              <a:t>Residual Plot: Errors centered around zero (no bias).</a:t>
+            </a:r>
+          </a:p>
+          <a:p>
+            <a:endParaRPr lang="en-US" dirty="0"/>
+          </a:p>
+          <a:p>
+            <a:endParaRPr lang="en-US" dirty="0"/>
+          </a:p>
+          <a:p>
+            <a:r>
+              <a:rPr lang="en-IN" sz="3200" b="1" dirty="0">
+                <a:solidFill>
+                  <a:schemeClr val="bg1"/>
+                </a:solidFill>
+                <a:effectLst>
+                  <a:outerShdw blurRad="38100" dist="38100" dir="2700000" algn="tl">
+                    <a:srgbClr val="000000">
+                      <a:alpha val="43137"/>
+                    </a:srgbClr>
+                  </a:outerShdw>
+                </a:effectLst>
+              </a:rPr>
+              <a:t>Metrics:</a:t>
+            </a:r>
+          </a:p>
+          <a:p>
+            <a:pPr marL="285750" indent="-285750">
+              <a:buFont typeface="Arial" panose="020B0604020202020204" pitchFamily="34" charset="0"/>
+              <a:buChar char="•"/>
+            </a:pPr>
+            <a:r>
+              <a:rPr lang="en-IN" sz="2400" dirty="0">
+                <a:solidFill>
+                  <a:schemeClr val="bg1"/>
+                </a:solidFill>
+              </a:rPr>
+              <a:t>MAE: Rs. 299. </a:t>
+            </a:r>
+          </a:p>
+          <a:p>
+            <a:pPr marL="285750" indent="-285750">
+              <a:buFont typeface="Arial" panose="020B0604020202020204" pitchFamily="34" charset="0"/>
+              <a:buChar char="•"/>
+            </a:pPr>
+            <a:r>
+              <a:rPr lang="en-IN" sz="2400" dirty="0">
+                <a:solidFill>
+                  <a:schemeClr val="bg1"/>
+                </a:solidFill>
+              </a:rPr>
+              <a:t>RMSE: Rs. 657. </a:t>
             </a:r>
           </a:p>
         </p:txBody>
@@ -27161,7 +20881,7 @@
     </p:spTree>
     <p:extLst>
       <p:ext uri="{BB962C8B-B14F-4D97-AF65-F5344CB8AC3E}">
-        <p14:creationId xmlns:p14="http://schemas.microsoft.com/office/powerpoint/2010/main" val="548476299"/>
+        <p14:creationId xmlns:p14="http://schemas.microsoft.com/office/powerpoint/2010/main" val="268939866"/>
       </p:ext>
     </p:extLst>
   </p:cSld>
@@ -27668,15 +21388,6 @@
 </file>
 
 <file path=customXml/item1.xml><?xml version="1.0" encoding="utf-8"?>
-<?mso-contentType ?>
-<FormTemplates xmlns="http://schemas.microsoft.com/sharepoint/v3/contenttype/forms">
-  <Display>DocumentLibraryForm</Display>
-  <Edit>DocumentLibraryForm</Edit>
-  <New>DocumentLibraryForm</New>
-</FormTemplates>
-</file>
-
-<file path=customXml/item2.xml><?xml version="1.0" encoding="utf-8"?>
 <p:properties xmlns:p="http://schemas.microsoft.com/office/2006/metadata/properties" xmlns:xsi="http://www.w3.org/2001/XMLSchema-instance" xmlns:pc="http://schemas.microsoft.com/office/infopath/2007/PartnerControls">
   <documentManagement>
     <_ip_UnifiedCompliancePolicyUIAction xmlns="http://schemas.microsoft.com/sharepoint/v3" xsi:nil="true"/>
@@ -27694,6 +21405,15 @@
     <MediaServiceKeyPoints xmlns="71af3243-3dd4-4a8d-8c0d-dd76da1f02a5" xsi:nil="true"/>
   </documentManagement>
 </p:properties>
+</file>
+
+<file path=customXml/item2.xml><?xml version="1.0" encoding="utf-8"?>
+<?mso-contentType ?>
+<FormTemplates xmlns="http://schemas.microsoft.com/sharepoint/v3/contenttype/forms">
+  <Display>DocumentLibraryForm</Display>
+  <Edit>DocumentLibraryForm</Edit>
+  <New>DocumentLibraryForm</New>
+</FormTemplates>
 </file>
 
 <file path=customXml/item3.xml><?xml version="1.0" encoding="utf-8"?>
@@ -27991,14 +21711,6 @@
 </file>
 
 <file path=customXml/itemProps1.xml><?xml version="1.0" encoding="utf-8"?>
-<ds:datastoreItem xmlns:ds="http://schemas.openxmlformats.org/officeDocument/2006/customXml" ds:itemID="{4F1F1912-3146-44AF-A389-9E8B77BB3688}">
-  <ds:schemaRefs>
-    <ds:schemaRef ds:uri="http://schemas.microsoft.com/sharepoint/v3/contenttype/forms"/>
-  </ds:schemaRefs>
-</ds:datastoreItem>
-</file>
-
-<file path=customXml/itemProps2.xml><?xml version="1.0" encoding="utf-8"?>
 <ds:datastoreItem xmlns:ds="http://schemas.openxmlformats.org/officeDocument/2006/customXml" ds:itemID="{F8B8ECF1-2A9D-464C-AFE8-2B3295D0BF97}">
   <ds:schemaRefs>
     <ds:schemaRef ds:uri="http://schemas.microsoft.com/office/2006/metadata/properties"/>
@@ -28006,6 +21718,14 @@
     <ds:schemaRef ds:uri="http://schemas.microsoft.com/sharepoint/v3"/>
     <ds:schemaRef ds:uri="71af3243-3dd4-4a8d-8c0d-dd76da1f02a5"/>
     <ds:schemaRef ds:uri="230e9df3-be65-4c73-a93b-d1236ebd677e"/>
+  </ds:schemaRefs>
+</ds:datastoreItem>
+</file>
+
+<file path=customXml/itemProps2.xml><?xml version="1.0" encoding="utf-8"?>
+<ds:datastoreItem xmlns:ds="http://schemas.openxmlformats.org/officeDocument/2006/customXml" ds:itemID="{4F1F1912-3146-44AF-A389-9E8B77BB3688}">
+  <ds:schemaRefs>
+    <ds:schemaRef ds:uri="http://schemas.microsoft.com/sharepoint/v3/contenttype/forms"/>
   </ds:schemaRefs>
 </ds:datastoreItem>
 </file>

--- a/ppt.pptx
+++ b/ppt.pptx
@@ -220,7 +220,7 @@
           <a:p>
             <a:fld id="{3F00BCFC-AFFD-334C-A183-6116BAFDF92B}" type="datetimeFigureOut">
               <a:rPr lang="en-US" smtClean="0"/>
-              <a:t>5/20/2025</a:t>
+              <a:t>5/21/2025</a:t>
             </a:fld>
             <a:endParaRPr lang="en-US" dirty="0"/>
           </a:p>
@@ -17243,6 +17243,18 @@
   <p:clrMapOvr>
     <a:masterClrMapping/>
   </p:clrMapOvr>
+  <mc:AlternateContent xmlns:mc="http://schemas.openxmlformats.org/markup-compatibility/2006">
+    <mc:Choice xmlns:p15="http://schemas.microsoft.com/office/powerpoint/2012/main" Requires="p15">
+      <p:transition xmlns:p14="http://schemas.microsoft.com/office/powerpoint/2010/main" spd="slow" p14:dur="1250">
+        <p15:prstTrans prst="pageCurlDouble"/>
+      </p:transition>
+    </mc:Choice>
+    <mc:Fallback>
+      <p:transition spd="slow">
+        <p:fade/>
+      </p:transition>
+    </mc:Fallback>
+  </mc:AlternateContent>
 </p:sld>
 </file>
 
@@ -17538,6 +17550,18 @@
   <p:clrMapOvr>
     <a:masterClrMapping/>
   </p:clrMapOvr>
+  <mc:AlternateContent xmlns:mc="http://schemas.openxmlformats.org/markup-compatibility/2006">
+    <mc:Choice xmlns:p15="http://schemas.microsoft.com/office/powerpoint/2012/main" Requires="p15">
+      <p:transition xmlns:p14="http://schemas.microsoft.com/office/powerpoint/2010/main" spd="slow" p14:dur="1250">
+        <p15:prstTrans prst="pageCurlDouble"/>
+      </p:transition>
+    </mc:Choice>
+    <mc:Fallback>
+      <p:transition spd="slow">
+        <p:fade/>
+      </p:transition>
+    </mc:Fallback>
+  </mc:AlternateContent>
 </p:sld>
 </file>
 
@@ -17645,6 +17669,18 @@
   <p:clrMapOvr>
     <a:masterClrMapping/>
   </p:clrMapOvr>
+  <mc:AlternateContent xmlns:mc="http://schemas.openxmlformats.org/markup-compatibility/2006">
+    <mc:Choice xmlns:p15="http://schemas.microsoft.com/office/powerpoint/2012/main" Requires="p15">
+      <p:transition xmlns:p14="http://schemas.microsoft.com/office/powerpoint/2010/main" spd="slow" p14:dur="1250">
+        <p15:prstTrans prst="pageCurlDouble"/>
+      </p:transition>
+    </mc:Choice>
+    <mc:Fallback>
+      <p:transition spd="slow">
+        <p:fade/>
+      </p:transition>
+    </mc:Fallback>
+  </mc:AlternateContent>
 </p:sld>
 </file>
 
@@ -17878,6 +17914,18 @@
   <p:clrMapOvr>
     <a:masterClrMapping/>
   </p:clrMapOvr>
+  <mc:AlternateContent xmlns:mc="http://schemas.openxmlformats.org/markup-compatibility/2006">
+    <mc:Choice xmlns:p15="http://schemas.microsoft.com/office/powerpoint/2012/main" Requires="p15">
+      <p:transition xmlns:p14="http://schemas.microsoft.com/office/powerpoint/2010/main" spd="slow" p14:dur="1250">
+        <p15:prstTrans prst="pageCurlDouble"/>
+      </p:transition>
+    </mc:Choice>
+    <mc:Fallback>
+      <p:transition spd="slow">
+        <p:fade/>
+      </p:transition>
+    </mc:Fallback>
+  </mc:AlternateContent>
 </p:sld>
 </file>
 
@@ -18227,6 +18275,18 @@
   <p:clrMapOvr>
     <a:masterClrMapping/>
   </p:clrMapOvr>
+  <mc:AlternateContent xmlns:mc="http://schemas.openxmlformats.org/markup-compatibility/2006">
+    <mc:Choice xmlns:p15="http://schemas.microsoft.com/office/powerpoint/2012/main" Requires="p15">
+      <p:transition xmlns:p14="http://schemas.microsoft.com/office/powerpoint/2010/main" spd="slow" p14:dur="1250">
+        <p15:prstTrans prst="pageCurlDouble"/>
+      </p:transition>
+    </mc:Choice>
+    <mc:Fallback>
+      <p:transition spd="slow">
+        <p:fade/>
+      </p:transition>
+    </mc:Fallback>
+  </mc:AlternateContent>
 </p:sld>
 </file>
 
@@ -18661,6 +18721,18 @@
   <p:clrMapOvr>
     <a:masterClrMapping/>
   </p:clrMapOvr>
+  <mc:AlternateContent xmlns:mc="http://schemas.openxmlformats.org/markup-compatibility/2006">
+    <mc:Choice xmlns:p15="http://schemas.microsoft.com/office/powerpoint/2012/main" Requires="p15">
+      <p:transition xmlns:p14="http://schemas.microsoft.com/office/powerpoint/2010/main" spd="slow" p14:dur="1250">
+        <p15:prstTrans prst="pageCurlDouble"/>
+      </p:transition>
+    </mc:Choice>
+    <mc:Fallback>
+      <p:transition spd="slow">
+        <p:fade/>
+      </p:transition>
+    </mc:Fallback>
+  </mc:AlternateContent>
 </p:sld>
 </file>
 
@@ -19145,6 +19217,18 @@
   <p:clrMapOvr>
     <a:masterClrMapping/>
   </p:clrMapOvr>
+  <mc:AlternateContent xmlns:mc="http://schemas.openxmlformats.org/markup-compatibility/2006">
+    <mc:Choice xmlns:p15="http://schemas.microsoft.com/office/powerpoint/2012/main" Requires="p15">
+      <p:transition xmlns:p14="http://schemas.microsoft.com/office/powerpoint/2010/main" spd="slow" p14:dur="1250">
+        <p15:prstTrans prst="pageCurlDouble"/>
+      </p:transition>
+    </mc:Choice>
+    <mc:Fallback>
+      <p:transition spd="slow">
+        <p:fade/>
+      </p:transition>
+    </mc:Fallback>
+  </mc:AlternateContent>
 </p:sld>
 </file>
 
@@ -19557,6 +19641,18 @@
   <p:clrMapOvr>
     <a:masterClrMapping/>
   </p:clrMapOvr>
+  <mc:AlternateContent xmlns:mc="http://schemas.openxmlformats.org/markup-compatibility/2006">
+    <mc:Choice xmlns:p15="http://schemas.microsoft.com/office/powerpoint/2012/main" Requires="p15">
+      <p:transition xmlns:p14="http://schemas.microsoft.com/office/powerpoint/2010/main" spd="slow" p14:dur="1250">
+        <p15:prstTrans prst="pageCurlDouble"/>
+      </p:transition>
+    </mc:Choice>
+    <mc:Fallback>
+      <p:transition spd="slow">
+        <p:fade/>
+      </p:transition>
+    </mc:Fallback>
+  </mc:AlternateContent>
 </p:sld>
 </file>
 
@@ -19939,6 +20035,18 @@
   <p:clrMapOvr>
     <a:masterClrMapping/>
   </p:clrMapOvr>
+  <mc:AlternateContent xmlns:mc="http://schemas.openxmlformats.org/markup-compatibility/2006">
+    <mc:Choice xmlns:p15="http://schemas.microsoft.com/office/powerpoint/2012/main" Requires="p15">
+      <p:transition xmlns:p14="http://schemas.microsoft.com/office/powerpoint/2010/main" spd="slow" p14:dur="1250">
+        <p15:prstTrans prst="pageCurlDouble"/>
+      </p:transition>
+    </mc:Choice>
+    <mc:Fallback>
+      <p:transition spd="slow">
+        <p:fade/>
+      </p:transition>
+    </mc:Fallback>
+  </mc:AlternateContent>
 </p:sld>
 </file>
 
@@ -20233,6 +20341,18 @@
   <p:clrMapOvr>
     <a:masterClrMapping/>
   </p:clrMapOvr>
+  <mc:AlternateContent xmlns:mc="http://schemas.openxmlformats.org/markup-compatibility/2006">
+    <mc:Choice xmlns:p15="http://schemas.microsoft.com/office/powerpoint/2012/main" Requires="p15">
+      <p:transition xmlns:p14="http://schemas.microsoft.com/office/powerpoint/2010/main" spd="slow" p14:dur="1250">
+        <p15:prstTrans prst="pageCurlDouble"/>
+      </p:transition>
+    </mc:Choice>
+    <mc:Fallback>
+      <p:transition spd="slow">
+        <p:fade/>
+      </p:transition>
+    </mc:Fallback>
+  </mc:AlternateContent>
 </p:sld>
 </file>
 
@@ -20571,6 +20691,18 @@
   <p:clrMapOvr>
     <a:masterClrMapping/>
   </p:clrMapOvr>
+  <mc:AlternateContent xmlns:mc="http://schemas.openxmlformats.org/markup-compatibility/2006">
+    <mc:Choice xmlns:p15="http://schemas.microsoft.com/office/powerpoint/2012/main" Requires="p15">
+      <p:transition xmlns:p14="http://schemas.microsoft.com/office/powerpoint/2010/main" spd="slow" p14:dur="1250">
+        <p15:prstTrans prst="pageCurlDouble"/>
+      </p:transition>
+    </mc:Choice>
+    <mc:Fallback>
+      <p:transition spd="slow">
+        <p:fade/>
+      </p:transition>
+    </mc:Fallback>
+  </mc:AlternateContent>
 </p:sld>
 </file>
 
@@ -20609,8 +20741,8 @@
         </p:nvSpPr>
         <p:spPr>
           <a:xfrm>
-            <a:off x="850392" y="294221"/>
-            <a:ext cx="5510067" cy="1069848"/>
+            <a:off x="850392" y="171048"/>
+            <a:ext cx="5510067" cy="641693"/>
           </a:xfrm>
         </p:spPr>
         <p:txBody>
@@ -20767,8 +20899,8 @@
         </p:nvSpPr>
         <p:spPr>
           <a:xfrm>
-            <a:off x="1116106" y="1364069"/>
-            <a:ext cx="4652682" cy="3847207"/>
+            <a:off x="1116106" y="812742"/>
+            <a:ext cx="4652682" cy="5324535"/>
           </a:xfrm>
           <a:prstGeom prst="rect">
             <a:avLst/>
@@ -20854,12 +20986,12 @@
               <a:buChar char="•"/>
             </a:pPr>
             <a:r>
-              <a:rPr lang="en-IN" sz="2400" dirty="0">
+              <a:rPr lang="pt-BR" sz="2400" dirty="0">
                 <a:solidFill>
                   <a:schemeClr val="bg1"/>
                 </a:solidFill>
               </a:rPr>
-              <a:t>MAE: Rs. 299. </a:t>
+              <a:t>CV R2 Mean - 0.984089</a:t>
             </a:r>
           </a:p>
           <a:p>
@@ -20868,12 +21000,73 @@
               <a:buChar char="•"/>
             </a:pPr>
             <a:r>
-              <a:rPr lang="en-IN" sz="2400" dirty="0">
+              <a:rPr lang="pt-BR" sz="2400" dirty="0">
                 <a:solidFill>
                   <a:schemeClr val="bg1"/>
                 </a:solidFill>
               </a:rPr>
-              <a:t>RMSE: Rs. 657. </a:t>
+              <a:t>CV R2 Std - 0.003253</a:t>
+            </a:r>
+          </a:p>
+          <a:p>
+            <a:pPr marL="285750" indent="-285750">
+              <a:buFont typeface="Arial" panose="020B0604020202020204" pitchFamily="34" charset="0"/>
+              <a:buChar char="•"/>
+            </a:pPr>
+            <a:r>
+              <a:rPr lang="pt-BR" sz="2400" dirty="0">
+                <a:solidFill>
+                  <a:schemeClr val="bg1"/>
+                </a:solidFill>
+              </a:rPr>
+              <a:t>MAE - 301.386771</a:t>
+            </a:r>
+          </a:p>
+          <a:p>
+            <a:pPr marL="285750" indent="-285750">
+              <a:buFont typeface="Arial" panose="020B0604020202020204" pitchFamily="34" charset="0"/>
+              <a:buChar char="•"/>
+            </a:pPr>
+            <a:r>
+              <a:rPr lang="pt-BR" sz="2400" dirty="0">
+                <a:solidFill>
+                  <a:schemeClr val="bg1"/>
+                </a:solidFill>
+              </a:rPr>
+              <a:t>RMSE - 661.057137</a:t>
+            </a:r>
+          </a:p>
+          <a:p>
+            <a:pPr marL="285750" indent="-285750">
+              <a:buFont typeface="Arial" panose="020B0604020202020204" pitchFamily="34" charset="0"/>
+              <a:buChar char="•"/>
+            </a:pPr>
+            <a:r>
+              <a:rPr lang="pt-BR" sz="2400" dirty="0">
+                <a:solidFill>
+                  <a:schemeClr val="bg1"/>
+                </a:solidFill>
+              </a:rPr>
+              <a:t>R2 - 0.992606</a:t>
+            </a:r>
+            <a:endParaRPr lang="en-IN" sz="2400" dirty="0">
+              <a:solidFill>
+                <a:schemeClr val="bg1"/>
+              </a:solidFill>
+            </a:endParaRPr>
+          </a:p>
+          <a:p>
+            <a:pPr marL="285750" indent="-285750">
+              <a:buFont typeface="Arial" panose="020B0604020202020204" pitchFamily="34" charset="0"/>
+              <a:buChar char="•"/>
+            </a:pPr>
+            <a:r>
+              <a:rPr lang="pt-BR" sz="2400" dirty="0">
+                <a:solidFill>
+                  <a:schemeClr val="bg1"/>
+                </a:solidFill>
+              </a:rPr>
+              <a:t>Adj R2 - 0.991832 </a:t>
             </a:r>
           </a:p>
         </p:txBody>
@@ -20888,6 +21081,18 @@
   <p:clrMapOvr>
     <a:masterClrMapping/>
   </p:clrMapOvr>
+  <mc:AlternateContent xmlns:mc="http://schemas.openxmlformats.org/markup-compatibility/2006">
+    <mc:Choice xmlns:p15="http://schemas.microsoft.com/office/powerpoint/2012/main" Requires="p15">
+      <p:transition xmlns:p14="http://schemas.microsoft.com/office/powerpoint/2010/main" spd="slow" p14:dur="1250">
+        <p15:prstTrans prst="pageCurlDouble"/>
+      </p:transition>
+    </mc:Choice>
+    <mc:Fallback>
+      <p:transition spd="slow">
+        <p:fade/>
+      </p:transition>
+    </mc:Fallback>
+  </mc:AlternateContent>
 </p:sld>
 </file>
 
@@ -21388,6 +21593,15 @@
 </file>
 
 <file path=customXml/item1.xml><?xml version="1.0" encoding="utf-8"?>
+<?mso-contentType ?>
+<FormTemplates xmlns="http://schemas.microsoft.com/sharepoint/v3/contenttype/forms">
+  <Display>DocumentLibraryForm</Display>
+  <Edit>DocumentLibraryForm</Edit>
+  <New>DocumentLibraryForm</New>
+</FormTemplates>
+</file>
+
+<file path=customXml/item2.xml><?xml version="1.0" encoding="utf-8"?>
 <p:properties xmlns:p="http://schemas.microsoft.com/office/2006/metadata/properties" xmlns:xsi="http://www.w3.org/2001/XMLSchema-instance" xmlns:pc="http://schemas.microsoft.com/office/infopath/2007/PartnerControls">
   <documentManagement>
     <_ip_UnifiedCompliancePolicyUIAction xmlns="http://schemas.microsoft.com/sharepoint/v3" xsi:nil="true"/>
@@ -21405,15 +21619,6 @@
     <MediaServiceKeyPoints xmlns="71af3243-3dd4-4a8d-8c0d-dd76da1f02a5" xsi:nil="true"/>
   </documentManagement>
 </p:properties>
-</file>
-
-<file path=customXml/item2.xml><?xml version="1.0" encoding="utf-8"?>
-<?mso-contentType ?>
-<FormTemplates xmlns="http://schemas.microsoft.com/sharepoint/v3/contenttype/forms">
-  <Display>DocumentLibraryForm</Display>
-  <Edit>DocumentLibraryForm</Edit>
-  <New>DocumentLibraryForm</New>
-</FormTemplates>
 </file>
 
 <file path=customXml/item3.xml><?xml version="1.0" encoding="utf-8"?>
@@ -21711,6 +21916,14 @@
 </file>
 
 <file path=customXml/itemProps1.xml><?xml version="1.0" encoding="utf-8"?>
+<ds:datastoreItem xmlns:ds="http://schemas.openxmlformats.org/officeDocument/2006/customXml" ds:itemID="{4F1F1912-3146-44AF-A389-9E8B77BB3688}">
+  <ds:schemaRefs>
+    <ds:schemaRef ds:uri="http://schemas.microsoft.com/sharepoint/v3/contenttype/forms"/>
+  </ds:schemaRefs>
+</ds:datastoreItem>
+</file>
+
+<file path=customXml/itemProps2.xml><?xml version="1.0" encoding="utf-8"?>
 <ds:datastoreItem xmlns:ds="http://schemas.openxmlformats.org/officeDocument/2006/customXml" ds:itemID="{F8B8ECF1-2A9D-464C-AFE8-2B3295D0BF97}">
   <ds:schemaRefs>
     <ds:schemaRef ds:uri="http://schemas.microsoft.com/office/2006/metadata/properties"/>
@@ -21718,14 +21931,6 @@
     <ds:schemaRef ds:uri="http://schemas.microsoft.com/sharepoint/v3"/>
     <ds:schemaRef ds:uri="71af3243-3dd4-4a8d-8c0d-dd76da1f02a5"/>
     <ds:schemaRef ds:uri="230e9df3-be65-4c73-a93b-d1236ebd677e"/>
-  </ds:schemaRefs>
-</ds:datastoreItem>
-</file>
-
-<file path=customXml/itemProps2.xml><?xml version="1.0" encoding="utf-8"?>
-<ds:datastoreItem xmlns:ds="http://schemas.openxmlformats.org/officeDocument/2006/customXml" ds:itemID="{4F1F1912-3146-44AF-A389-9E8B77BB3688}">
-  <ds:schemaRefs>
-    <ds:schemaRef ds:uri="http://schemas.microsoft.com/sharepoint/v3/contenttype/forms"/>
   </ds:schemaRefs>
 </ds:datastoreItem>
 </file>
